--- a/Documents/StudySchematic.pptx
+++ b/Documents/StudySchematic.pptx
@@ -2,18 +2,21 @@
 <file path=ppt/presentation.xml><?xml version="1.0" encoding="utf-8"?>
 <p:presentation xmlns:a="http://schemas.openxmlformats.org/drawingml/2006/main" xmlns:r="http://schemas.openxmlformats.org/officeDocument/2006/relationships" xmlns:p="http://schemas.openxmlformats.org/presentationml/2006/main" saveSubsetFonts="1">
   <p:sldMasterIdLst>
-    <p:sldMasterId id="2147483648" r:id="rId1"/>
+    <p:sldMasterId id="2147483660" r:id="rId1"/>
   </p:sldMasterIdLst>
+  <p:notesMasterIdLst>
+    <p:notesMasterId r:id="rId3"/>
+  </p:notesMasterIdLst>
   <p:sldIdLst>
     <p:sldId id="262" r:id="rId2"/>
   </p:sldIdLst>
-  <p:sldSz cx="12192000" cy="6858000"/>
+  <p:sldSz cx="13716000" cy="6858000"/>
   <p:notesSz cx="6858000" cy="9144000"/>
   <p:defaultTextStyle>
     <a:defPPr>
       <a:defRPr lang="en-US"/>
     </a:defPPr>
-    <a:lvl1pPr marL="0" algn="l" defTabSz="914400" rtl="0" eaLnBrk="1" latinLnBrk="0" hangingPunct="1">
+    <a:lvl1pPr marL="0" algn="l" defTabSz="457200" rtl="0" eaLnBrk="1" latinLnBrk="0" hangingPunct="1">
       <a:defRPr sz="1800" kern="1200">
         <a:solidFill>
           <a:schemeClr val="tx1"/>
@@ -23,7 +26,7 @@
         <a:cs typeface="+mn-cs"/>
       </a:defRPr>
     </a:lvl1pPr>
-    <a:lvl2pPr marL="457200" algn="l" defTabSz="914400" rtl="0" eaLnBrk="1" latinLnBrk="0" hangingPunct="1">
+    <a:lvl2pPr marL="457200" algn="l" defTabSz="457200" rtl="0" eaLnBrk="1" latinLnBrk="0" hangingPunct="1">
       <a:defRPr sz="1800" kern="1200">
         <a:solidFill>
           <a:schemeClr val="tx1"/>
@@ -33,7 +36,7 @@
         <a:cs typeface="+mn-cs"/>
       </a:defRPr>
     </a:lvl2pPr>
-    <a:lvl3pPr marL="914400" algn="l" defTabSz="914400" rtl="0" eaLnBrk="1" latinLnBrk="0" hangingPunct="1">
+    <a:lvl3pPr marL="914400" algn="l" defTabSz="457200" rtl="0" eaLnBrk="1" latinLnBrk="0" hangingPunct="1">
       <a:defRPr sz="1800" kern="1200">
         <a:solidFill>
           <a:schemeClr val="tx1"/>
@@ -43,7 +46,7 @@
         <a:cs typeface="+mn-cs"/>
       </a:defRPr>
     </a:lvl3pPr>
-    <a:lvl4pPr marL="1371600" algn="l" defTabSz="914400" rtl="0" eaLnBrk="1" latinLnBrk="0" hangingPunct="1">
+    <a:lvl4pPr marL="1371600" algn="l" defTabSz="457200" rtl="0" eaLnBrk="1" latinLnBrk="0" hangingPunct="1">
       <a:defRPr sz="1800" kern="1200">
         <a:solidFill>
           <a:schemeClr val="tx1"/>
@@ -53,7 +56,7 @@
         <a:cs typeface="+mn-cs"/>
       </a:defRPr>
     </a:lvl4pPr>
-    <a:lvl5pPr marL="1828800" algn="l" defTabSz="914400" rtl="0" eaLnBrk="1" latinLnBrk="0" hangingPunct="1">
+    <a:lvl5pPr marL="1828800" algn="l" defTabSz="457200" rtl="0" eaLnBrk="1" latinLnBrk="0" hangingPunct="1">
       <a:defRPr sz="1800" kern="1200">
         <a:solidFill>
           <a:schemeClr val="tx1"/>
@@ -63,7 +66,7 @@
         <a:cs typeface="+mn-cs"/>
       </a:defRPr>
     </a:lvl5pPr>
-    <a:lvl6pPr marL="2286000" algn="l" defTabSz="914400" rtl="0" eaLnBrk="1" latinLnBrk="0" hangingPunct="1">
+    <a:lvl6pPr marL="2286000" algn="l" defTabSz="457200" rtl="0" eaLnBrk="1" latinLnBrk="0" hangingPunct="1">
       <a:defRPr sz="1800" kern="1200">
         <a:solidFill>
           <a:schemeClr val="tx1"/>
@@ -73,7 +76,7 @@
         <a:cs typeface="+mn-cs"/>
       </a:defRPr>
     </a:lvl6pPr>
-    <a:lvl7pPr marL="2743200" algn="l" defTabSz="914400" rtl="0" eaLnBrk="1" latinLnBrk="0" hangingPunct="1">
+    <a:lvl7pPr marL="2743200" algn="l" defTabSz="457200" rtl="0" eaLnBrk="1" latinLnBrk="0" hangingPunct="1">
       <a:defRPr sz="1800" kern="1200">
         <a:solidFill>
           <a:schemeClr val="tx1"/>
@@ -83,7 +86,7 @@
         <a:cs typeface="+mn-cs"/>
       </a:defRPr>
     </a:lvl7pPr>
-    <a:lvl8pPr marL="3200400" algn="l" defTabSz="914400" rtl="0" eaLnBrk="1" latinLnBrk="0" hangingPunct="1">
+    <a:lvl8pPr marL="3200400" algn="l" defTabSz="457200" rtl="0" eaLnBrk="1" latinLnBrk="0" hangingPunct="1">
       <a:defRPr sz="1800" kern="1200">
         <a:solidFill>
           <a:schemeClr val="tx1"/>
@@ -93,7 +96,7 @@
         <a:cs typeface="+mn-cs"/>
       </a:defRPr>
     </a:lvl8pPr>
-    <a:lvl9pPr marL="3657600" algn="l" defTabSz="914400" rtl="0" eaLnBrk="1" latinLnBrk="0" hangingPunct="1">
+    <a:lvl9pPr marL="3657600" algn="l" defTabSz="457200" rtl="0" eaLnBrk="1" latinLnBrk="0" hangingPunct="1">
       <a:defRPr sz="1800" kern="1200">
         <a:solidFill>
           <a:schemeClr val="tx1"/>
@@ -110,6 +113,355 @@
     </p:ext>
   </p:extLst>
 </p:presentation>
+</file>
+
+<file path=ppt/notesMasters/notesMaster1.xml><?xml version="1.0" encoding="utf-8"?>
+<p:notesMaster xmlns:a="http://schemas.openxmlformats.org/drawingml/2006/main" xmlns:r="http://schemas.openxmlformats.org/officeDocument/2006/relationships" xmlns:p="http://schemas.openxmlformats.org/presentationml/2006/main">
+  <p:cSld>
+    <p:bg>
+      <p:bgRef idx="1001">
+        <a:schemeClr val="bg1"/>
+      </p:bgRef>
+    </p:bg>
+    <p:spTree>
+      <p:nvGrpSpPr>
+        <p:cNvPr id="1" name=""/>
+        <p:cNvGrpSpPr/>
+        <p:nvPr/>
+      </p:nvGrpSpPr>
+      <p:grpSpPr>
+        <a:xfrm>
+          <a:off x="0" y="0"/>
+          <a:ext cx="0" cy="0"/>
+          <a:chOff x="0" y="0"/>
+          <a:chExt cx="0" cy="0"/>
+        </a:xfrm>
+      </p:grpSpPr>
+      <p:sp>
+        <p:nvSpPr>
+          <p:cNvPr id="2" name="Header Placeholder 1"/>
+          <p:cNvSpPr>
+            <a:spLocks noGrp="1"/>
+          </p:cNvSpPr>
+          <p:nvPr>
+            <p:ph type="hdr" sz="quarter"/>
+          </p:nvPr>
+        </p:nvSpPr>
+        <p:spPr>
+          <a:xfrm>
+            <a:off x="0" y="0"/>
+            <a:ext cx="2971800" cy="458788"/>
+          </a:xfrm>
+          <a:prstGeom prst="rect">
+            <a:avLst/>
+          </a:prstGeom>
+        </p:spPr>
+        <p:txBody>
+          <a:bodyPr vert="horz" lIns="91440" tIns="45720" rIns="91440" bIns="45720" rtlCol="0"/>
+          <a:lstStyle>
+            <a:lvl1pPr algn="l">
+              <a:defRPr sz="1200"/>
+            </a:lvl1pPr>
+          </a:lstStyle>
+          <a:p>
+            <a:endParaRPr lang="en-US"/>
+          </a:p>
+        </p:txBody>
+      </p:sp>
+      <p:sp>
+        <p:nvSpPr>
+          <p:cNvPr id="3" name="Date Placeholder 2"/>
+          <p:cNvSpPr>
+            <a:spLocks noGrp="1"/>
+          </p:cNvSpPr>
+          <p:nvPr>
+            <p:ph type="dt" idx="1"/>
+          </p:nvPr>
+        </p:nvSpPr>
+        <p:spPr>
+          <a:xfrm>
+            <a:off x="3884613" y="0"/>
+            <a:ext cx="2971800" cy="458788"/>
+          </a:xfrm>
+          <a:prstGeom prst="rect">
+            <a:avLst/>
+          </a:prstGeom>
+        </p:spPr>
+        <p:txBody>
+          <a:bodyPr vert="horz" lIns="91440" tIns="45720" rIns="91440" bIns="45720" rtlCol="0"/>
+          <a:lstStyle>
+            <a:lvl1pPr algn="r">
+              <a:defRPr sz="1200"/>
+            </a:lvl1pPr>
+          </a:lstStyle>
+          <a:p>
+            <a:fld id="{7CA46332-A088-6D4E-9F9D-E79E4847622B}" type="datetimeFigureOut">
+              <a:rPr lang="en-US" smtClean="0"/>
+              <a:t>7/26/21</a:t>
+            </a:fld>
+            <a:endParaRPr lang="en-US"/>
+          </a:p>
+        </p:txBody>
+      </p:sp>
+      <p:sp>
+        <p:nvSpPr>
+          <p:cNvPr id="4" name="Slide Image Placeholder 3"/>
+          <p:cNvSpPr>
+            <a:spLocks noGrp="1" noRot="1" noChangeAspect="1"/>
+          </p:cNvSpPr>
+          <p:nvPr>
+            <p:ph type="sldImg" idx="2"/>
+          </p:nvPr>
+        </p:nvSpPr>
+        <p:spPr>
+          <a:xfrm>
+            <a:off x="342900" y="1143000"/>
+            <a:ext cx="6172200" cy="3086100"/>
+          </a:xfrm>
+          <a:prstGeom prst="rect">
+            <a:avLst/>
+          </a:prstGeom>
+          <a:noFill/>
+          <a:ln w="12700">
+            <a:solidFill>
+              <a:prstClr val="black"/>
+            </a:solidFill>
+          </a:ln>
+        </p:spPr>
+        <p:txBody>
+          <a:bodyPr vert="horz" lIns="91440" tIns="45720" rIns="91440" bIns="45720" rtlCol="0" anchor="ctr"/>
+          <a:lstStyle/>
+          <a:p>
+            <a:endParaRPr lang="en-US"/>
+          </a:p>
+        </p:txBody>
+      </p:sp>
+      <p:sp>
+        <p:nvSpPr>
+          <p:cNvPr id="5" name="Notes Placeholder 4"/>
+          <p:cNvSpPr>
+            <a:spLocks noGrp="1"/>
+          </p:cNvSpPr>
+          <p:nvPr>
+            <p:ph type="body" sz="quarter" idx="3"/>
+          </p:nvPr>
+        </p:nvSpPr>
+        <p:spPr>
+          <a:xfrm>
+            <a:off x="685800" y="4400550"/>
+            <a:ext cx="5486400" cy="3600450"/>
+          </a:xfrm>
+          <a:prstGeom prst="rect">
+            <a:avLst/>
+          </a:prstGeom>
+        </p:spPr>
+        <p:txBody>
+          <a:bodyPr vert="horz" lIns="91440" tIns="45720" rIns="91440" bIns="45720" rtlCol="0"/>
+          <a:lstStyle/>
+          <a:p>
+            <a:pPr lvl="0"/>
+            <a:r>
+              <a:rPr lang="en-US"/>
+              <a:t>Click to edit Master text styles</a:t>
+            </a:r>
+          </a:p>
+          <a:p>
+            <a:pPr lvl="1"/>
+            <a:r>
+              <a:rPr lang="en-US"/>
+              <a:t>Second level</a:t>
+            </a:r>
+          </a:p>
+          <a:p>
+            <a:pPr lvl="2"/>
+            <a:r>
+              <a:rPr lang="en-US"/>
+              <a:t>Third level</a:t>
+            </a:r>
+          </a:p>
+          <a:p>
+            <a:pPr lvl="3"/>
+            <a:r>
+              <a:rPr lang="en-US"/>
+              <a:t>Fourth level</a:t>
+            </a:r>
+          </a:p>
+          <a:p>
+            <a:pPr lvl="4"/>
+            <a:r>
+              <a:rPr lang="en-US"/>
+              <a:t>Fifth level</a:t>
+            </a:r>
+          </a:p>
+        </p:txBody>
+      </p:sp>
+      <p:sp>
+        <p:nvSpPr>
+          <p:cNvPr id="6" name="Footer Placeholder 5"/>
+          <p:cNvSpPr>
+            <a:spLocks noGrp="1"/>
+          </p:cNvSpPr>
+          <p:nvPr>
+            <p:ph type="ftr" sz="quarter" idx="4"/>
+          </p:nvPr>
+        </p:nvSpPr>
+        <p:spPr>
+          <a:xfrm>
+            <a:off x="0" y="8685213"/>
+            <a:ext cx="2971800" cy="458787"/>
+          </a:xfrm>
+          <a:prstGeom prst="rect">
+            <a:avLst/>
+          </a:prstGeom>
+        </p:spPr>
+        <p:txBody>
+          <a:bodyPr vert="horz" lIns="91440" tIns="45720" rIns="91440" bIns="45720" rtlCol="0" anchor="b"/>
+          <a:lstStyle>
+            <a:lvl1pPr algn="l">
+              <a:defRPr sz="1200"/>
+            </a:lvl1pPr>
+          </a:lstStyle>
+          <a:p>
+            <a:endParaRPr lang="en-US"/>
+          </a:p>
+        </p:txBody>
+      </p:sp>
+      <p:sp>
+        <p:nvSpPr>
+          <p:cNvPr id="7" name="Slide Number Placeholder 6"/>
+          <p:cNvSpPr>
+            <a:spLocks noGrp="1"/>
+          </p:cNvSpPr>
+          <p:nvPr>
+            <p:ph type="sldNum" sz="quarter" idx="5"/>
+          </p:nvPr>
+        </p:nvSpPr>
+        <p:spPr>
+          <a:xfrm>
+            <a:off x="3884613" y="8685213"/>
+            <a:ext cx="2971800" cy="458787"/>
+          </a:xfrm>
+          <a:prstGeom prst="rect">
+            <a:avLst/>
+          </a:prstGeom>
+        </p:spPr>
+        <p:txBody>
+          <a:bodyPr vert="horz" lIns="91440" tIns="45720" rIns="91440" bIns="45720" rtlCol="0" anchor="b"/>
+          <a:lstStyle>
+            <a:lvl1pPr algn="r">
+              <a:defRPr sz="1200"/>
+            </a:lvl1pPr>
+          </a:lstStyle>
+          <a:p>
+            <a:fld id="{6F7F9CE6-9F37-FD42-97FA-1FFD5FF944DC}" type="slidenum">
+              <a:rPr lang="en-US" smtClean="0"/>
+              <a:t>‹#›</a:t>
+            </a:fld>
+            <a:endParaRPr lang="en-US"/>
+          </a:p>
+        </p:txBody>
+      </p:sp>
+    </p:spTree>
+    <p:extLst>
+      <p:ext uri="{BB962C8B-B14F-4D97-AF65-F5344CB8AC3E}">
+        <p14:creationId xmlns:p14="http://schemas.microsoft.com/office/powerpoint/2010/main" val="1991185382"/>
+      </p:ext>
+    </p:extLst>
+  </p:cSld>
+  <p:clrMap bg1="lt1" tx1="dk1" bg2="lt2" tx2="dk2" accent1="accent1" accent2="accent2" accent3="accent3" accent4="accent4" accent5="accent5" accent6="accent6" hlink="hlink" folHlink="folHlink"/>
+  <p:notesStyle>
+    <a:lvl1pPr marL="0" algn="l" defTabSz="914400" rtl="0" eaLnBrk="1" latinLnBrk="0" hangingPunct="1">
+      <a:defRPr sz="1200" kern="1200">
+        <a:solidFill>
+          <a:schemeClr val="tx1"/>
+        </a:solidFill>
+        <a:latin typeface="+mn-lt"/>
+        <a:ea typeface="+mn-ea"/>
+        <a:cs typeface="+mn-cs"/>
+      </a:defRPr>
+    </a:lvl1pPr>
+    <a:lvl2pPr marL="457200" algn="l" defTabSz="914400" rtl="0" eaLnBrk="1" latinLnBrk="0" hangingPunct="1">
+      <a:defRPr sz="1200" kern="1200">
+        <a:solidFill>
+          <a:schemeClr val="tx1"/>
+        </a:solidFill>
+        <a:latin typeface="+mn-lt"/>
+        <a:ea typeface="+mn-ea"/>
+        <a:cs typeface="+mn-cs"/>
+      </a:defRPr>
+    </a:lvl2pPr>
+    <a:lvl3pPr marL="914400" algn="l" defTabSz="914400" rtl="0" eaLnBrk="1" latinLnBrk="0" hangingPunct="1">
+      <a:defRPr sz="1200" kern="1200">
+        <a:solidFill>
+          <a:schemeClr val="tx1"/>
+        </a:solidFill>
+        <a:latin typeface="+mn-lt"/>
+        <a:ea typeface="+mn-ea"/>
+        <a:cs typeface="+mn-cs"/>
+      </a:defRPr>
+    </a:lvl3pPr>
+    <a:lvl4pPr marL="1371600" algn="l" defTabSz="914400" rtl="0" eaLnBrk="1" latinLnBrk="0" hangingPunct="1">
+      <a:defRPr sz="1200" kern="1200">
+        <a:solidFill>
+          <a:schemeClr val="tx1"/>
+        </a:solidFill>
+        <a:latin typeface="+mn-lt"/>
+        <a:ea typeface="+mn-ea"/>
+        <a:cs typeface="+mn-cs"/>
+      </a:defRPr>
+    </a:lvl4pPr>
+    <a:lvl5pPr marL="1828800" algn="l" defTabSz="914400" rtl="0" eaLnBrk="1" latinLnBrk="0" hangingPunct="1">
+      <a:defRPr sz="1200" kern="1200">
+        <a:solidFill>
+          <a:schemeClr val="tx1"/>
+        </a:solidFill>
+        <a:latin typeface="+mn-lt"/>
+        <a:ea typeface="+mn-ea"/>
+        <a:cs typeface="+mn-cs"/>
+      </a:defRPr>
+    </a:lvl5pPr>
+    <a:lvl6pPr marL="2286000" algn="l" defTabSz="914400" rtl="0" eaLnBrk="1" latinLnBrk="0" hangingPunct="1">
+      <a:defRPr sz="1200" kern="1200">
+        <a:solidFill>
+          <a:schemeClr val="tx1"/>
+        </a:solidFill>
+        <a:latin typeface="+mn-lt"/>
+        <a:ea typeface="+mn-ea"/>
+        <a:cs typeface="+mn-cs"/>
+      </a:defRPr>
+    </a:lvl6pPr>
+    <a:lvl7pPr marL="2743200" algn="l" defTabSz="914400" rtl="0" eaLnBrk="1" latinLnBrk="0" hangingPunct="1">
+      <a:defRPr sz="1200" kern="1200">
+        <a:solidFill>
+          <a:schemeClr val="tx1"/>
+        </a:solidFill>
+        <a:latin typeface="+mn-lt"/>
+        <a:ea typeface="+mn-ea"/>
+        <a:cs typeface="+mn-cs"/>
+      </a:defRPr>
+    </a:lvl7pPr>
+    <a:lvl8pPr marL="3200400" algn="l" defTabSz="914400" rtl="0" eaLnBrk="1" latinLnBrk="0" hangingPunct="1">
+      <a:defRPr sz="1200" kern="1200">
+        <a:solidFill>
+          <a:schemeClr val="tx1"/>
+        </a:solidFill>
+        <a:latin typeface="+mn-lt"/>
+        <a:ea typeface="+mn-ea"/>
+        <a:cs typeface="+mn-cs"/>
+      </a:defRPr>
+    </a:lvl8pPr>
+    <a:lvl9pPr marL="3657600" algn="l" defTabSz="914400" rtl="0" eaLnBrk="1" latinLnBrk="0" hangingPunct="1">
+      <a:defRPr sz="1200" kern="1200">
+        <a:solidFill>
+          <a:schemeClr val="tx1"/>
+        </a:solidFill>
+        <a:latin typeface="+mn-lt"/>
+        <a:ea typeface="+mn-ea"/>
+        <a:cs typeface="+mn-cs"/>
+      </a:defRPr>
+    </a:lvl9pPr>
+  </p:notesStyle>
+</p:notesMaster>
 </file>
 
 <file path=ppt/slideLayouts/slideLayout1.xml><?xml version="1.0" encoding="utf-8"?>
@@ -131,13 +483,7 @@
       </p:grpSpPr>
       <p:sp>
         <p:nvSpPr>
-          <p:cNvPr id="2" name="Title 1">
-            <a:extLst>
-              <a:ext uri="{FF2B5EF4-FFF2-40B4-BE49-F238E27FC236}">
-                <a16:creationId xmlns:a16="http://schemas.microsoft.com/office/drawing/2014/main" id="{D7DECCE1-F6D8-4447-B4DD-D33F0C660283}"/>
-              </a:ext>
-            </a:extLst>
-          </p:cNvPr>
+          <p:cNvPr id="2" name="Title 1"/>
           <p:cNvSpPr>
             <a:spLocks noGrp="1"/>
           </p:cNvSpPr>
@@ -147,8 +493,8 @@
         </p:nvSpPr>
         <p:spPr>
           <a:xfrm>
-            <a:off x="1524000" y="1122363"/>
-            <a:ext cx="9144000" cy="2387600"/>
+            <a:off x="1714500" y="1122363"/>
+            <a:ext cx="10287000" cy="2387600"/>
           </a:xfrm>
         </p:spPr>
         <p:txBody>
@@ -163,18 +509,13 @@
               <a:rPr lang="en-US"/>
               <a:t>Click to edit Master title style</a:t>
             </a:r>
-          </a:p>
-        </p:txBody>
-      </p:sp>
-      <p:sp>
-        <p:nvSpPr>
-          <p:cNvPr id="3" name="Subtitle 2">
-            <a:extLst>
-              <a:ext uri="{FF2B5EF4-FFF2-40B4-BE49-F238E27FC236}">
-                <a16:creationId xmlns:a16="http://schemas.microsoft.com/office/drawing/2014/main" id="{D742C5B5-108B-448D-8D24-1C798F638465}"/>
-              </a:ext>
-            </a:extLst>
-          </p:cNvPr>
+            <a:endParaRPr lang="en-US" dirty="0"/>
+          </a:p>
+        </p:txBody>
+      </p:sp>
+      <p:sp>
+        <p:nvSpPr>
+          <p:cNvPr id="3" name="Subtitle 2"/>
           <p:cNvSpPr>
             <a:spLocks noGrp="1"/>
           </p:cNvSpPr>
@@ -184,8 +525,8 @@
         </p:nvSpPr>
         <p:spPr>
           <a:xfrm>
-            <a:off x="1524000" y="3602038"/>
-            <a:ext cx="9144000" cy="1655762"/>
+            <a:off x="1714500" y="3602038"/>
+            <a:ext cx="10287000" cy="1655762"/>
           </a:xfrm>
         </p:spPr>
         <p:txBody>
@@ -233,18 +574,13 @@
               <a:rPr lang="en-US"/>
               <a:t>Click to edit Master subtitle style</a:t>
             </a:r>
-          </a:p>
-        </p:txBody>
-      </p:sp>
-      <p:sp>
-        <p:nvSpPr>
-          <p:cNvPr id="4" name="Date Placeholder 3">
-            <a:extLst>
-              <a:ext uri="{FF2B5EF4-FFF2-40B4-BE49-F238E27FC236}">
-                <a16:creationId xmlns:a16="http://schemas.microsoft.com/office/drawing/2014/main" id="{CA0C0EBC-A31C-4C2B-AEAA-B1F5892F1A9C}"/>
-              </a:ext>
-            </a:extLst>
-          </p:cNvPr>
+            <a:endParaRPr lang="en-US" dirty="0"/>
+          </a:p>
+        </p:txBody>
+      </p:sp>
+      <p:sp>
+        <p:nvSpPr>
+          <p:cNvPr id="4" name="Date Placeholder 3"/>
           <p:cNvSpPr>
             <a:spLocks noGrp="1"/>
           </p:cNvSpPr>
@@ -259,7 +595,7 @@
           <a:p>
             <a:fld id="{6164DDD2-9591-42EE-A2DD-49C249ADF445}" type="datetimeFigureOut">
               <a:rPr lang="en-US" smtClean="0"/>
-              <a:t>8/13/20</a:t>
+              <a:t>7/26/21</a:t>
             </a:fld>
             <a:endParaRPr lang="en-US"/>
           </a:p>
@@ -267,13 +603,7 @@
       </p:sp>
       <p:sp>
         <p:nvSpPr>
-          <p:cNvPr id="5" name="Footer Placeholder 4">
-            <a:extLst>
-              <a:ext uri="{FF2B5EF4-FFF2-40B4-BE49-F238E27FC236}">
-                <a16:creationId xmlns:a16="http://schemas.microsoft.com/office/drawing/2014/main" id="{2AA6666A-375A-4687-9580-EE78410C22FB}"/>
-              </a:ext>
-            </a:extLst>
-          </p:cNvPr>
+          <p:cNvPr id="5" name="Footer Placeholder 4"/>
           <p:cNvSpPr>
             <a:spLocks noGrp="1"/>
           </p:cNvSpPr>
@@ -292,13 +622,7 @@
       </p:sp>
       <p:sp>
         <p:nvSpPr>
-          <p:cNvPr id="6" name="Slide Number Placeholder 5">
-            <a:extLst>
-              <a:ext uri="{FF2B5EF4-FFF2-40B4-BE49-F238E27FC236}">
-                <a16:creationId xmlns:a16="http://schemas.microsoft.com/office/drawing/2014/main" id="{EF558DAD-B101-4B7B-8231-924687553318}"/>
-              </a:ext>
-            </a:extLst>
-          </p:cNvPr>
+          <p:cNvPr id="6" name="Slide Number Placeholder 5"/>
           <p:cNvSpPr>
             <a:spLocks noGrp="1"/>
           </p:cNvSpPr>
@@ -322,7 +646,7 @@
     </p:spTree>
     <p:extLst>
       <p:ext uri="{BB962C8B-B14F-4D97-AF65-F5344CB8AC3E}">
-        <p14:creationId xmlns:p14="http://schemas.microsoft.com/office/powerpoint/2010/main" val="779547128"/>
+        <p14:creationId xmlns:p14="http://schemas.microsoft.com/office/powerpoint/2010/main" val="3571791008"/>
       </p:ext>
     </p:extLst>
   </p:cSld>
@@ -351,13 +675,7 @@
       </p:grpSpPr>
       <p:sp>
         <p:nvSpPr>
-          <p:cNvPr id="2" name="Title 1">
-            <a:extLst>
-              <a:ext uri="{FF2B5EF4-FFF2-40B4-BE49-F238E27FC236}">
-                <a16:creationId xmlns:a16="http://schemas.microsoft.com/office/drawing/2014/main" id="{E44AE7CD-F625-450B-AEAD-EAA60E300ABD}"/>
-              </a:ext>
-            </a:extLst>
-          </p:cNvPr>
+          <p:cNvPr id="2" name="Title 1"/>
           <p:cNvSpPr>
             <a:spLocks noGrp="1"/>
           </p:cNvSpPr>
@@ -374,18 +692,13 @@
               <a:rPr lang="en-US"/>
               <a:t>Click to edit Master title style</a:t>
             </a:r>
-          </a:p>
-        </p:txBody>
-      </p:sp>
-      <p:sp>
-        <p:nvSpPr>
-          <p:cNvPr id="3" name="Vertical Text Placeholder 2">
-            <a:extLst>
-              <a:ext uri="{FF2B5EF4-FFF2-40B4-BE49-F238E27FC236}">
-                <a16:creationId xmlns:a16="http://schemas.microsoft.com/office/drawing/2014/main" id="{0EE71736-D745-4B0F-B0C9-46E572B7B1F2}"/>
-              </a:ext>
-            </a:extLst>
-          </p:cNvPr>
+            <a:endParaRPr lang="en-US" dirty="0"/>
+          </a:p>
+        </p:txBody>
+      </p:sp>
+      <p:sp>
+        <p:nvSpPr>
+          <p:cNvPr id="3" name="Vertical Text Placeholder 2"/>
           <p:cNvSpPr>
             <a:spLocks noGrp="1"/>
           </p:cNvSpPr>
@@ -431,18 +744,13 @@
               <a:rPr lang="en-US"/>
               <a:t>Fifth level</a:t>
             </a:r>
-          </a:p>
-        </p:txBody>
-      </p:sp>
-      <p:sp>
-        <p:nvSpPr>
-          <p:cNvPr id="4" name="Date Placeholder 3">
-            <a:extLst>
-              <a:ext uri="{FF2B5EF4-FFF2-40B4-BE49-F238E27FC236}">
-                <a16:creationId xmlns:a16="http://schemas.microsoft.com/office/drawing/2014/main" id="{DCEC1052-37A0-417B-9552-D48F467C198A}"/>
-              </a:ext>
-            </a:extLst>
-          </p:cNvPr>
+            <a:endParaRPr lang="en-US" dirty="0"/>
+          </a:p>
+        </p:txBody>
+      </p:sp>
+      <p:sp>
+        <p:nvSpPr>
+          <p:cNvPr id="4" name="Date Placeholder 3"/>
           <p:cNvSpPr>
             <a:spLocks noGrp="1"/>
           </p:cNvSpPr>
@@ -457,7 +765,7 @@
           <a:p>
             <a:fld id="{6164DDD2-9591-42EE-A2DD-49C249ADF445}" type="datetimeFigureOut">
               <a:rPr lang="en-US" smtClean="0"/>
-              <a:t>8/13/20</a:t>
+              <a:t>7/26/21</a:t>
             </a:fld>
             <a:endParaRPr lang="en-US"/>
           </a:p>
@@ -465,13 +773,7 @@
       </p:sp>
       <p:sp>
         <p:nvSpPr>
-          <p:cNvPr id="5" name="Footer Placeholder 4">
-            <a:extLst>
-              <a:ext uri="{FF2B5EF4-FFF2-40B4-BE49-F238E27FC236}">
-                <a16:creationId xmlns:a16="http://schemas.microsoft.com/office/drawing/2014/main" id="{6C5D6C2C-7EFE-4AEA-B13B-225E436F6DD9}"/>
-              </a:ext>
-            </a:extLst>
-          </p:cNvPr>
+          <p:cNvPr id="5" name="Footer Placeholder 4"/>
           <p:cNvSpPr>
             <a:spLocks noGrp="1"/>
           </p:cNvSpPr>
@@ -490,13 +792,7 @@
       </p:sp>
       <p:sp>
         <p:nvSpPr>
-          <p:cNvPr id="6" name="Slide Number Placeholder 5">
-            <a:extLst>
-              <a:ext uri="{FF2B5EF4-FFF2-40B4-BE49-F238E27FC236}">
-                <a16:creationId xmlns:a16="http://schemas.microsoft.com/office/drawing/2014/main" id="{04AF2763-A6A3-4C7A-9A67-FD9B54AF780C}"/>
-              </a:ext>
-            </a:extLst>
-          </p:cNvPr>
+          <p:cNvPr id="6" name="Slide Number Placeholder 5"/>
           <p:cNvSpPr>
             <a:spLocks noGrp="1"/>
           </p:cNvSpPr>
@@ -520,7 +816,7 @@
     </p:spTree>
     <p:extLst>
       <p:ext uri="{BB962C8B-B14F-4D97-AF65-F5344CB8AC3E}">
-        <p14:creationId xmlns:p14="http://schemas.microsoft.com/office/powerpoint/2010/main" val="376006740"/>
+        <p14:creationId xmlns:p14="http://schemas.microsoft.com/office/powerpoint/2010/main" val="3939192596"/>
       </p:ext>
     </p:extLst>
   </p:cSld>
@@ -549,13 +845,7 @@
       </p:grpSpPr>
       <p:sp>
         <p:nvSpPr>
-          <p:cNvPr id="2" name="Vertical Title 1">
-            <a:extLst>
-              <a:ext uri="{FF2B5EF4-FFF2-40B4-BE49-F238E27FC236}">
-                <a16:creationId xmlns:a16="http://schemas.microsoft.com/office/drawing/2014/main" id="{E208BAEA-E8D8-4496-BBFF-4FDBFEBE8A25}"/>
-              </a:ext>
-            </a:extLst>
-          </p:cNvPr>
+          <p:cNvPr id="2" name="Vertical Title 1"/>
           <p:cNvSpPr>
             <a:spLocks noGrp="1"/>
           </p:cNvSpPr>
@@ -565,8 +855,8 @@
         </p:nvSpPr>
         <p:spPr>
           <a:xfrm>
-            <a:off x="8724900" y="365125"/>
-            <a:ext cx="2628900" cy="5811838"/>
+            <a:off x="9815512" y="365125"/>
+            <a:ext cx="2957513" cy="5811838"/>
           </a:xfrm>
         </p:spPr>
         <p:txBody>
@@ -577,18 +867,13 @@
               <a:rPr lang="en-US"/>
               <a:t>Click to edit Master title style</a:t>
             </a:r>
-          </a:p>
-        </p:txBody>
-      </p:sp>
-      <p:sp>
-        <p:nvSpPr>
-          <p:cNvPr id="3" name="Vertical Text Placeholder 2">
-            <a:extLst>
-              <a:ext uri="{FF2B5EF4-FFF2-40B4-BE49-F238E27FC236}">
-                <a16:creationId xmlns:a16="http://schemas.microsoft.com/office/drawing/2014/main" id="{A5E0C038-7A4E-4042-A657-6AA7903C92F5}"/>
-              </a:ext>
-            </a:extLst>
-          </p:cNvPr>
+            <a:endParaRPr lang="en-US" dirty="0"/>
+          </a:p>
+        </p:txBody>
+      </p:sp>
+      <p:sp>
+        <p:nvSpPr>
+          <p:cNvPr id="3" name="Vertical Text Placeholder 2"/>
           <p:cNvSpPr>
             <a:spLocks noGrp="1"/>
           </p:cNvSpPr>
@@ -598,8 +883,8 @@
         </p:nvSpPr>
         <p:spPr>
           <a:xfrm>
-            <a:off x="838200" y="365125"/>
-            <a:ext cx="7734300" cy="5811838"/>
+            <a:off x="942975" y="365125"/>
+            <a:ext cx="8701088" cy="5811838"/>
           </a:xfrm>
         </p:spPr>
         <p:txBody>
@@ -639,18 +924,13 @@
               <a:rPr lang="en-US"/>
               <a:t>Fifth level</a:t>
             </a:r>
-          </a:p>
-        </p:txBody>
-      </p:sp>
-      <p:sp>
-        <p:nvSpPr>
-          <p:cNvPr id="4" name="Date Placeholder 3">
-            <a:extLst>
-              <a:ext uri="{FF2B5EF4-FFF2-40B4-BE49-F238E27FC236}">
-                <a16:creationId xmlns:a16="http://schemas.microsoft.com/office/drawing/2014/main" id="{CEADCCF4-0A05-4960-A495-4757891698A3}"/>
-              </a:ext>
-            </a:extLst>
-          </p:cNvPr>
+            <a:endParaRPr lang="en-US" dirty="0"/>
+          </a:p>
+        </p:txBody>
+      </p:sp>
+      <p:sp>
+        <p:nvSpPr>
+          <p:cNvPr id="4" name="Date Placeholder 3"/>
           <p:cNvSpPr>
             <a:spLocks noGrp="1"/>
           </p:cNvSpPr>
@@ -665,7 +945,7 @@
           <a:p>
             <a:fld id="{6164DDD2-9591-42EE-A2DD-49C249ADF445}" type="datetimeFigureOut">
               <a:rPr lang="en-US" smtClean="0"/>
-              <a:t>8/13/20</a:t>
+              <a:t>7/26/21</a:t>
             </a:fld>
             <a:endParaRPr lang="en-US"/>
           </a:p>
@@ -673,13 +953,7 @@
       </p:sp>
       <p:sp>
         <p:nvSpPr>
-          <p:cNvPr id="5" name="Footer Placeholder 4">
-            <a:extLst>
-              <a:ext uri="{FF2B5EF4-FFF2-40B4-BE49-F238E27FC236}">
-                <a16:creationId xmlns:a16="http://schemas.microsoft.com/office/drawing/2014/main" id="{7B9DDC7E-4F96-47B2-84BC-520B77C4D00D}"/>
-              </a:ext>
-            </a:extLst>
-          </p:cNvPr>
+          <p:cNvPr id="5" name="Footer Placeholder 4"/>
           <p:cNvSpPr>
             <a:spLocks noGrp="1"/>
           </p:cNvSpPr>
@@ -698,13 +972,7 @@
       </p:sp>
       <p:sp>
         <p:nvSpPr>
-          <p:cNvPr id="6" name="Slide Number Placeholder 5">
-            <a:extLst>
-              <a:ext uri="{FF2B5EF4-FFF2-40B4-BE49-F238E27FC236}">
-                <a16:creationId xmlns:a16="http://schemas.microsoft.com/office/drawing/2014/main" id="{A5A16667-19B1-4137-B9A0-0DAAD5D0FF97}"/>
-              </a:ext>
-            </a:extLst>
-          </p:cNvPr>
+          <p:cNvPr id="6" name="Slide Number Placeholder 5"/>
           <p:cNvSpPr>
             <a:spLocks noGrp="1"/>
           </p:cNvSpPr>
@@ -728,7 +996,7 @@
     </p:spTree>
     <p:extLst>
       <p:ext uri="{BB962C8B-B14F-4D97-AF65-F5344CB8AC3E}">
-        <p14:creationId xmlns:p14="http://schemas.microsoft.com/office/powerpoint/2010/main" val="1319328703"/>
+        <p14:creationId xmlns:p14="http://schemas.microsoft.com/office/powerpoint/2010/main" val="1041977785"/>
       </p:ext>
     </p:extLst>
   </p:cSld>
@@ -757,13 +1025,7 @@
       </p:grpSpPr>
       <p:sp>
         <p:nvSpPr>
-          <p:cNvPr id="2" name="Title 1">
-            <a:extLst>
-              <a:ext uri="{FF2B5EF4-FFF2-40B4-BE49-F238E27FC236}">
-                <a16:creationId xmlns:a16="http://schemas.microsoft.com/office/drawing/2014/main" id="{85A427AB-AB0F-45E1-98A5-3D09F2F30AB3}"/>
-              </a:ext>
-            </a:extLst>
-          </p:cNvPr>
+          <p:cNvPr id="2" name="Title 1"/>
           <p:cNvSpPr>
             <a:spLocks noGrp="1"/>
           </p:cNvSpPr>
@@ -780,18 +1042,13 @@
               <a:rPr lang="en-US"/>
               <a:t>Click to edit Master title style</a:t>
             </a:r>
-          </a:p>
-        </p:txBody>
-      </p:sp>
-      <p:sp>
-        <p:nvSpPr>
-          <p:cNvPr id="3" name="Content Placeholder 2">
-            <a:extLst>
-              <a:ext uri="{FF2B5EF4-FFF2-40B4-BE49-F238E27FC236}">
-                <a16:creationId xmlns:a16="http://schemas.microsoft.com/office/drawing/2014/main" id="{D8B3AE9F-BF9A-4EBB-A02B-47DB7114EAE0}"/>
-              </a:ext>
-            </a:extLst>
-          </p:cNvPr>
+            <a:endParaRPr lang="en-US" dirty="0"/>
+          </a:p>
+        </p:txBody>
+      </p:sp>
+      <p:sp>
+        <p:nvSpPr>
+          <p:cNvPr id="3" name="Content Placeholder 2"/>
           <p:cNvSpPr>
             <a:spLocks noGrp="1"/>
           </p:cNvSpPr>
@@ -837,18 +1094,13 @@
               <a:rPr lang="en-US"/>
               <a:t>Fifth level</a:t>
             </a:r>
-          </a:p>
-        </p:txBody>
-      </p:sp>
-      <p:sp>
-        <p:nvSpPr>
-          <p:cNvPr id="4" name="Date Placeholder 3">
-            <a:extLst>
-              <a:ext uri="{FF2B5EF4-FFF2-40B4-BE49-F238E27FC236}">
-                <a16:creationId xmlns:a16="http://schemas.microsoft.com/office/drawing/2014/main" id="{727CAC0E-E043-4633-A5AC-24C4D32F8989}"/>
-              </a:ext>
-            </a:extLst>
-          </p:cNvPr>
+            <a:endParaRPr lang="en-US" dirty="0"/>
+          </a:p>
+        </p:txBody>
+      </p:sp>
+      <p:sp>
+        <p:nvSpPr>
+          <p:cNvPr id="4" name="Date Placeholder 3"/>
           <p:cNvSpPr>
             <a:spLocks noGrp="1"/>
           </p:cNvSpPr>
@@ -863,7 +1115,7 @@
           <a:p>
             <a:fld id="{6164DDD2-9591-42EE-A2DD-49C249ADF445}" type="datetimeFigureOut">
               <a:rPr lang="en-US" smtClean="0"/>
-              <a:t>8/13/20</a:t>
+              <a:t>7/26/21</a:t>
             </a:fld>
             <a:endParaRPr lang="en-US"/>
           </a:p>
@@ -871,13 +1123,7 @@
       </p:sp>
       <p:sp>
         <p:nvSpPr>
-          <p:cNvPr id="5" name="Footer Placeholder 4">
-            <a:extLst>
-              <a:ext uri="{FF2B5EF4-FFF2-40B4-BE49-F238E27FC236}">
-                <a16:creationId xmlns:a16="http://schemas.microsoft.com/office/drawing/2014/main" id="{8954E001-4936-4013-8588-C8E2433487E1}"/>
-              </a:ext>
-            </a:extLst>
-          </p:cNvPr>
+          <p:cNvPr id="5" name="Footer Placeholder 4"/>
           <p:cNvSpPr>
             <a:spLocks noGrp="1"/>
           </p:cNvSpPr>
@@ -896,13 +1142,7 @@
       </p:sp>
       <p:sp>
         <p:nvSpPr>
-          <p:cNvPr id="6" name="Slide Number Placeholder 5">
-            <a:extLst>
-              <a:ext uri="{FF2B5EF4-FFF2-40B4-BE49-F238E27FC236}">
-                <a16:creationId xmlns:a16="http://schemas.microsoft.com/office/drawing/2014/main" id="{87D16B4C-8C9E-4D5B-9E41-13ECCAC73550}"/>
-              </a:ext>
-            </a:extLst>
-          </p:cNvPr>
+          <p:cNvPr id="6" name="Slide Number Placeholder 5"/>
           <p:cNvSpPr>
             <a:spLocks noGrp="1"/>
           </p:cNvSpPr>
@@ -926,7 +1166,7 @@
     </p:spTree>
     <p:extLst>
       <p:ext uri="{BB962C8B-B14F-4D97-AF65-F5344CB8AC3E}">
-        <p14:creationId xmlns:p14="http://schemas.microsoft.com/office/powerpoint/2010/main" val="310063944"/>
+        <p14:creationId xmlns:p14="http://schemas.microsoft.com/office/powerpoint/2010/main" val="610007214"/>
       </p:ext>
     </p:extLst>
   </p:cSld>
@@ -955,13 +1195,7 @@
       </p:grpSpPr>
       <p:sp>
         <p:nvSpPr>
-          <p:cNvPr id="2" name="Title 1">
-            <a:extLst>
-              <a:ext uri="{FF2B5EF4-FFF2-40B4-BE49-F238E27FC236}">
-                <a16:creationId xmlns:a16="http://schemas.microsoft.com/office/drawing/2014/main" id="{7A2BE89E-5245-4D8B-A8A2-CA7728DEA15B}"/>
-              </a:ext>
-            </a:extLst>
-          </p:cNvPr>
+          <p:cNvPr id="2" name="Title 1"/>
           <p:cNvSpPr>
             <a:spLocks noGrp="1"/>
           </p:cNvSpPr>
@@ -971,8 +1205,8 @@
         </p:nvSpPr>
         <p:spPr>
           <a:xfrm>
-            <a:off x="831850" y="1709738"/>
-            <a:ext cx="10515600" cy="2852737"/>
+            <a:off x="935831" y="1709739"/>
+            <a:ext cx="11830050" cy="2852737"/>
           </a:xfrm>
         </p:spPr>
         <p:txBody>
@@ -987,18 +1221,13 @@
               <a:rPr lang="en-US"/>
               <a:t>Click to edit Master title style</a:t>
             </a:r>
-          </a:p>
-        </p:txBody>
-      </p:sp>
-      <p:sp>
-        <p:nvSpPr>
-          <p:cNvPr id="3" name="Text Placeholder 2">
-            <a:extLst>
-              <a:ext uri="{FF2B5EF4-FFF2-40B4-BE49-F238E27FC236}">
-                <a16:creationId xmlns:a16="http://schemas.microsoft.com/office/drawing/2014/main" id="{682BB447-F6EF-4533-AD5D-A97B4A27BC94}"/>
-              </a:ext>
-            </a:extLst>
-          </p:cNvPr>
+            <a:endParaRPr lang="en-US" dirty="0"/>
+          </a:p>
+        </p:txBody>
+      </p:sp>
+      <p:sp>
+        <p:nvSpPr>
+          <p:cNvPr id="3" name="Text Placeholder 2"/>
           <p:cNvSpPr>
             <a:spLocks noGrp="1"/>
           </p:cNvSpPr>
@@ -1008,8 +1237,8 @@
         </p:nvSpPr>
         <p:spPr>
           <a:xfrm>
-            <a:off x="831850" y="4589463"/>
-            <a:ext cx="10515600" cy="1500187"/>
+            <a:off x="935831" y="4589464"/>
+            <a:ext cx="11830050" cy="1500187"/>
           </a:xfrm>
         </p:spPr>
         <p:txBody>
@@ -1117,13 +1346,7 @@
       </p:sp>
       <p:sp>
         <p:nvSpPr>
-          <p:cNvPr id="4" name="Date Placeholder 3">
-            <a:extLst>
-              <a:ext uri="{FF2B5EF4-FFF2-40B4-BE49-F238E27FC236}">
-                <a16:creationId xmlns:a16="http://schemas.microsoft.com/office/drawing/2014/main" id="{E09545E3-889B-4625-B63C-93B4D81EE4B8}"/>
-              </a:ext>
-            </a:extLst>
-          </p:cNvPr>
+          <p:cNvPr id="4" name="Date Placeholder 3"/>
           <p:cNvSpPr>
             <a:spLocks noGrp="1"/>
           </p:cNvSpPr>
@@ -1138,7 +1361,7 @@
           <a:p>
             <a:fld id="{6164DDD2-9591-42EE-A2DD-49C249ADF445}" type="datetimeFigureOut">
               <a:rPr lang="en-US" smtClean="0"/>
-              <a:t>8/13/20</a:t>
+              <a:t>7/26/21</a:t>
             </a:fld>
             <a:endParaRPr lang="en-US"/>
           </a:p>
@@ -1146,13 +1369,7 @@
       </p:sp>
       <p:sp>
         <p:nvSpPr>
-          <p:cNvPr id="5" name="Footer Placeholder 4">
-            <a:extLst>
-              <a:ext uri="{FF2B5EF4-FFF2-40B4-BE49-F238E27FC236}">
-                <a16:creationId xmlns:a16="http://schemas.microsoft.com/office/drawing/2014/main" id="{A1B1BE8E-EC2C-433B-A788-7F319B064AAB}"/>
-              </a:ext>
-            </a:extLst>
-          </p:cNvPr>
+          <p:cNvPr id="5" name="Footer Placeholder 4"/>
           <p:cNvSpPr>
             <a:spLocks noGrp="1"/>
           </p:cNvSpPr>
@@ -1171,13 +1388,7 @@
       </p:sp>
       <p:sp>
         <p:nvSpPr>
-          <p:cNvPr id="6" name="Slide Number Placeholder 5">
-            <a:extLst>
-              <a:ext uri="{FF2B5EF4-FFF2-40B4-BE49-F238E27FC236}">
-                <a16:creationId xmlns:a16="http://schemas.microsoft.com/office/drawing/2014/main" id="{050E101D-EEBD-4B59-8C69-DA6C4D0B6075}"/>
-              </a:ext>
-            </a:extLst>
-          </p:cNvPr>
+          <p:cNvPr id="6" name="Slide Number Placeholder 5"/>
           <p:cNvSpPr>
             <a:spLocks noGrp="1"/>
           </p:cNvSpPr>
@@ -1201,7 +1412,7 @@
     </p:spTree>
     <p:extLst>
       <p:ext uri="{BB962C8B-B14F-4D97-AF65-F5344CB8AC3E}">
-        <p14:creationId xmlns:p14="http://schemas.microsoft.com/office/powerpoint/2010/main" val="577479104"/>
+        <p14:creationId xmlns:p14="http://schemas.microsoft.com/office/powerpoint/2010/main" val="2338577981"/>
       </p:ext>
     </p:extLst>
   </p:cSld>
@@ -1230,13 +1441,7 @@
       </p:grpSpPr>
       <p:sp>
         <p:nvSpPr>
-          <p:cNvPr id="2" name="Title 1">
-            <a:extLst>
-              <a:ext uri="{FF2B5EF4-FFF2-40B4-BE49-F238E27FC236}">
-                <a16:creationId xmlns:a16="http://schemas.microsoft.com/office/drawing/2014/main" id="{7B32E708-AC0C-4B44-A6ED-0088D587BBDD}"/>
-              </a:ext>
-            </a:extLst>
-          </p:cNvPr>
+          <p:cNvPr id="2" name="Title 1"/>
           <p:cNvSpPr>
             <a:spLocks noGrp="1"/>
           </p:cNvSpPr>
@@ -1253,18 +1458,13 @@
               <a:rPr lang="en-US"/>
               <a:t>Click to edit Master title style</a:t>
             </a:r>
-          </a:p>
-        </p:txBody>
-      </p:sp>
-      <p:sp>
-        <p:nvSpPr>
-          <p:cNvPr id="3" name="Content Placeholder 2">
-            <a:extLst>
-              <a:ext uri="{FF2B5EF4-FFF2-40B4-BE49-F238E27FC236}">
-                <a16:creationId xmlns:a16="http://schemas.microsoft.com/office/drawing/2014/main" id="{3D5C9BED-C72E-4D19-A8B7-A97D8AD3D585}"/>
-              </a:ext>
-            </a:extLst>
-          </p:cNvPr>
+            <a:endParaRPr lang="en-US" dirty="0"/>
+          </a:p>
+        </p:txBody>
+      </p:sp>
+      <p:sp>
+        <p:nvSpPr>
+          <p:cNvPr id="3" name="Content Placeholder 2"/>
           <p:cNvSpPr>
             <a:spLocks noGrp="1"/>
           </p:cNvSpPr>
@@ -1274,8 +1474,8 @@
         </p:nvSpPr>
         <p:spPr>
           <a:xfrm>
-            <a:off x="838200" y="1825625"/>
-            <a:ext cx="5181600" cy="4351338"/>
+            <a:off x="942975" y="1825625"/>
+            <a:ext cx="5829300" cy="4351338"/>
           </a:xfrm>
         </p:spPr>
         <p:txBody>
@@ -1315,18 +1515,13 @@
               <a:rPr lang="en-US"/>
               <a:t>Fifth level</a:t>
             </a:r>
-          </a:p>
-        </p:txBody>
-      </p:sp>
-      <p:sp>
-        <p:nvSpPr>
-          <p:cNvPr id="4" name="Content Placeholder 3">
-            <a:extLst>
-              <a:ext uri="{FF2B5EF4-FFF2-40B4-BE49-F238E27FC236}">
-                <a16:creationId xmlns:a16="http://schemas.microsoft.com/office/drawing/2014/main" id="{0D3AFC6B-4120-40D5-B733-8331BB2E5102}"/>
-              </a:ext>
-            </a:extLst>
-          </p:cNvPr>
+            <a:endParaRPr lang="en-US" dirty="0"/>
+          </a:p>
+        </p:txBody>
+      </p:sp>
+      <p:sp>
+        <p:nvSpPr>
+          <p:cNvPr id="4" name="Content Placeholder 3"/>
           <p:cNvSpPr>
             <a:spLocks noGrp="1"/>
           </p:cNvSpPr>
@@ -1336,8 +1531,8 @@
         </p:nvSpPr>
         <p:spPr>
           <a:xfrm>
-            <a:off x="6172200" y="1825625"/>
-            <a:ext cx="5181600" cy="4351338"/>
+            <a:off x="6943725" y="1825625"/>
+            <a:ext cx="5829300" cy="4351338"/>
           </a:xfrm>
         </p:spPr>
         <p:txBody>
@@ -1377,18 +1572,13 @@
               <a:rPr lang="en-US"/>
               <a:t>Fifth level</a:t>
             </a:r>
-          </a:p>
-        </p:txBody>
-      </p:sp>
-      <p:sp>
-        <p:nvSpPr>
-          <p:cNvPr id="5" name="Date Placeholder 4">
-            <a:extLst>
-              <a:ext uri="{FF2B5EF4-FFF2-40B4-BE49-F238E27FC236}">
-                <a16:creationId xmlns:a16="http://schemas.microsoft.com/office/drawing/2014/main" id="{D5313A83-D5C8-4E37-AC43-2641DE2AE625}"/>
-              </a:ext>
-            </a:extLst>
-          </p:cNvPr>
+            <a:endParaRPr lang="en-US" dirty="0"/>
+          </a:p>
+        </p:txBody>
+      </p:sp>
+      <p:sp>
+        <p:nvSpPr>
+          <p:cNvPr id="5" name="Date Placeholder 4"/>
           <p:cNvSpPr>
             <a:spLocks noGrp="1"/>
           </p:cNvSpPr>
@@ -1403,7 +1593,7 @@
           <a:p>
             <a:fld id="{6164DDD2-9591-42EE-A2DD-49C249ADF445}" type="datetimeFigureOut">
               <a:rPr lang="en-US" smtClean="0"/>
-              <a:t>8/13/20</a:t>
+              <a:t>7/26/21</a:t>
             </a:fld>
             <a:endParaRPr lang="en-US"/>
           </a:p>
@@ -1411,13 +1601,7 @@
       </p:sp>
       <p:sp>
         <p:nvSpPr>
-          <p:cNvPr id="6" name="Footer Placeholder 5">
-            <a:extLst>
-              <a:ext uri="{FF2B5EF4-FFF2-40B4-BE49-F238E27FC236}">
-                <a16:creationId xmlns:a16="http://schemas.microsoft.com/office/drawing/2014/main" id="{C1131B85-845F-4433-A518-F8ABC702F983}"/>
-              </a:ext>
-            </a:extLst>
-          </p:cNvPr>
+          <p:cNvPr id="6" name="Footer Placeholder 5"/>
           <p:cNvSpPr>
             <a:spLocks noGrp="1"/>
           </p:cNvSpPr>
@@ -1436,13 +1620,7 @@
       </p:sp>
       <p:sp>
         <p:nvSpPr>
-          <p:cNvPr id="7" name="Slide Number Placeholder 6">
-            <a:extLst>
-              <a:ext uri="{FF2B5EF4-FFF2-40B4-BE49-F238E27FC236}">
-                <a16:creationId xmlns:a16="http://schemas.microsoft.com/office/drawing/2014/main" id="{CF25F36B-8D04-45D8-8694-C620BD9213FF}"/>
-              </a:ext>
-            </a:extLst>
-          </p:cNvPr>
+          <p:cNvPr id="7" name="Slide Number Placeholder 6"/>
           <p:cNvSpPr>
             <a:spLocks noGrp="1"/>
           </p:cNvSpPr>
@@ -1466,7 +1644,7 @@
     </p:spTree>
     <p:extLst>
       <p:ext uri="{BB962C8B-B14F-4D97-AF65-F5344CB8AC3E}">
-        <p14:creationId xmlns:p14="http://schemas.microsoft.com/office/powerpoint/2010/main" val="2772813439"/>
+        <p14:creationId xmlns:p14="http://schemas.microsoft.com/office/powerpoint/2010/main" val="4214205868"/>
       </p:ext>
     </p:extLst>
   </p:cSld>
@@ -1495,13 +1673,7 @@
       </p:grpSpPr>
       <p:sp>
         <p:nvSpPr>
-          <p:cNvPr id="2" name="Title 1">
-            <a:extLst>
-              <a:ext uri="{FF2B5EF4-FFF2-40B4-BE49-F238E27FC236}">
-                <a16:creationId xmlns:a16="http://schemas.microsoft.com/office/drawing/2014/main" id="{1AD38877-6BC7-46F2-BDBC-40B15B31BB4D}"/>
-              </a:ext>
-            </a:extLst>
-          </p:cNvPr>
+          <p:cNvPr id="2" name="Title 1"/>
           <p:cNvSpPr>
             <a:spLocks noGrp="1"/>
           </p:cNvSpPr>
@@ -1511,8 +1683,8 @@
         </p:nvSpPr>
         <p:spPr>
           <a:xfrm>
-            <a:off x="839788" y="365125"/>
-            <a:ext cx="10515600" cy="1325563"/>
+            <a:off x="944762" y="365126"/>
+            <a:ext cx="11830050" cy="1325563"/>
           </a:xfrm>
         </p:spPr>
         <p:txBody>
@@ -1523,18 +1695,13 @@
               <a:rPr lang="en-US"/>
               <a:t>Click to edit Master title style</a:t>
             </a:r>
-          </a:p>
-        </p:txBody>
-      </p:sp>
-      <p:sp>
-        <p:nvSpPr>
-          <p:cNvPr id="3" name="Text Placeholder 2">
-            <a:extLst>
-              <a:ext uri="{FF2B5EF4-FFF2-40B4-BE49-F238E27FC236}">
-                <a16:creationId xmlns:a16="http://schemas.microsoft.com/office/drawing/2014/main" id="{4A8D5904-0103-47F9-A288-D9933705D431}"/>
-              </a:ext>
-            </a:extLst>
-          </p:cNvPr>
+            <a:endParaRPr lang="en-US" dirty="0"/>
+          </a:p>
+        </p:txBody>
+      </p:sp>
+      <p:sp>
+        <p:nvSpPr>
+          <p:cNvPr id="3" name="Text Placeholder 2"/>
           <p:cNvSpPr>
             <a:spLocks noGrp="1"/>
           </p:cNvSpPr>
@@ -1544,8 +1711,8 @@
         </p:nvSpPr>
         <p:spPr>
           <a:xfrm>
-            <a:off x="839788" y="1681163"/>
-            <a:ext cx="5157787" cy="823912"/>
+            <a:off x="944762" y="1681163"/>
+            <a:ext cx="5802510" cy="823912"/>
           </a:xfrm>
         </p:spPr>
         <p:txBody>
@@ -1599,13 +1766,7 @@
       </p:sp>
       <p:sp>
         <p:nvSpPr>
-          <p:cNvPr id="4" name="Content Placeholder 3">
-            <a:extLst>
-              <a:ext uri="{FF2B5EF4-FFF2-40B4-BE49-F238E27FC236}">
-                <a16:creationId xmlns:a16="http://schemas.microsoft.com/office/drawing/2014/main" id="{530A83F9-353C-4DE2-97C7-2828E8AA19BD}"/>
-              </a:ext>
-            </a:extLst>
-          </p:cNvPr>
+          <p:cNvPr id="4" name="Content Placeholder 3"/>
           <p:cNvSpPr>
             <a:spLocks noGrp="1"/>
           </p:cNvSpPr>
@@ -1615,8 +1776,8 @@
         </p:nvSpPr>
         <p:spPr>
           <a:xfrm>
-            <a:off x="839788" y="2505075"/>
-            <a:ext cx="5157787" cy="3684588"/>
+            <a:off x="944762" y="2505075"/>
+            <a:ext cx="5802510" cy="3684588"/>
           </a:xfrm>
         </p:spPr>
         <p:txBody>
@@ -1656,18 +1817,13 @@
               <a:rPr lang="en-US"/>
               <a:t>Fifth level</a:t>
             </a:r>
-          </a:p>
-        </p:txBody>
-      </p:sp>
-      <p:sp>
-        <p:nvSpPr>
-          <p:cNvPr id="5" name="Text Placeholder 4">
-            <a:extLst>
-              <a:ext uri="{FF2B5EF4-FFF2-40B4-BE49-F238E27FC236}">
-                <a16:creationId xmlns:a16="http://schemas.microsoft.com/office/drawing/2014/main" id="{D463751F-9609-48A5-874A-1F933FA7931D}"/>
-              </a:ext>
-            </a:extLst>
-          </p:cNvPr>
+            <a:endParaRPr lang="en-US" dirty="0"/>
+          </a:p>
+        </p:txBody>
+      </p:sp>
+      <p:sp>
+        <p:nvSpPr>
+          <p:cNvPr id="5" name="Text Placeholder 4"/>
           <p:cNvSpPr>
             <a:spLocks noGrp="1"/>
           </p:cNvSpPr>
@@ -1677,8 +1833,8 @@
         </p:nvSpPr>
         <p:spPr>
           <a:xfrm>
-            <a:off x="6172200" y="1681163"/>
-            <a:ext cx="5183188" cy="823912"/>
+            <a:off x="6943725" y="1681163"/>
+            <a:ext cx="5831087" cy="823912"/>
           </a:xfrm>
         </p:spPr>
         <p:txBody>
@@ -1732,13 +1888,7 @@
       </p:sp>
       <p:sp>
         <p:nvSpPr>
-          <p:cNvPr id="6" name="Content Placeholder 5">
-            <a:extLst>
-              <a:ext uri="{FF2B5EF4-FFF2-40B4-BE49-F238E27FC236}">
-                <a16:creationId xmlns:a16="http://schemas.microsoft.com/office/drawing/2014/main" id="{D070AF66-C092-42C5-93BF-E5A52DBFBBA5}"/>
-              </a:ext>
-            </a:extLst>
-          </p:cNvPr>
+          <p:cNvPr id="6" name="Content Placeholder 5"/>
           <p:cNvSpPr>
             <a:spLocks noGrp="1"/>
           </p:cNvSpPr>
@@ -1748,8 +1898,8 @@
         </p:nvSpPr>
         <p:spPr>
           <a:xfrm>
-            <a:off x="6172200" y="2505075"/>
-            <a:ext cx="5183188" cy="3684588"/>
+            <a:off x="6943725" y="2505075"/>
+            <a:ext cx="5831087" cy="3684588"/>
           </a:xfrm>
         </p:spPr>
         <p:txBody>
@@ -1789,18 +1939,13 @@
               <a:rPr lang="en-US"/>
               <a:t>Fifth level</a:t>
             </a:r>
-          </a:p>
-        </p:txBody>
-      </p:sp>
-      <p:sp>
-        <p:nvSpPr>
-          <p:cNvPr id="7" name="Date Placeholder 6">
-            <a:extLst>
-              <a:ext uri="{FF2B5EF4-FFF2-40B4-BE49-F238E27FC236}">
-                <a16:creationId xmlns:a16="http://schemas.microsoft.com/office/drawing/2014/main" id="{2703A7C0-2AA4-41E6-AD5E-B6DCF1520ADB}"/>
-              </a:ext>
-            </a:extLst>
-          </p:cNvPr>
+            <a:endParaRPr lang="en-US" dirty="0"/>
+          </a:p>
+        </p:txBody>
+      </p:sp>
+      <p:sp>
+        <p:nvSpPr>
+          <p:cNvPr id="7" name="Date Placeholder 6"/>
           <p:cNvSpPr>
             <a:spLocks noGrp="1"/>
           </p:cNvSpPr>
@@ -1815,7 +1960,7 @@
           <a:p>
             <a:fld id="{6164DDD2-9591-42EE-A2DD-49C249ADF445}" type="datetimeFigureOut">
               <a:rPr lang="en-US" smtClean="0"/>
-              <a:t>8/13/20</a:t>
+              <a:t>7/26/21</a:t>
             </a:fld>
             <a:endParaRPr lang="en-US"/>
           </a:p>
@@ -1823,13 +1968,7 @@
       </p:sp>
       <p:sp>
         <p:nvSpPr>
-          <p:cNvPr id="8" name="Footer Placeholder 7">
-            <a:extLst>
-              <a:ext uri="{FF2B5EF4-FFF2-40B4-BE49-F238E27FC236}">
-                <a16:creationId xmlns:a16="http://schemas.microsoft.com/office/drawing/2014/main" id="{D525E611-BCB2-48B3-A7CF-D58ABA94EDF7}"/>
-              </a:ext>
-            </a:extLst>
-          </p:cNvPr>
+          <p:cNvPr id="8" name="Footer Placeholder 7"/>
           <p:cNvSpPr>
             <a:spLocks noGrp="1"/>
           </p:cNvSpPr>
@@ -1848,13 +1987,7 @@
       </p:sp>
       <p:sp>
         <p:nvSpPr>
-          <p:cNvPr id="9" name="Slide Number Placeholder 8">
-            <a:extLst>
-              <a:ext uri="{FF2B5EF4-FFF2-40B4-BE49-F238E27FC236}">
-                <a16:creationId xmlns:a16="http://schemas.microsoft.com/office/drawing/2014/main" id="{0607827C-BD70-4D85-8DB5-FE52FF0A6E75}"/>
-              </a:ext>
-            </a:extLst>
-          </p:cNvPr>
+          <p:cNvPr id="9" name="Slide Number Placeholder 8"/>
           <p:cNvSpPr>
             <a:spLocks noGrp="1"/>
           </p:cNvSpPr>
@@ -1878,7 +2011,7 @@
     </p:spTree>
     <p:extLst>
       <p:ext uri="{BB962C8B-B14F-4D97-AF65-F5344CB8AC3E}">
-        <p14:creationId xmlns:p14="http://schemas.microsoft.com/office/powerpoint/2010/main" val="2267872549"/>
+        <p14:creationId xmlns:p14="http://schemas.microsoft.com/office/powerpoint/2010/main" val="349261480"/>
       </p:ext>
     </p:extLst>
   </p:cSld>
@@ -1907,13 +2040,7 @@
       </p:grpSpPr>
       <p:sp>
         <p:nvSpPr>
-          <p:cNvPr id="2" name="Title 1">
-            <a:extLst>
-              <a:ext uri="{FF2B5EF4-FFF2-40B4-BE49-F238E27FC236}">
-                <a16:creationId xmlns:a16="http://schemas.microsoft.com/office/drawing/2014/main" id="{94F3DCCF-48D5-40B9-8DDD-63A5DA3BE9A1}"/>
-              </a:ext>
-            </a:extLst>
-          </p:cNvPr>
+          <p:cNvPr id="2" name="Title 1"/>
           <p:cNvSpPr>
             <a:spLocks noGrp="1"/>
           </p:cNvSpPr>
@@ -1930,18 +2057,13 @@
               <a:rPr lang="en-US"/>
               <a:t>Click to edit Master title style</a:t>
             </a:r>
-          </a:p>
-        </p:txBody>
-      </p:sp>
-      <p:sp>
-        <p:nvSpPr>
-          <p:cNvPr id="3" name="Date Placeholder 2">
-            <a:extLst>
-              <a:ext uri="{FF2B5EF4-FFF2-40B4-BE49-F238E27FC236}">
-                <a16:creationId xmlns:a16="http://schemas.microsoft.com/office/drawing/2014/main" id="{37140EA7-8DC9-442C-8AC7-10F6FB896E3E}"/>
-              </a:ext>
-            </a:extLst>
-          </p:cNvPr>
+            <a:endParaRPr lang="en-US" dirty="0"/>
+          </a:p>
+        </p:txBody>
+      </p:sp>
+      <p:sp>
+        <p:nvSpPr>
+          <p:cNvPr id="3" name="Date Placeholder 2"/>
           <p:cNvSpPr>
             <a:spLocks noGrp="1"/>
           </p:cNvSpPr>
@@ -1956,7 +2078,7 @@
           <a:p>
             <a:fld id="{6164DDD2-9591-42EE-A2DD-49C249ADF445}" type="datetimeFigureOut">
               <a:rPr lang="en-US" smtClean="0"/>
-              <a:t>8/13/20</a:t>
+              <a:t>7/26/21</a:t>
             </a:fld>
             <a:endParaRPr lang="en-US"/>
           </a:p>
@@ -1964,13 +2086,7 @@
       </p:sp>
       <p:sp>
         <p:nvSpPr>
-          <p:cNvPr id="4" name="Footer Placeholder 3">
-            <a:extLst>
-              <a:ext uri="{FF2B5EF4-FFF2-40B4-BE49-F238E27FC236}">
-                <a16:creationId xmlns:a16="http://schemas.microsoft.com/office/drawing/2014/main" id="{0CAA63B0-0E6C-4D25-B551-C8C36F939D33}"/>
-              </a:ext>
-            </a:extLst>
-          </p:cNvPr>
+          <p:cNvPr id="4" name="Footer Placeholder 3"/>
           <p:cNvSpPr>
             <a:spLocks noGrp="1"/>
           </p:cNvSpPr>
@@ -1989,13 +2105,7 @@
       </p:sp>
       <p:sp>
         <p:nvSpPr>
-          <p:cNvPr id="5" name="Slide Number Placeholder 4">
-            <a:extLst>
-              <a:ext uri="{FF2B5EF4-FFF2-40B4-BE49-F238E27FC236}">
-                <a16:creationId xmlns:a16="http://schemas.microsoft.com/office/drawing/2014/main" id="{B8221175-A5A4-4C40-B1E7-EB4401AA7DC2}"/>
-              </a:ext>
-            </a:extLst>
-          </p:cNvPr>
+          <p:cNvPr id="5" name="Slide Number Placeholder 4"/>
           <p:cNvSpPr>
             <a:spLocks noGrp="1"/>
           </p:cNvSpPr>
@@ -2019,7 +2129,7 @@
     </p:spTree>
     <p:extLst>
       <p:ext uri="{BB962C8B-B14F-4D97-AF65-F5344CB8AC3E}">
-        <p14:creationId xmlns:p14="http://schemas.microsoft.com/office/powerpoint/2010/main" val="3724140175"/>
+        <p14:creationId xmlns:p14="http://schemas.microsoft.com/office/powerpoint/2010/main" val="3930855368"/>
       </p:ext>
     </p:extLst>
   </p:cSld>
@@ -2048,13 +2158,7 @@
       </p:grpSpPr>
       <p:sp>
         <p:nvSpPr>
-          <p:cNvPr id="2" name="Date Placeholder 1">
-            <a:extLst>
-              <a:ext uri="{FF2B5EF4-FFF2-40B4-BE49-F238E27FC236}">
-                <a16:creationId xmlns:a16="http://schemas.microsoft.com/office/drawing/2014/main" id="{00DF62DC-5B4D-4E8D-BEE9-919335A9B78F}"/>
-              </a:ext>
-            </a:extLst>
-          </p:cNvPr>
+          <p:cNvPr id="2" name="Date Placeholder 1"/>
           <p:cNvSpPr>
             <a:spLocks noGrp="1"/>
           </p:cNvSpPr>
@@ -2069,7 +2173,7 @@
           <a:p>
             <a:fld id="{6164DDD2-9591-42EE-A2DD-49C249ADF445}" type="datetimeFigureOut">
               <a:rPr lang="en-US" smtClean="0"/>
-              <a:t>8/13/20</a:t>
+              <a:t>7/26/21</a:t>
             </a:fld>
             <a:endParaRPr lang="en-US"/>
           </a:p>
@@ -2077,13 +2181,7 @@
       </p:sp>
       <p:sp>
         <p:nvSpPr>
-          <p:cNvPr id="3" name="Footer Placeholder 2">
-            <a:extLst>
-              <a:ext uri="{FF2B5EF4-FFF2-40B4-BE49-F238E27FC236}">
-                <a16:creationId xmlns:a16="http://schemas.microsoft.com/office/drawing/2014/main" id="{3F78CE96-6A76-45FC-8E1C-6F6CC1DB1E10}"/>
-              </a:ext>
-            </a:extLst>
-          </p:cNvPr>
+          <p:cNvPr id="3" name="Footer Placeholder 2"/>
           <p:cNvSpPr>
             <a:spLocks noGrp="1"/>
           </p:cNvSpPr>
@@ -2102,13 +2200,7 @@
       </p:sp>
       <p:sp>
         <p:nvSpPr>
-          <p:cNvPr id="4" name="Slide Number Placeholder 3">
-            <a:extLst>
-              <a:ext uri="{FF2B5EF4-FFF2-40B4-BE49-F238E27FC236}">
-                <a16:creationId xmlns:a16="http://schemas.microsoft.com/office/drawing/2014/main" id="{1EDE3362-FE6F-4BAD-A933-C08080072155}"/>
-              </a:ext>
-            </a:extLst>
-          </p:cNvPr>
+          <p:cNvPr id="4" name="Slide Number Placeholder 3"/>
           <p:cNvSpPr>
             <a:spLocks noGrp="1"/>
           </p:cNvSpPr>
@@ -2132,7 +2224,7 @@
     </p:spTree>
     <p:extLst>
       <p:ext uri="{BB962C8B-B14F-4D97-AF65-F5344CB8AC3E}">
-        <p14:creationId xmlns:p14="http://schemas.microsoft.com/office/powerpoint/2010/main" val="1711818909"/>
+        <p14:creationId xmlns:p14="http://schemas.microsoft.com/office/powerpoint/2010/main" val="1327297103"/>
       </p:ext>
     </p:extLst>
   </p:cSld>
@@ -2161,13 +2253,7 @@
       </p:grpSpPr>
       <p:sp>
         <p:nvSpPr>
-          <p:cNvPr id="2" name="Title 1">
-            <a:extLst>
-              <a:ext uri="{FF2B5EF4-FFF2-40B4-BE49-F238E27FC236}">
-                <a16:creationId xmlns:a16="http://schemas.microsoft.com/office/drawing/2014/main" id="{C310DC2F-5BDF-41F7-AEB7-55516190DB0D}"/>
-              </a:ext>
-            </a:extLst>
-          </p:cNvPr>
+          <p:cNvPr id="2" name="Title 1"/>
           <p:cNvSpPr>
             <a:spLocks noGrp="1"/>
           </p:cNvSpPr>
@@ -2177,8 +2263,8 @@
         </p:nvSpPr>
         <p:spPr>
           <a:xfrm>
-            <a:off x="839788" y="457200"/>
-            <a:ext cx="3932237" cy="1600200"/>
+            <a:off x="944762" y="457200"/>
+            <a:ext cx="4423767" cy="1600200"/>
           </a:xfrm>
         </p:spPr>
         <p:txBody>
@@ -2193,18 +2279,13 @@
               <a:rPr lang="en-US"/>
               <a:t>Click to edit Master title style</a:t>
             </a:r>
-          </a:p>
-        </p:txBody>
-      </p:sp>
-      <p:sp>
-        <p:nvSpPr>
-          <p:cNvPr id="3" name="Content Placeholder 2">
-            <a:extLst>
-              <a:ext uri="{FF2B5EF4-FFF2-40B4-BE49-F238E27FC236}">
-                <a16:creationId xmlns:a16="http://schemas.microsoft.com/office/drawing/2014/main" id="{D6B5C1DA-7FDF-44A1-9F62-FB59F13BD326}"/>
-              </a:ext>
-            </a:extLst>
-          </p:cNvPr>
+            <a:endParaRPr lang="en-US" dirty="0"/>
+          </a:p>
+        </p:txBody>
+      </p:sp>
+      <p:sp>
+        <p:nvSpPr>
+          <p:cNvPr id="3" name="Content Placeholder 2"/>
           <p:cNvSpPr>
             <a:spLocks noGrp="1"/>
           </p:cNvSpPr>
@@ -2214,8 +2295,8 @@
         </p:nvSpPr>
         <p:spPr>
           <a:xfrm>
-            <a:off x="5183188" y="987425"/>
-            <a:ext cx="6172200" cy="4873625"/>
+            <a:off x="5831087" y="987426"/>
+            <a:ext cx="6943725" cy="4873625"/>
           </a:xfrm>
         </p:spPr>
         <p:txBody>
@@ -2283,18 +2364,13 @@
               <a:rPr lang="en-US"/>
               <a:t>Fifth level</a:t>
             </a:r>
-          </a:p>
-        </p:txBody>
-      </p:sp>
-      <p:sp>
-        <p:nvSpPr>
-          <p:cNvPr id="4" name="Text Placeholder 3">
-            <a:extLst>
-              <a:ext uri="{FF2B5EF4-FFF2-40B4-BE49-F238E27FC236}">
-                <a16:creationId xmlns:a16="http://schemas.microsoft.com/office/drawing/2014/main" id="{CDACB0E5-3698-4B2F-A603-14A553A5DC40}"/>
-              </a:ext>
-            </a:extLst>
-          </p:cNvPr>
+            <a:endParaRPr lang="en-US" dirty="0"/>
+          </a:p>
+        </p:txBody>
+      </p:sp>
+      <p:sp>
+        <p:nvSpPr>
+          <p:cNvPr id="4" name="Text Placeholder 3"/>
           <p:cNvSpPr>
             <a:spLocks noGrp="1"/>
           </p:cNvSpPr>
@@ -2304,8 +2380,8 @@
         </p:nvSpPr>
         <p:spPr>
           <a:xfrm>
-            <a:off x="839788" y="2057400"/>
-            <a:ext cx="3932237" cy="3811588"/>
+            <a:off x="944762" y="2057400"/>
+            <a:ext cx="4423767" cy="3811588"/>
           </a:xfrm>
         </p:spPr>
         <p:txBody>
@@ -2359,13 +2435,7 @@
       </p:sp>
       <p:sp>
         <p:nvSpPr>
-          <p:cNvPr id="5" name="Date Placeholder 4">
-            <a:extLst>
-              <a:ext uri="{FF2B5EF4-FFF2-40B4-BE49-F238E27FC236}">
-                <a16:creationId xmlns:a16="http://schemas.microsoft.com/office/drawing/2014/main" id="{46890EBF-D0F6-4E11-A5A3-C453BAE476FF}"/>
-              </a:ext>
-            </a:extLst>
-          </p:cNvPr>
+          <p:cNvPr id="5" name="Date Placeholder 4"/>
           <p:cNvSpPr>
             <a:spLocks noGrp="1"/>
           </p:cNvSpPr>
@@ -2380,7 +2450,7 @@
           <a:p>
             <a:fld id="{6164DDD2-9591-42EE-A2DD-49C249ADF445}" type="datetimeFigureOut">
               <a:rPr lang="en-US" smtClean="0"/>
-              <a:t>8/13/20</a:t>
+              <a:t>7/26/21</a:t>
             </a:fld>
             <a:endParaRPr lang="en-US"/>
           </a:p>
@@ -2388,13 +2458,7 @@
       </p:sp>
       <p:sp>
         <p:nvSpPr>
-          <p:cNvPr id="6" name="Footer Placeholder 5">
-            <a:extLst>
-              <a:ext uri="{FF2B5EF4-FFF2-40B4-BE49-F238E27FC236}">
-                <a16:creationId xmlns:a16="http://schemas.microsoft.com/office/drawing/2014/main" id="{738E8F3D-F2EB-4DB8-8BDA-B59995B72204}"/>
-              </a:ext>
-            </a:extLst>
-          </p:cNvPr>
+          <p:cNvPr id="6" name="Footer Placeholder 5"/>
           <p:cNvSpPr>
             <a:spLocks noGrp="1"/>
           </p:cNvSpPr>
@@ -2413,13 +2477,7 @@
       </p:sp>
       <p:sp>
         <p:nvSpPr>
-          <p:cNvPr id="7" name="Slide Number Placeholder 6">
-            <a:extLst>
-              <a:ext uri="{FF2B5EF4-FFF2-40B4-BE49-F238E27FC236}">
-                <a16:creationId xmlns:a16="http://schemas.microsoft.com/office/drawing/2014/main" id="{F21A72D5-961A-4279-BF6D-65C41A9EA59C}"/>
-              </a:ext>
-            </a:extLst>
-          </p:cNvPr>
+          <p:cNvPr id="7" name="Slide Number Placeholder 6"/>
           <p:cNvSpPr>
             <a:spLocks noGrp="1"/>
           </p:cNvSpPr>
@@ -2443,7 +2501,7 @@
     </p:spTree>
     <p:extLst>
       <p:ext uri="{BB962C8B-B14F-4D97-AF65-F5344CB8AC3E}">
-        <p14:creationId xmlns:p14="http://schemas.microsoft.com/office/powerpoint/2010/main" val="1093034799"/>
+        <p14:creationId xmlns:p14="http://schemas.microsoft.com/office/powerpoint/2010/main" val="46034047"/>
       </p:ext>
     </p:extLst>
   </p:cSld>
@@ -2472,13 +2530,7 @@
       </p:grpSpPr>
       <p:sp>
         <p:nvSpPr>
-          <p:cNvPr id="2" name="Title 1">
-            <a:extLst>
-              <a:ext uri="{FF2B5EF4-FFF2-40B4-BE49-F238E27FC236}">
-                <a16:creationId xmlns:a16="http://schemas.microsoft.com/office/drawing/2014/main" id="{48308FCC-F2D9-48CE-A8D2-5EB119D6B0E2}"/>
-              </a:ext>
-            </a:extLst>
-          </p:cNvPr>
+          <p:cNvPr id="2" name="Title 1"/>
           <p:cNvSpPr>
             <a:spLocks noGrp="1"/>
           </p:cNvSpPr>
@@ -2488,8 +2540,8 @@
         </p:nvSpPr>
         <p:spPr>
           <a:xfrm>
-            <a:off x="839788" y="457200"/>
-            <a:ext cx="3932237" cy="1600200"/>
+            <a:off x="944762" y="457200"/>
+            <a:ext cx="4423767" cy="1600200"/>
           </a:xfrm>
         </p:spPr>
         <p:txBody>
@@ -2504,20 +2556,15 @@
               <a:rPr lang="en-US"/>
               <a:t>Click to edit Master title style</a:t>
             </a:r>
-          </a:p>
-        </p:txBody>
-      </p:sp>
-      <p:sp>
-        <p:nvSpPr>
-          <p:cNvPr id="3" name="Picture Placeholder 2">
-            <a:extLst>
-              <a:ext uri="{FF2B5EF4-FFF2-40B4-BE49-F238E27FC236}">
-                <a16:creationId xmlns:a16="http://schemas.microsoft.com/office/drawing/2014/main" id="{A13CB3D6-25A6-4BBA-8EE2-7E5365CB78F4}"/>
-              </a:ext>
-            </a:extLst>
-          </p:cNvPr>
-          <p:cNvSpPr>
-            <a:spLocks noGrp="1"/>
+            <a:endParaRPr lang="en-US" dirty="0"/>
+          </a:p>
+        </p:txBody>
+      </p:sp>
+      <p:sp>
+        <p:nvSpPr>
+          <p:cNvPr id="3" name="Picture Placeholder 2"/>
+          <p:cNvSpPr>
+            <a:spLocks noGrp="1" noChangeAspect="1"/>
           </p:cNvSpPr>
           <p:nvPr>
             <p:ph type="pic" idx="1"/>
@@ -2525,8 +2572,73 @@
         </p:nvSpPr>
         <p:spPr>
           <a:xfrm>
-            <a:off x="5183188" y="987425"/>
-            <a:ext cx="6172200" cy="4873625"/>
+            <a:off x="5831087" y="987426"/>
+            <a:ext cx="6943725" cy="4873625"/>
+          </a:xfrm>
+        </p:spPr>
+        <p:txBody>
+          <a:bodyPr anchor="t"/>
+          <a:lstStyle>
+            <a:lvl1pPr marL="0" indent="0">
+              <a:buNone/>
+              <a:defRPr sz="3200"/>
+            </a:lvl1pPr>
+            <a:lvl2pPr marL="457200" indent="0">
+              <a:buNone/>
+              <a:defRPr sz="2800"/>
+            </a:lvl2pPr>
+            <a:lvl3pPr marL="914400" indent="0">
+              <a:buNone/>
+              <a:defRPr sz="2400"/>
+            </a:lvl3pPr>
+            <a:lvl4pPr marL="1371600" indent="0">
+              <a:buNone/>
+              <a:defRPr sz="2000"/>
+            </a:lvl4pPr>
+            <a:lvl5pPr marL="1828800" indent="0">
+              <a:buNone/>
+              <a:defRPr sz="2000"/>
+            </a:lvl5pPr>
+            <a:lvl6pPr marL="2286000" indent="0">
+              <a:buNone/>
+              <a:defRPr sz="2000"/>
+            </a:lvl6pPr>
+            <a:lvl7pPr marL="2743200" indent="0">
+              <a:buNone/>
+              <a:defRPr sz="2000"/>
+            </a:lvl7pPr>
+            <a:lvl8pPr marL="3200400" indent="0">
+              <a:buNone/>
+              <a:defRPr sz="2000"/>
+            </a:lvl8pPr>
+            <a:lvl9pPr marL="3657600" indent="0">
+              <a:buNone/>
+              <a:defRPr sz="2000"/>
+            </a:lvl9pPr>
+          </a:lstStyle>
+          <a:p>
+            <a:r>
+              <a:rPr lang="en-US"/>
+              <a:t>Click icon to add picture</a:t>
+            </a:r>
+            <a:endParaRPr lang="en-US" dirty="0"/>
+          </a:p>
+        </p:txBody>
+      </p:sp>
+      <p:sp>
+        <p:nvSpPr>
+          <p:cNvPr id="4" name="Text Placeholder 3"/>
+          <p:cNvSpPr>
+            <a:spLocks noGrp="1"/>
+          </p:cNvSpPr>
+          <p:nvPr>
+            <p:ph type="body" sz="half" idx="2"/>
+          </p:nvPr>
+        </p:nvSpPr>
+        <p:spPr>
+          <a:xfrm>
+            <a:off x="944762" y="2057400"/>
+            <a:ext cx="4423767" cy="3811588"/>
           </a:xfrm>
         </p:spPr>
         <p:txBody>
@@ -2534,73 +2646,6 @@
           <a:lstStyle>
             <a:lvl1pPr marL="0" indent="0">
               <a:buNone/>
-              <a:defRPr sz="3200"/>
-            </a:lvl1pPr>
-            <a:lvl2pPr marL="457200" indent="0">
-              <a:buNone/>
-              <a:defRPr sz="2800"/>
-            </a:lvl2pPr>
-            <a:lvl3pPr marL="914400" indent="0">
-              <a:buNone/>
-              <a:defRPr sz="2400"/>
-            </a:lvl3pPr>
-            <a:lvl4pPr marL="1371600" indent="0">
-              <a:buNone/>
-              <a:defRPr sz="2000"/>
-            </a:lvl4pPr>
-            <a:lvl5pPr marL="1828800" indent="0">
-              <a:buNone/>
-              <a:defRPr sz="2000"/>
-            </a:lvl5pPr>
-            <a:lvl6pPr marL="2286000" indent="0">
-              <a:buNone/>
-              <a:defRPr sz="2000"/>
-            </a:lvl6pPr>
-            <a:lvl7pPr marL="2743200" indent="0">
-              <a:buNone/>
-              <a:defRPr sz="2000"/>
-            </a:lvl7pPr>
-            <a:lvl8pPr marL="3200400" indent="0">
-              <a:buNone/>
-              <a:defRPr sz="2000"/>
-            </a:lvl8pPr>
-            <a:lvl9pPr marL="3657600" indent="0">
-              <a:buNone/>
-              <a:defRPr sz="2000"/>
-            </a:lvl9pPr>
-          </a:lstStyle>
-          <a:p>
-            <a:endParaRPr lang="en-US"/>
-          </a:p>
-        </p:txBody>
-      </p:sp>
-      <p:sp>
-        <p:nvSpPr>
-          <p:cNvPr id="4" name="Text Placeholder 3">
-            <a:extLst>
-              <a:ext uri="{FF2B5EF4-FFF2-40B4-BE49-F238E27FC236}">
-                <a16:creationId xmlns:a16="http://schemas.microsoft.com/office/drawing/2014/main" id="{A7DEB6AB-CD1A-4DA5-988B-DAFFBEAA5743}"/>
-              </a:ext>
-            </a:extLst>
-          </p:cNvPr>
-          <p:cNvSpPr>
-            <a:spLocks noGrp="1"/>
-          </p:cNvSpPr>
-          <p:nvPr>
-            <p:ph type="body" sz="half" idx="2"/>
-          </p:nvPr>
-        </p:nvSpPr>
-        <p:spPr>
-          <a:xfrm>
-            <a:off x="839788" y="2057400"/>
-            <a:ext cx="3932237" cy="3811588"/>
-          </a:xfrm>
-        </p:spPr>
-        <p:txBody>
-          <a:bodyPr/>
-          <a:lstStyle>
-            <a:lvl1pPr marL="0" indent="0">
-              <a:buNone/>
               <a:defRPr sz="1600"/>
             </a:lvl1pPr>
             <a:lvl2pPr marL="457200" indent="0">
@@ -2647,13 +2692,7 @@
       </p:sp>
       <p:sp>
         <p:nvSpPr>
-          <p:cNvPr id="5" name="Date Placeholder 4">
-            <a:extLst>
-              <a:ext uri="{FF2B5EF4-FFF2-40B4-BE49-F238E27FC236}">
-                <a16:creationId xmlns:a16="http://schemas.microsoft.com/office/drawing/2014/main" id="{4598DFBB-D20B-4E64-8B35-3C184BCDCB4C}"/>
-              </a:ext>
-            </a:extLst>
-          </p:cNvPr>
+          <p:cNvPr id="5" name="Date Placeholder 4"/>
           <p:cNvSpPr>
             <a:spLocks noGrp="1"/>
           </p:cNvSpPr>
@@ -2668,7 +2707,7 @@
           <a:p>
             <a:fld id="{6164DDD2-9591-42EE-A2DD-49C249ADF445}" type="datetimeFigureOut">
               <a:rPr lang="en-US" smtClean="0"/>
-              <a:t>8/13/20</a:t>
+              <a:t>7/26/21</a:t>
             </a:fld>
             <a:endParaRPr lang="en-US"/>
           </a:p>
@@ -2676,13 +2715,7 @@
       </p:sp>
       <p:sp>
         <p:nvSpPr>
-          <p:cNvPr id="6" name="Footer Placeholder 5">
-            <a:extLst>
-              <a:ext uri="{FF2B5EF4-FFF2-40B4-BE49-F238E27FC236}">
-                <a16:creationId xmlns:a16="http://schemas.microsoft.com/office/drawing/2014/main" id="{FF177434-E796-403B-A346-EA66E32381AB}"/>
-              </a:ext>
-            </a:extLst>
-          </p:cNvPr>
+          <p:cNvPr id="6" name="Footer Placeholder 5"/>
           <p:cNvSpPr>
             <a:spLocks noGrp="1"/>
           </p:cNvSpPr>
@@ -2701,13 +2734,7 @@
       </p:sp>
       <p:sp>
         <p:nvSpPr>
-          <p:cNvPr id="7" name="Slide Number Placeholder 6">
-            <a:extLst>
-              <a:ext uri="{FF2B5EF4-FFF2-40B4-BE49-F238E27FC236}">
-                <a16:creationId xmlns:a16="http://schemas.microsoft.com/office/drawing/2014/main" id="{C561839C-A923-41A7-BEE6-C71E7A2F146A}"/>
-              </a:ext>
-            </a:extLst>
-          </p:cNvPr>
+          <p:cNvPr id="7" name="Slide Number Placeholder 6"/>
           <p:cNvSpPr>
             <a:spLocks noGrp="1"/>
           </p:cNvSpPr>
@@ -2731,7 +2758,7 @@
     </p:spTree>
     <p:extLst>
       <p:ext uri="{BB962C8B-B14F-4D97-AF65-F5344CB8AC3E}">
-        <p14:creationId xmlns:p14="http://schemas.microsoft.com/office/powerpoint/2010/main" val="3754352041"/>
+        <p14:creationId xmlns:p14="http://schemas.microsoft.com/office/powerpoint/2010/main" val="3070061435"/>
       </p:ext>
     </p:extLst>
   </p:cSld>
@@ -2765,13 +2792,7 @@
       </p:grpSpPr>
       <p:sp>
         <p:nvSpPr>
-          <p:cNvPr id="2" name="Title Placeholder 1">
-            <a:extLst>
-              <a:ext uri="{FF2B5EF4-FFF2-40B4-BE49-F238E27FC236}">
-                <a16:creationId xmlns:a16="http://schemas.microsoft.com/office/drawing/2014/main" id="{FF26230E-9785-4C4B-9391-ED874B98CF1D}"/>
-              </a:ext>
-            </a:extLst>
-          </p:cNvPr>
+          <p:cNvPr id="2" name="Title Placeholder 1"/>
           <p:cNvSpPr>
             <a:spLocks noGrp="1"/>
           </p:cNvSpPr>
@@ -2781,8 +2802,8 @@
         </p:nvSpPr>
         <p:spPr>
           <a:xfrm>
-            <a:off x="838200" y="365125"/>
-            <a:ext cx="10515600" cy="1325563"/>
+            <a:off x="942975" y="365126"/>
+            <a:ext cx="11830050" cy="1325563"/>
           </a:xfrm>
           <a:prstGeom prst="rect">
             <a:avLst/>
@@ -2798,18 +2819,13 @@
               <a:rPr lang="en-US"/>
               <a:t>Click to edit Master title style</a:t>
             </a:r>
-          </a:p>
-        </p:txBody>
-      </p:sp>
-      <p:sp>
-        <p:nvSpPr>
-          <p:cNvPr id="3" name="Text Placeholder 2">
-            <a:extLst>
-              <a:ext uri="{FF2B5EF4-FFF2-40B4-BE49-F238E27FC236}">
-                <a16:creationId xmlns:a16="http://schemas.microsoft.com/office/drawing/2014/main" id="{76840616-C2D6-42C1-8E79-E0B0CFE04170}"/>
-              </a:ext>
-            </a:extLst>
-          </p:cNvPr>
+            <a:endParaRPr lang="en-US" dirty="0"/>
+          </a:p>
+        </p:txBody>
+      </p:sp>
+      <p:sp>
+        <p:nvSpPr>
+          <p:cNvPr id="3" name="Text Placeholder 2"/>
           <p:cNvSpPr>
             <a:spLocks noGrp="1"/>
           </p:cNvSpPr>
@@ -2819,8 +2835,8 @@
         </p:nvSpPr>
         <p:spPr>
           <a:xfrm>
-            <a:off x="838200" y="1825625"/>
-            <a:ext cx="10515600" cy="4351338"/>
+            <a:off x="942975" y="1825625"/>
+            <a:ext cx="11830050" cy="4351338"/>
           </a:xfrm>
           <a:prstGeom prst="rect">
             <a:avLst/>
@@ -2865,18 +2881,13 @@
               <a:rPr lang="en-US"/>
               <a:t>Fifth level</a:t>
             </a:r>
-          </a:p>
-        </p:txBody>
-      </p:sp>
-      <p:sp>
-        <p:nvSpPr>
-          <p:cNvPr id="4" name="Date Placeholder 3">
-            <a:extLst>
-              <a:ext uri="{FF2B5EF4-FFF2-40B4-BE49-F238E27FC236}">
-                <a16:creationId xmlns:a16="http://schemas.microsoft.com/office/drawing/2014/main" id="{CB858653-3EBC-4F1B-ABC2-6CDDC73B78FD}"/>
-              </a:ext>
-            </a:extLst>
-          </p:cNvPr>
+            <a:endParaRPr lang="en-US" dirty="0"/>
+          </a:p>
+        </p:txBody>
+      </p:sp>
+      <p:sp>
+        <p:nvSpPr>
+          <p:cNvPr id="4" name="Date Placeholder 3"/>
           <p:cNvSpPr>
             <a:spLocks noGrp="1"/>
           </p:cNvSpPr>
@@ -2886,8 +2897,8 @@
         </p:nvSpPr>
         <p:spPr>
           <a:xfrm>
-            <a:off x="838200" y="6356350"/>
-            <a:ext cx="2743200" cy="365125"/>
+            <a:off x="942975" y="6356351"/>
+            <a:ext cx="3086100" cy="365125"/>
           </a:xfrm>
           <a:prstGeom prst="rect">
             <a:avLst/>
@@ -2909,7 +2920,7 @@
           <a:p>
             <a:fld id="{6164DDD2-9591-42EE-A2DD-49C249ADF445}" type="datetimeFigureOut">
               <a:rPr lang="en-US" smtClean="0"/>
-              <a:t>8/13/20</a:t>
+              <a:t>7/26/21</a:t>
             </a:fld>
             <a:endParaRPr lang="en-US"/>
           </a:p>
@@ -2917,13 +2928,7 @@
       </p:sp>
       <p:sp>
         <p:nvSpPr>
-          <p:cNvPr id="5" name="Footer Placeholder 4">
-            <a:extLst>
-              <a:ext uri="{FF2B5EF4-FFF2-40B4-BE49-F238E27FC236}">
-                <a16:creationId xmlns:a16="http://schemas.microsoft.com/office/drawing/2014/main" id="{560054E5-0CE0-43B2-946F-CDB21719432D}"/>
-              </a:ext>
-            </a:extLst>
-          </p:cNvPr>
+          <p:cNvPr id="5" name="Footer Placeholder 4"/>
           <p:cNvSpPr>
             <a:spLocks noGrp="1"/>
           </p:cNvSpPr>
@@ -2933,8 +2938,8 @@
         </p:nvSpPr>
         <p:spPr>
           <a:xfrm>
-            <a:off x="4038600" y="6356350"/>
-            <a:ext cx="4114800" cy="365125"/>
+            <a:off x="4543425" y="6356351"/>
+            <a:ext cx="4629150" cy="365125"/>
           </a:xfrm>
           <a:prstGeom prst="rect">
             <a:avLst/>
@@ -2960,13 +2965,7 @@
       </p:sp>
       <p:sp>
         <p:nvSpPr>
-          <p:cNvPr id="6" name="Slide Number Placeholder 5">
-            <a:extLst>
-              <a:ext uri="{FF2B5EF4-FFF2-40B4-BE49-F238E27FC236}">
-                <a16:creationId xmlns:a16="http://schemas.microsoft.com/office/drawing/2014/main" id="{A45EE644-6C67-4FC7-BAFD-B061F5C8D0A7}"/>
-              </a:ext>
-            </a:extLst>
-          </p:cNvPr>
+          <p:cNvPr id="6" name="Slide Number Placeholder 5"/>
           <p:cNvSpPr>
             <a:spLocks noGrp="1"/>
           </p:cNvSpPr>
@@ -2976,8 +2975,8 @@
         </p:nvSpPr>
         <p:spPr>
           <a:xfrm>
-            <a:off x="8610600" y="6356350"/>
-            <a:ext cx="2743200" cy="365125"/>
+            <a:off x="9686925" y="6356351"/>
+            <a:ext cx="3086100" cy="365125"/>
           </a:xfrm>
           <a:prstGeom prst="rect">
             <a:avLst/>
@@ -3008,23 +3007,23 @@
     </p:spTree>
     <p:extLst>
       <p:ext uri="{BB962C8B-B14F-4D97-AF65-F5344CB8AC3E}">
-        <p14:creationId xmlns:p14="http://schemas.microsoft.com/office/powerpoint/2010/main" val="2053605286"/>
+        <p14:creationId xmlns:p14="http://schemas.microsoft.com/office/powerpoint/2010/main" val="2441591899"/>
       </p:ext>
     </p:extLst>
   </p:cSld>
   <p:clrMap bg1="lt1" tx1="dk1" bg2="lt2" tx2="dk2" accent1="accent1" accent2="accent2" accent3="accent3" accent4="accent4" accent5="accent5" accent6="accent6" hlink="hlink" folHlink="folHlink"/>
   <p:sldLayoutIdLst>
-    <p:sldLayoutId id="2147483649" r:id="rId1"/>
-    <p:sldLayoutId id="2147483650" r:id="rId2"/>
-    <p:sldLayoutId id="2147483651" r:id="rId3"/>
-    <p:sldLayoutId id="2147483652" r:id="rId4"/>
-    <p:sldLayoutId id="2147483653" r:id="rId5"/>
-    <p:sldLayoutId id="2147483654" r:id="rId6"/>
-    <p:sldLayoutId id="2147483655" r:id="rId7"/>
-    <p:sldLayoutId id="2147483656" r:id="rId8"/>
-    <p:sldLayoutId id="2147483657" r:id="rId9"/>
-    <p:sldLayoutId id="2147483658" r:id="rId10"/>
-    <p:sldLayoutId id="2147483659" r:id="rId11"/>
+    <p:sldLayoutId id="2147483661" r:id="rId1"/>
+    <p:sldLayoutId id="2147483662" r:id="rId2"/>
+    <p:sldLayoutId id="2147483663" r:id="rId3"/>
+    <p:sldLayoutId id="2147483664" r:id="rId4"/>
+    <p:sldLayoutId id="2147483665" r:id="rId5"/>
+    <p:sldLayoutId id="2147483666" r:id="rId6"/>
+    <p:sldLayoutId id="2147483667" r:id="rId7"/>
+    <p:sldLayoutId id="2147483668" r:id="rId8"/>
+    <p:sldLayoutId id="2147483669" r:id="rId9"/>
+    <p:sldLayoutId id="2147483670" r:id="rId10"/>
+    <p:sldLayoutId id="2147483671" r:id="rId11"/>
   </p:sldLayoutIdLst>
   <p:txStyles>
     <p:titleStyle>
@@ -3326,1992 +3325,2013 @@
           <a:chExt cx="0" cy="0"/>
         </a:xfrm>
       </p:grpSpPr>
-      <p:sp>
-        <p:nvSpPr>
-          <p:cNvPr id="111" name="Rectangle 110">
+      <p:grpSp>
+        <p:nvGrpSpPr>
+          <p:cNvPr id="3" name="Group 2">
             <a:extLst>
               <a:ext uri="{FF2B5EF4-FFF2-40B4-BE49-F238E27FC236}">
-                <a16:creationId xmlns:a16="http://schemas.microsoft.com/office/drawing/2014/main" id="{02EA6F12-59CD-485B-A7B2-6F3B4BD1A4F7}"/>
+                <a16:creationId xmlns:a16="http://schemas.microsoft.com/office/drawing/2014/main" id="{902DF50D-1114-754D-8C86-AAD08FAD2C00}"/>
               </a:ext>
             </a:extLst>
           </p:cNvPr>
-          <p:cNvSpPr/>
+          <p:cNvGrpSpPr/>
           <p:nvPr/>
-        </p:nvSpPr>
-        <p:spPr>
+        </p:nvGrpSpPr>
+        <p:grpSpPr>
           <a:xfrm>
-            <a:off x="8611620" y="722"/>
-            <a:ext cx="4351586" cy="5028618"/>
+            <a:off x="-773598" y="484384"/>
+            <a:ext cx="14221690" cy="5412045"/>
+            <a:chOff x="-1258484" y="-30451"/>
+            <a:chExt cx="14221690" cy="5412045"/>
           </a:xfrm>
-          <a:prstGeom prst="rect">
-            <a:avLst/>
-          </a:prstGeom>
-          <a:solidFill>
-            <a:schemeClr val="accent2">
-              <a:lumMod val="20000"/>
-              <a:lumOff val="80000"/>
-            </a:schemeClr>
-          </a:solidFill>
-          <a:ln>
-            <a:noFill/>
-          </a:ln>
-        </p:spPr>
-        <p:style>
-          <a:lnRef idx="2">
-            <a:schemeClr val="accent1">
-              <a:shade val="50000"/>
-            </a:schemeClr>
-          </a:lnRef>
-          <a:fillRef idx="1">
-            <a:schemeClr val="accent1"/>
-          </a:fillRef>
-          <a:effectRef idx="0">
-            <a:schemeClr val="accent1"/>
-          </a:effectRef>
-          <a:fontRef idx="minor">
-            <a:schemeClr val="lt1"/>
-          </a:fontRef>
-        </p:style>
-        <p:txBody>
-          <a:bodyPr rtlCol="0" anchor="ctr"/>
-          <a:lstStyle/>
-          <a:p>
-            <a:pPr algn="ctr"/>
-            <a:endParaRPr lang="en-US"/>
-          </a:p>
-        </p:txBody>
-      </p:sp>
-      <p:sp>
-        <p:nvSpPr>
-          <p:cNvPr id="105" name="Rectangle 104">
-            <a:extLst>
-              <a:ext uri="{FF2B5EF4-FFF2-40B4-BE49-F238E27FC236}">
-                <a16:creationId xmlns:a16="http://schemas.microsoft.com/office/drawing/2014/main" id="{C12CE880-EF63-4B3A-AFD3-92DBF8A9ABA9}"/>
-              </a:ext>
-            </a:extLst>
-          </p:cNvPr>
-          <p:cNvSpPr/>
-          <p:nvPr/>
-        </p:nvSpPr>
-        <p:spPr>
-          <a:xfrm>
-            <a:off x="8700" y="3807113"/>
-            <a:ext cx="8636690" cy="1238003"/>
-          </a:xfrm>
-          <a:prstGeom prst="rect">
-            <a:avLst/>
-          </a:prstGeom>
-          <a:solidFill>
-            <a:schemeClr val="accent6">
-              <a:lumMod val="40000"/>
-              <a:lumOff val="60000"/>
-            </a:schemeClr>
-          </a:solidFill>
-          <a:ln>
-            <a:noFill/>
-          </a:ln>
-        </p:spPr>
-        <p:style>
-          <a:lnRef idx="2">
-            <a:schemeClr val="accent1">
-              <a:shade val="50000"/>
-            </a:schemeClr>
-          </a:lnRef>
-          <a:fillRef idx="1">
-            <a:schemeClr val="accent1"/>
-          </a:fillRef>
-          <a:effectRef idx="0">
-            <a:schemeClr val="accent1"/>
-          </a:effectRef>
-          <a:fontRef idx="minor">
-            <a:schemeClr val="lt1"/>
-          </a:fontRef>
-        </p:style>
-        <p:txBody>
-          <a:bodyPr rtlCol="0" anchor="ctr"/>
-          <a:lstStyle/>
-          <a:p>
-            <a:pPr algn="ctr"/>
-            <a:endParaRPr lang="en-US"/>
-          </a:p>
-        </p:txBody>
-      </p:sp>
-      <p:sp>
-        <p:nvSpPr>
-          <p:cNvPr id="104" name="Rectangle 103">
-            <a:extLst>
-              <a:ext uri="{FF2B5EF4-FFF2-40B4-BE49-F238E27FC236}">
-                <a16:creationId xmlns:a16="http://schemas.microsoft.com/office/drawing/2014/main" id="{CAC828B9-451A-4D78-AC03-B7848607AFB5}"/>
-              </a:ext>
-            </a:extLst>
-          </p:cNvPr>
-          <p:cNvSpPr/>
-          <p:nvPr/>
-        </p:nvSpPr>
-        <p:spPr>
-          <a:xfrm>
-            <a:off x="-12668" y="2882694"/>
-            <a:ext cx="8636690" cy="927254"/>
-          </a:xfrm>
-          <a:prstGeom prst="rect">
-            <a:avLst/>
-          </a:prstGeom>
-          <a:solidFill>
-            <a:schemeClr val="accent4">
-              <a:lumMod val="40000"/>
-              <a:lumOff val="60000"/>
-            </a:schemeClr>
-          </a:solidFill>
-          <a:ln>
-            <a:noFill/>
-          </a:ln>
-        </p:spPr>
-        <p:style>
-          <a:lnRef idx="2">
-            <a:schemeClr val="accent1">
-              <a:shade val="50000"/>
-            </a:schemeClr>
-          </a:lnRef>
-          <a:fillRef idx="1">
-            <a:schemeClr val="accent1"/>
-          </a:fillRef>
-          <a:effectRef idx="0">
-            <a:schemeClr val="accent1"/>
-          </a:effectRef>
-          <a:fontRef idx="minor">
-            <a:schemeClr val="lt1"/>
-          </a:fontRef>
-        </p:style>
-        <p:txBody>
-          <a:bodyPr rtlCol="0" anchor="ctr"/>
-          <a:lstStyle/>
-          <a:p>
-            <a:pPr algn="ctr"/>
-            <a:endParaRPr lang="en-US"/>
-          </a:p>
-        </p:txBody>
-      </p:sp>
-      <p:sp>
-        <p:nvSpPr>
-          <p:cNvPr id="103" name="Rectangle 102">
-            <a:extLst>
-              <a:ext uri="{FF2B5EF4-FFF2-40B4-BE49-F238E27FC236}">
-                <a16:creationId xmlns:a16="http://schemas.microsoft.com/office/drawing/2014/main" id="{1778E314-D40A-497D-97E9-4E8A1E519307}"/>
-              </a:ext>
-            </a:extLst>
-          </p:cNvPr>
-          <p:cNvSpPr/>
-          <p:nvPr/>
-        </p:nvSpPr>
-        <p:spPr>
-          <a:xfrm>
-            <a:off x="0" y="3314"/>
-            <a:ext cx="8596635" cy="2883133"/>
-          </a:xfrm>
-          <a:prstGeom prst="rect">
-            <a:avLst/>
-          </a:prstGeom>
-          <a:solidFill>
-            <a:schemeClr val="accent5">
-              <a:lumMod val="40000"/>
-              <a:lumOff val="60000"/>
-            </a:schemeClr>
-          </a:solidFill>
-          <a:ln>
-            <a:noFill/>
-          </a:ln>
-        </p:spPr>
-        <p:style>
-          <a:lnRef idx="2">
-            <a:schemeClr val="accent1">
-              <a:shade val="50000"/>
-            </a:schemeClr>
-          </a:lnRef>
-          <a:fillRef idx="1">
-            <a:schemeClr val="accent1"/>
-          </a:fillRef>
-          <a:effectRef idx="0">
-            <a:schemeClr val="accent1"/>
-          </a:effectRef>
-          <a:fontRef idx="minor">
-            <a:schemeClr val="lt1"/>
-          </a:fontRef>
-        </p:style>
-        <p:txBody>
-          <a:bodyPr rtlCol="0" anchor="ctr"/>
-          <a:lstStyle/>
-          <a:p>
-            <a:pPr algn="ctr"/>
-            <a:endParaRPr lang="en-US"/>
-          </a:p>
-        </p:txBody>
-      </p:sp>
-      <p:cxnSp>
-        <p:nvCxnSpPr>
-          <p:cNvPr id="5" name="Straight Arrow Connector 4">
-            <a:extLst>
-              <a:ext uri="{FF2B5EF4-FFF2-40B4-BE49-F238E27FC236}">
-                <a16:creationId xmlns:a16="http://schemas.microsoft.com/office/drawing/2014/main" id="{8DB0A71A-5B4C-4710-99EB-B7BFEFE82123}"/>
-              </a:ext>
-            </a:extLst>
-          </p:cNvPr>
-          <p:cNvCxnSpPr>
-            <a:cxnSpLocks/>
-          </p:cNvCxnSpPr>
-          <p:nvPr/>
-        </p:nvCxnSpPr>
-        <p:spPr>
-          <a:xfrm flipV="1">
-            <a:off x="1628971" y="5054005"/>
-            <a:ext cx="10608819" cy="1660"/>
-          </a:xfrm>
-          <a:prstGeom prst="straightConnector1">
-            <a:avLst/>
-          </a:prstGeom>
-          <a:ln w="57150">
+        </p:grpSpPr>
+        <p:sp>
+          <p:nvSpPr>
+            <p:cNvPr id="111" name="Rectangle 110">
+              <a:extLst>
+                <a:ext uri="{FF2B5EF4-FFF2-40B4-BE49-F238E27FC236}">
+                  <a16:creationId xmlns:a16="http://schemas.microsoft.com/office/drawing/2014/main" id="{02EA6F12-59CD-485B-A7B2-6F3B4BD1A4F7}"/>
+                </a:ext>
+              </a:extLst>
+            </p:cNvPr>
+            <p:cNvSpPr/>
+            <p:nvPr/>
+          </p:nvSpPr>
+          <p:spPr>
+            <a:xfrm>
+              <a:off x="8611620" y="722"/>
+              <a:ext cx="4351586" cy="5028618"/>
+            </a:xfrm>
+            <a:prstGeom prst="rect">
+              <a:avLst/>
+            </a:prstGeom>
             <a:solidFill>
-              <a:schemeClr val="tx1">
-                <a:lumMod val="50000"/>
-                <a:lumOff val="50000"/>
+              <a:schemeClr val="accent2">
+                <a:lumMod val="20000"/>
+                <a:lumOff val="80000"/>
               </a:schemeClr>
             </a:solidFill>
-            <a:headEnd type="triangle"/>
-            <a:tailEnd type="triangle"/>
-          </a:ln>
-        </p:spPr>
-        <p:style>
-          <a:lnRef idx="1">
-            <a:schemeClr val="accent1"/>
-          </a:lnRef>
-          <a:fillRef idx="0">
-            <a:schemeClr val="accent1"/>
-          </a:fillRef>
-          <a:effectRef idx="0">
-            <a:schemeClr val="accent1"/>
-          </a:effectRef>
-          <a:fontRef idx="minor">
-            <a:schemeClr val="tx1"/>
-          </a:fontRef>
-        </p:style>
-      </p:cxnSp>
-      <p:cxnSp>
-        <p:nvCxnSpPr>
-          <p:cNvPr id="6" name="Straight Arrow Connector 5">
-            <a:extLst>
-              <a:ext uri="{FF2B5EF4-FFF2-40B4-BE49-F238E27FC236}">
-                <a16:creationId xmlns:a16="http://schemas.microsoft.com/office/drawing/2014/main" id="{8D13C554-7A76-4296-8938-52238A03BC40}"/>
-              </a:ext>
-            </a:extLst>
-          </p:cNvPr>
-          <p:cNvCxnSpPr>
-            <a:cxnSpLocks/>
-          </p:cNvCxnSpPr>
-          <p:nvPr/>
-        </p:nvCxnSpPr>
-        <p:spPr>
-          <a:xfrm>
-            <a:off x="8636693" y="3315"/>
-            <a:ext cx="12440" cy="5041801"/>
-          </a:xfrm>
-          <a:prstGeom prst="straightConnector1">
-            <a:avLst/>
-          </a:prstGeom>
-          <a:ln w="57150">
+            <a:ln>
+              <a:noFill/>
+            </a:ln>
+          </p:spPr>
+          <p:style>
+            <a:lnRef idx="2">
+              <a:schemeClr val="accent1">
+                <a:shade val="50000"/>
+              </a:schemeClr>
+            </a:lnRef>
+            <a:fillRef idx="1">
+              <a:schemeClr val="accent1"/>
+            </a:fillRef>
+            <a:effectRef idx="0">
+              <a:schemeClr val="accent1"/>
+            </a:effectRef>
+            <a:fontRef idx="minor">
+              <a:schemeClr val="lt1"/>
+            </a:fontRef>
+          </p:style>
+          <p:txBody>
+            <a:bodyPr rtlCol="0" anchor="ctr"/>
+            <a:lstStyle/>
+            <a:p>
+              <a:pPr algn="ctr"/>
+              <a:endParaRPr lang="en-US"/>
+            </a:p>
+          </p:txBody>
+        </p:sp>
+        <p:sp>
+          <p:nvSpPr>
+            <p:cNvPr id="105" name="Rectangle 104">
+              <a:extLst>
+                <a:ext uri="{FF2B5EF4-FFF2-40B4-BE49-F238E27FC236}">
+                  <a16:creationId xmlns:a16="http://schemas.microsoft.com/office/drawing/2014/main" id="{C12CE880-EF63-4B3A-AFD3-92DBF8A9ABA9}"/>
+                </a:ext>
+              </a:extLst>
+            </p:cNvPr>
+            <p:cNvSpPr/>
+            <p:nvPr/>
+          </p:nvSpPr>
+          <p:spPr>
+            <a:xfrm>
+              <a:off x="-12668" y="3807113"/>
+              <a:ext cx="8636690" cy="1238003"/>
+            </a:xfrm>
+            <a:prstGeom prst="rect">
+              <a:avLst/>
+            </a:prstGeom>
             <a:solidFill>
+              <a:schemeClr val="accent6">
+                <a:lumMod val="40000"/>
+                <a:lumOff val="60000"/>
+              </a:schemeClr>
+            </a:solidFill>
+            <a:ln>
+              <a:noFill/>
+            </a:ln>
+          </p:spPr>
+          <p:style>
+            <a:lnRef idx="2">
+              <a:schemeClr val="accent1">
+                <a:shade val="50000"/>
+              </a:schemeClr>
+            </a:lnRef>
+            <a:fillRef idx="1">
+              <a:schemeClr val="accent1"/>
+            </a:fillRef>
+            <a:effectRef idx="0">
+              <a:schemeClr val="accent1"/>
+            </a:effectRef>
+            <a:fontRef idx="minor">
+              <a:schemeClr val="lt1"/>
+            </a:fontRef>
+          </p:style>
+          <p:txBody>
+            <a:bodyPr rtlCol="0" anchor="ctr"/>
+            <a:lstStyle/>
+            <a:p>
+              <a:pPr algn="ctr"/>
+              <a:endParaRPr lang="en-US"/>
+            </a:p>
+          </p:txBody>
+        </p:sp>
+        <p:sp>
+          <p:nvSpPr>
+            <p:cNvPr id="104" name="Rectangle 103">
+              <a:extLst>
+                <a:ext uri="{FF2B5EF4-FFF2-40B4-BE49-F238E27FC236}">
+                  <a16:creationId xmlns:a16="http://schemas.microsoft.com/office/drawing/2014/main" id="{CAC828B9-451A-4D78-AC03-B7848607AFB5}"/>
+                </a:ext>
+              </a:extLst>
+            </p:cNvPr>
+            <p:cNvSpPr/>
+            <p:nvPr/>
+          </p:nvSpPr>
+          <p:spPr>
+            <a:xfrm>
+              <a:off x="-12668" y="2882694"/>
+              <a:ext cx="8636690" cy="927254"/>
+            </a:xfrm>
+            <a:prstGeom prst="rect">
+              <a:avLst/>
+            </a:prstGeom>
+            <a:solidFill>
+              <a:schemeClr val="accent4">
+                <a:lumMod val="40000"/>
+                <a:lumOff val="60000"/>
+              </a:schemeClr>
+            </a:solidFill>
+            <a:ln>
+              <a:noFill/>
+            </a:ln>
+          </p:spPr>
+          <p:style>
+            <a:lnRef idx="2">
+              <a:schemeClr val="accent1">
+                <a:shade val="50000"/>
+              </a:schemeClr>
+            </a:lnRef>
+            <a:fillRef idx="1">
+              <a:schemeClr val="accent1"/>
+            </a:fillRef>
+            <a:effectRef idx="0">
+              <a:schemeClr val="accent1"/>
+            </a:effectRef>
+            <a:fontRef idx="minor">
+              <a:schemeClr val="lt1"/>
+            </a:fontRef>
+          </p:style>
+          <p:txBody>
+            <a:bodyPr rtlCol="0" anchor="ctr"/>
+            <a:lstStyle/>
+            <a:p>
+              <a:pPr algn="ctr"/>
+              <a:endParaRPr lang="en-US"/>
+            </a:p>
+          </p:txBody>
+        </p:sp>
+        <p:sp>
+          <p:nvSpPr>
+            <p:cNvPr id="103" name="Rectangle 102">
+              <a:extLst>
+                <a:ext uri="{FF2B5EF4-FFF2-40B4-BE49-F238E27FC236}">
+                  <a16:creationId xmlns:a16="http://schemas.microsoft.com/office/drawing/2014/main" id="{1778E314-D40A-497D-97E9-4E8A1E519307}"/>
+                </a:ext>
+              </a:extLst>
+            </p:cNvPr>
+            <p:cNvSpPr/>
+            <p:nvPr/>
+          </p:nvSpPr>
+          <p:spPr>
+            <a:xfrm>
+              <a:off x="-12668" y="3314"/>
+              <a:ext cx="8642186" cy="2893325"/>
+            </a:xfrm>
+            <a:prstGeom prst="rect">
+              <a:avLst/>
+            </a:prstGeom>
+            <a:solidFill>
+              <a:schemeClr val="accent5">
+                <a:lumMod val="40000"/>
+                <a:lumOff val="60000"/>
+              </a:schemeClr>
+            </a:solidFill>
+            <a:ln>
+              <a:noFill/>
+            </a:ln>
+          </p:spPr>
+          <p:style>
+            <a:lnRef idx="2">
+              <a:schemeClr val="accent1">
+                <a:shade val="50000"/>
+              </a:schemeClr>
+            </a:lnRef>
+            <a:fillRef idx="1">
+              <a:schemeClr val="accent1"/>
+            </a:fillRef>
+            <a:effectRef idx="0">
+              <a:schemeClr val="accent1"/>
+            </a:effectRef>
+            <a:fontRef idx="minor">
+              <a:schemeClr val="lt1"/>
+            </a:fontRef>
+          </p:style>
+          <p:txBody>
+            <a:bodyPr rtlCol="0" anchor="ctr"/>
+            <a:lstStyle/>
+            <a:p>
+              <a:pPr algn="ctr"/>
+              <a:endParaRPr lang="en-US"/>
+            </a:p>
+          </p:txBody>
+        </p:sp>
+        <p:cxnSp>
+          <p:nvCxnSpPr>
+            <p:cNvPr id="5" name="Straight Arrow Connector 4">
+              <a:extLst>
+                <a:ext uri="{FF2B5EF4-FFF2-40B4-BE49-F238E27FC236}">
+                  <a16:creationId xmlns:a16="http://schemas.microsoft.com/office/drawing/2014/main" id="{8DB0A71A-5B4C-4710-99EB-B7BFEFE82123}"/>
+                </a:ext>
+              </a:extLst>
+            </p:cNvPr>
+            <p:cNvCxnSpPr>
+              <a:cxnSpLocks/>
+            </p:cNvCxnSpPr>
+            <p:nvPr/>
+          </p:nvCxnSpPr>
+          <p:spPr>
+            <a:xfrm flipV="1">
+              <a:off x="1628971" y="5054005"/>
+              <a:ext cx="10608819" cy="1660"/>
+            </a:xfrm>
+            <a:prstGeom prst="straightConnector1">
+              <a:avLst/>
+            </a:prstGeom>
+            <a:ln w="57150">
+              <a:solidFill>
+                <a:schemeClr val="tx1">
+                  <a:lumMod val="50000"/>
+                  <a:lumOff val="50000"/>
+                </a:schemeClr>
+              </a:solidFill>
+              <a:headEnd type="triangle"/>
+              <a:tailEnd type="triangle"/>
+            </a:ln>
+          </p:spPr>
+          <p:style>
+            <a:lnRef idx="1">
+              <a:schemeClr val="accent1"/>
+            </a:lnRef>
+            <a:fillRef idx="0">
+              <a:schemeClr val="accent1"/>
+            </a:fillRef>
+            <a:effectRef idx="0">
+              <a:schemeClr val="accent1"/>
+            </a:effectRef>
+            <a:fontRef idx="minor">
               <a:schemeClr val="tx1"/>
-            </a:solidFill>
-            <a:headEnd type="none" w="med" len="med"/>
-            <a:tailEnd type="triangle" w="med" len="med"/>
-          </a:ln>
-        </p:spPr>
-        <p:style>
-          <a:lnRef idx="1">
-            <a:schemeClr val="accent1"/>
-          </a:lnRef>
-          <a:fillRef idx="0">
-            <a:schemeClr val="accent1"/>
-          </a:fillRef>
-          <a:effectRef idx="0">
-            <a:schemeClr val="accent1"/>
-          </a:effectRef>
-          <a:fontRef idx="minor">
-            <a:schemeClr val="tx1"/>
-          </a:fontRef>
-        </p:style>
-      </p:cxnSp>
-      <p:sp>
-        <p:nvSpPr>
-          <p:cNvPr id="13" name="TextBox 12">
-            <a:extLst>
-              <a:ext uri="{FF2B5EF4-FFF2-40B4-BE49-F238E27FC236}">
-                <a16:creationId xmlns:a16="http://schemas.microsoft.com/office/drawing/2014/main" id="{8824A495-D371-40F7-8761-42BEF9405572}"/>
-              </a:ext>
-            </a:extLst>
-          </p:cNvPr>
-          <p:cNvSpPr txBox="1"/>
-          <p:nvPr/>
-        </p:nvSpPr>
-        <p:spPr>
-          <a:xfrm>
-            <a:off x="6448141" y="5073817"/>
-            <a:ext cx="4992834" cy="307777"/>
-          </a:xfrm>
-          <a:prstGeom prst="rect">
-            <a:avLst/>
-          </a:prstGeom>
-          <a:noFill/>
-        </p:spPr>
-        <p:txBody>
-          <a:bodyPr wrap="square" rtlCol="0">
-            <a:spAutoFit/>
-          </a:bodyPr>
-          <a:lstStyle/>
-          <a:p>
-            <a:r>
-              <a:rPr lang="en-US" sz="1400" b="1" dirty="0"/>
-              <a:t> First observed Rx for target or comparator drug or drug-class</a:t>
-            </a:r>
-            <a:endParaRPr lang="en-US" sz="1400" i="1" dirty="0"/>
-          </a:p>
-        </p:txBody>
-      </p:sp>
-      <p:cxnSp>
-        <p:nvCxnSpPr>
-          <p:cNvPr id="20" name="Straight Arrow Connector 19">
-            <a:extLst>
-              <a:ext uri="{FF2B5EF4-FFF2-40B4-BE49-F238E27FC236}">
-                <a16:creationId xmlns:a16="http://schemas.microsoft.com/office/drawing/2014/main" id="{2F00741D-831C-4946-8506-EB520EFBDEC3}"/>
-              </a:ext>
-            </a:extLst>
-          </p:cNvPr>
-          <p:cNvCxnSpPr>
-            <a:cxnSpLocks/>
-          </p:cNvCxnSpPr>
-          <p:nvPr/>
-        </p:nvCxnSpPr>
-        <p:spPr>
-          <a:xfrm flipH="1" flipV="1">
-            <a:off x="1482575" y="1464384"/>
-            <a:ext cx="7119904" cy="17755"/>
-          </a:xfrm>
-          <a:prstGeom prst="straightConnector1">
-            <a:avLst/>
-          </a:prstGeom>
-          <a:ln w="19050">
-            <a:solidFill>
+            </a:fontRef>
+          </p:style>
+        </p:cxnSp>
+        <p:cxnSp>
+          <p:nvCxnSpPr>
+            <p:cNvPr id="6" name="Straight Arrow Connector 5">
+              <a:extLst>
+                <a:ext uri="{FF2B5EF4-FFF2-40B4-BE49-F238E27FC236}">
+                  <a16:creationId xmlns:a16="http://schemas.microsoft.com/office/drawing/2014/main" id="{8D13C554-7A76-4296-8938-52238A03BC40}"/>
+                </a:ext>
+              </a:extLst>
+            </p:cNvPr>
+            <p:cNvCxnSpPr>
+              <a:cxnSpLocks/>
+            </p:cNvCxnSpPr>
+            <p:nvPr/>
+          </p:nvCxnSpPr>
+          <p:spPr>
+            <a:xfrm>
+              <a:off x="8636693" y="3315"/>
+              <a:ext cx="12440" cy="5041801"/>
+            </a:xfrm>
+            <a:prstGeom prst="straightConnector1">
+              <a:avLst/>
+            </a:prstGeom>
+            <a:ln w="57150">
+              <a:solidFill>
+                <a:schemeClr val="tx1"/>
+              </a:solidFill>
+              <a:headEnd type="none" w="med" len="med"/>
+              <a:tailEnd type="triangle" w="med" len="med"/>
+            </a:ln>
+          </p:spPr>
+          <p:style>
+            <a:lnRef idx="1">
+              <a:schemeClr val="accent1"/>
+            </a:lnRef>
+            <a:fillRef idx="0">
+              <a:schemeClr val="accent1"/>
+            </a:fillRef>
+            <a:effectRef idx="0">
+              <a:schemeClr val="accent1"/>
+            </a:effectRef>
+            <a:fontRef idx="minor">
               <a:schemeClr val="tx1"/>
-            </a:solidFill>
-            <a:prstDash val="sysDot"/>
-            <a:headEnd type="none" w="med" len="med"/>
-            <a:tailEnd type="triangle" w="med" len="med"/>
-          </a:ln>
-        </p:spPr>
-        <p:style>
-          <a:lnRef idx="1">
-            <a:schemeClr val="accent1"/>
-          </a:lnRef>
-          <a:fillRef idx="0">
-            <a:schemeClr val="accent1"/>
-          </a:fillRef>
-          <a:effectRef idx="0">
-            <a:schemeClr val="accent1"/>
-          </a:effectRef>
-          <a:fontRef idx="minor">
-            <a:schemeClr val="tx1"/>
-          </a:fontRef>
-        </p:style>
-      </p:cxnSp>
-      <p:sp>
-        <p:nvSpPr>
-          <p:cNvPr id="21" name="TextBox 20">
-            <a:extLst>
-              <a:ext uri="{FF2B5EF4-FFF2-40B4-BE49-F238E27FC236}">
-                <a16:creationId xmlns:a16="http://schemas.microsoft.com/office/drawing/2014/main" id="{5230E8BE-C04C-47C3-B907-E08C91091D89}"/>
-              </a:ext>
-            </a:extLst>
-          </p:cNvPr>
-          <p:cNvSpPr txBox="1"/>
-          <p:nvPr/>
-        </p:nvSpPr>
-        <p:spPr>
-          <a:xfrm>
-            <a:off x="1490199" y="608820"/>
-            <a:ext cx="7164281" cy="584775"/>
-          </a:xfrm>
-          <a:prstGeom prst="rect">
-            <a:avLst/>
-          </a:prstGeom>
-          <a:noFill/>
-        </p:spPr>
-        <p:txBody>
-          <a:bodyPr wrap="square" rtlCol="0">
-            <a:spAutoFit/>
-          </a:bodyPr>
-          <a:lstStyle/>
-          <a:p>
-            <a:pPr algn="r"/>
-            <a:r>
-              <a:rPr lang="en-US" sz="1400" dirty="0"/>
-              <a:t>≥1 T2DM Dx and no type 1 or secondary diabetes Dx</a:t>
-            </a:r>
-          </a:p>
-          <a:p>
-            <a:pPr algn="r"/>
-            <a:endParaRPr lang="en-US" sz="400" dirty="0"/>
-          </a:p>
-          <a:p>
-            <a:pPr algn="r"/>
-            <a:r>
-              <a:rPr lang="en-US" sz="1400" i="1" dirty="0"/>
-              <a:t>Any time prior to 0 days</a:t>
-            </a:r>
-          </a:p>
-        </p:txBody>
-      </p:sp>
-      <p:sp>
-        <p:nvSpPr>
-          <p:cNvPr id="23" name="Rectangle 22">
-            <a:extLst>
-              <a:ext uri="{FF2B5EF4-FFF2-40B4-BE49-F238E27FC236}">
-                <a16:creationId xmlns:a16="http://schemas.microsoft.com/office/drawing/2014/main" id="{A6F65B3F-33FD-4B6C-ABA8-3A9F5D194843}"/>
-              </a:ext>
-            </a:extLst>
-          </p:cNvPr>
-          <p:cNvSpPr/>
-          <p:nvPr/>
-        </p:nvSpPr>
-        <p:spPr>
-          <a:xfrm>
-            <a:off x="8676172" y="2425653"/>
-            <a:ext cx="4144441" cy="1169551"/>
-          </a:xfrm>
-          <a:prstGeom prst="rect">
-            <a:avLst/>
-          </a:prstGeom>
-        </p:spPr>
-        <p:txBody>
-          <a:bodyPr wrap="square">
-            <a:spAutoFit/>
-          </a:bodyPr>
-          <a:lstStyle/>
-          <a:p>
-            <a:r>
-              <a:rPr lang="en-US" sz="1400" i="1" dirty="0">
+            </a:fontRef>
+          </p:style>
+        </p:cxnSp>
+        <p:sp>
+          <p:nvSpPr>
+            <p:cNvPr id="13" name="TextBox 12">
+              <a:extLst>
+                <a:ext uri="{FF2B5EF4-FFF2-40B4-BE49-F238E27FC236}">
+                  <a16:creationId xmlns:a16="http://schemas.microsoft.com/office/drawing/2014/main" id="{8824A495-D371-40F7-8761-42BEF9405572}"/>
+                </a:ext>
+              </a:extLst>
+            </p:cNvPr>
+            <p:cNvSpPr txBox="1"/>
+            <p:nvPr/>
+          </p:nvSpPr>
+          <p:spPr>
+            <a:xfrm>
+              <a:off x="6448141" y="5073817"/>
+              <a:ext cx="4992834" cy="307777"/>
+            </a:xfrm>
+            <a:prstGeom prst="rect">
+              <a:avLst/>
+            </a:prstGeom>
+            <a:noFill/>
+          </p:spPr>
+          <p:txBody>
+            <a:bodyPr wrap="square" rtlCol="0">
+              <a:spAutoFit/>
+            </a:bodyPr>
+            <a:lstStyle/>
+            <a:p>
+              <a:r>
+                <a:rPr lang="en-US" sz="1400" b="1" dirty="0"/>
+                <a:t> First observed Rx for target or comparator drug or drug-class</a:t>
+              </a:r>
+              <a:endParaRPr lang="en-US" sz="1400" i="1" dirty="0"/>
+            </a:p>
+          </p:txBody>
+        </p:sp>
+        <p:cxnSp>
+          <p:nvCxnSpPr>
+            <p:cNvPr id="20" name="Straight Arrow Connector 19">
+              <a:extLst>
+                <a:ext uri="{FF2B5EF4-FFF2-40B4-BE49-F238E27FC236}">
+                  <a16:creationId xmlns:a16="http://schemas.microsoft.com/office/drawing/2014/main" id="{2F00741D-831C-4946-8506-EB520EFBDEC3}"/>
+                </a:ext>
+              </a:extLst>
+            </p:cNvPr>
+            <p:cNvCxnSpPr>
+              <a:cxnSpLocks/>
+            </p:cNvCxnSpPr>
+            <p:nvPr/>
+          </p:nvCxnSpPr>
+          <p:spPr>
+            <a:xfrm flipH="1" flipV="1">
+              <a:off x="1482575" y="1464384"/>
+              <a:ext cx="7119904" cy="17755"/>
+            </a:xfrm>
+            <a:prstGeom prst="straightConnector1">
+              <a:avLst/>
+            </a:prstGeom>
+            <a:ln w="19050">
+              <a:solidFill>
+                <a:schemeClr val="tx1"/>
+              </a:solidFill>
+              <a:prstDash val="sysDot"/>
+              <a:headEnd type="none" w="med" len="med"/>
+              <a:tailEnd type="triangle" w="med" len="med"/>
+            </a:ln>
+          </p:spPr>
+          <p:style>
+            <a:lnRef idx="1">
+              <a:schemeClr val="accent1"/>
+            </a:lnRef>
+            <a:fillRef idx="0">
+              <a:schemeClr val="accent1"/>
+            </a:fillRef>
+            <a:effectRef idx="0">
+              <a:schemeClr val="accent1"/>
+            </a:effectRef>
+            <a:fontRef idx="minor">
+              <a:schemeClr val="tx1"/>
+            </a:fontRef>
+          </p:style>
+        </p:cxnSp>
+        <p:sp>
+          <p:nvSpPr>
+            <p:cNvPr id="21" name="TextBox 20">
+              <a:extLst>
+                <a:ext uri="{FF2B5EF4-FFF2-40B4-BE49-F238E27FC236}">
+                  <a16:creationId xmlns:a16="http://schemas.microsoft.com/office/drawing/2014/main" id="{5230E8BE-C04C-47C3-B907-E08C91091D89}"/>
+                </a:ext>
+              </a:extLst>
+            </p:cNvPr>
+            <p:cNvSpPr txBox="1"/>
+            <p:nvPr/>
+          </p:nvSpPr>
+          <p:spPr>
+            <a:xfrm>
+              <a:off x="1490199" y="608820"/>
+              <a:ext cx="7164281" cy="584775"/>
+            </a:xfrm>
+            <a:prstGeom prst="rect">
+              <a:avLst/>
+            </a:prstGeom>
+            <a:noFill/>
+          </p:spPr>
+          <p:txBody>
+            <a:bodyPr wrap="square" rtlCol="0">
+              <a:spAutoFit/>
+            </a:bodyPr>
+            <a:lstStyle/>
+            <a:p>
+              <a:pPr algn="r"/>
+              <a:r>
+                <a:rPr lang="en-US" sz="1400" dirty="0"/>
+                <a:t>≥1 T2DM Dx and no type 1 or secondary diabetes Dx</a:t>
+              </a:r>
+            </a:p>
+            <a:p>
+              <a:pPr algn="r"/>
+              <a:endParaRPr lang="en-US" sz="400" dirty="0"/>
+            </a:p>
+            <a:p>
+              <a:pPr algn="r"/>
+              <a:r>
+                <a:rPr lang="en-US" sz="1400" i="1" dirty="0"/>
+                <a:t>Any time prior to 0 days</a:t>
+              </a:r>
+            </a:p>
+          </p:txBody>
+        </p:sp>
+        <p:sp>
+          <p:nvSpPr>
+            <p:cNvPr id="23" name="Rectangle 22">
+              <a:extLst>
+                <a:ext uri="{FF2B5EF4-FFF2-40B4-BE49-F238E27FC236}">
+                  <a16:creationId xmlns:a16="http://schemas.microsoft.com/office/drawing/2014/main" id="{A6F65B3F-33FD-4B6C-ABA8-3A9F5D194843}"/>
+                </a:ext>
+              </a:extLst>
+            </p:cNvPr>
+            <p:cNvSpPr/>
+            <p:nvPr/>
+          </p:nvSpPr>
+          <p:spPr>
+            <a:xfrm>
+              <a:off x="8676172" y="2425653"/>
+              <a:ext cx="4144441" cy="1169551"/>
+            </a:xfrm>
+            <a:prstGeom prst="rect">
+              <a:avLst/>
+            </a:prstGeom>
+          </p:spPr>
+          <p:txBody>
+            <a:bodyPr wrap="square">
+              <a:spAutoFit/>
+            </a:bodyPr>
+            <a:lstStyle/>
+            <a:p>
+              <a:r>
+                <a:rPr lang="en-US" sz="1400" i="1" dirty="0">
+                  <a:latin typeface="Calibri" panose="020F0502020204030204" pitchFamily="34" charset="0"/>
+                  <a:ea typeface="Calibri" panose="020F0502020204030204" pitchFamily="34" charset="0"/>
+                </a:rPr>
+                <a:t>Censoring</a:t>
+              </a:r>
+              <a:r>
+                <a:rPr lang="en-US" sz="1400" dirty="0">
+                  <a:latin typeface="Calibri" panose="020F0502020204030204" pitchFamily="34" charset="0"/>
+                  <a:ea typeface="Calibri" panose="020F0502020204030204" pitchFamily="34" charset="0"/>
+                </a:rPr>
+                <a:t>: </a:t>
+              </a:r>
+            </a:p>
+            <a:p>
+              <a:r>
+                <a:rPr lang="en-US" sz="1400" b="1" dirty="0">
+                  <a:latin typeface="Calibri" panose="020F0502020204030204" pitchFamily="34" charset="0"/>
+                  <a:ea typeface="Calibri" panose="020F0502020204030204" pitchFamily="34" charset="0"/>
+                </a:rPr>
+                <a:t>  Intent-to-treat:</a:t>
+              </a:r>
+              <a:r>
+                <a:rPr lang="en-US" sz="1400" dirty="0">
+                  <a:latin typeface="Calibri" panose="020F0502020204030204" pitchFamily="34" charset="0"/>
+                  <a:ea typeface="Calibri" panose="020F0502020204030204" pitchFamily="34" charset="0"/>
+                </a:rPr>
+                <a:t> data disenrollment, death, outcome-   </a:t>
+              </a:r>
+            </a:p>
+            <a:p>
+              <a:r>
+                <a:rPr lang="en-US" sz="1400" dirty="0">
+                  <a:latin typeface="Calibri" panose="020F0502020204030204" pitchFamily="34" charset="0"/>
+                  <a:ea typeface="Calibri" panose="020F0502020204030204" pitchFamily="34" charset="0"/>
+                </a:rPr>
+                <a:t>  of-interest (above) </a:t>
+              </a:r>
+            </a:p>
+            <a:p>
+              <a:r>
+                <a:rPr lang="en-US" sz="1400" b="1" dirty="0">
+                  <a:latin typeface="Calibri" panose="020F0502020204030204" pitchFamily="34" charset="0"/>
+                  <a:ea typeface="Calibri" panose="020F0502020204030204" pitchFamily="34" charset="0"/>
+                </a:rPr>
+                <a:t>  On-treatment</a:t>
+              </a:r>
+              <a:r>
+                <a:rPr lang="en-US" sz="1400" dirty="0">
+                  <a:latin typeface="Calibri" panose="020F0502020204030204" pitchFamily="34" charset="0"/>
+                  <a:ea typeface="Calibri" panose="020F0502020204030204" pitchFamily="34" charset="0"/>
+                </a:rPr>
+                <a:t>: +Rx discontinuation (+/- escalation)</a:t>
+              </a:r>
+            </a:p>
+            <a:p>
+              <a:endParaRPr lang="en-US" sz="1400" dirty="0">
                 <a:latin typeface="Calibri" panose="020F0502020204030204" pitchFamily="34" charset="0"/>
-                <a:ea typeface="Calibri" panose="020F0502020204030204" pitchFamily="34" charset="0"/>
-              </a:rPr>
-              <a:t>Censoring</a:t>
-            </a:r>
-            <a:r>
-              <a:rPr lang="en-US" sz="1400" dirty="0">
-                <a:latin typeface="Calibri" panose="020F0502020204030204" pitchFamily="34" charset="0"/>
-                <a:ea typeface="Calibri" panose="020F0502020204030204" pitchFamily="34" charset="0"/>
-              </a:rPr>
-              <a:t>: </a:t>
-            </a:r>
-          </a:p>
-          <a:p>
-            <a:r>
-              <a:rPr lang="en-US" sz="1400" b="1" dirty="0">
-                <a:latin typeface="Calibri" panose="020F0502020204030204" pitchFamily="34" charset="0"/>
-                <a:ea typeface="Calibri" panose="020F0502020204030204" pitchFamily="34" charset="0"/>
-              </a:rPr>
-              <a:t>  Intent-to-treat:</a:t>
-            </a:r>
-            <a:r>
-              <a:rPr lang="en-US" sz="1400" dirty="0">
-                <a:latin typeface="Calibri" panose="020F0502020204030204" pitchFamily="34" charset="0"/>
-                <a:ea typeface="Calibri" panose="020F0502020204030204" pitchFamily="34" charset="0"/>
-              </a:rPr>
-              <a:t> data disenrollment, death, outcome-   </a:t>
-            </a:r>
-          </a:p>
-          <a:p>
-            <a:r>
-              <a:rPr lang="en-US" sz="1400" dirty="0">
-                <a:latin typeface="Calibri" panose="020F0502020204030204" pitchFamily="34" charset="0"/>
-                <a:ea typeface="Calibri" panose="020F0502020204030204" pitchFamily="34" charset="0"/>
-              </a:rPr>
-              <a:t>  of-interest (above) </a:t>
-            </a:r>
-          </a:p>
-          <a:p>
-            <a:r>
-              <a:rPr lang="en-US" sz="1400" b="1" dirty="0">
-                <a:latin typeface="Calibri" panose="020F0502020204030204" pitchFamily="34" charset="0"/>
-                <a:ea typeface="Calibri" panose="020F0502020204030204" pitchFamily="34" charset="0"/>
-              </a:rPr>
-              <a:t>  On-treatment</a:t>
-            </a:r>
-            <a:r>
-              <a:rPr lang="en-US" sz="1400" dirty="0">
-                <a:latin typeface="Calibri" panose="020F0502020204030204" pitchFamily="34" charset="0"/>
-                <a:ea typeface="Calibri" panose="020F0502020204030204" pitchFamily="34" charset="0"/>
-              </a:rPr>
-              <a:t>: +Rx discontinuation (+/- escalation)</a:t>
-            </a:r>
-          </a:p>
-          <a:p>
-            <a:endParaRPr lang="en-US" sz="1400" dirty="0">
-              <a:latin typeface="Calibri" panose="020F0502020204030204" pitchFamily="34" charset="0"/>
-            </a:endParaRPr>
-          </a:p>
-        </p:txBody>
-      </p:sp>
-      <p:cxnSp>
-        <p:nvCxnSpPr>
-          <p:cNvPr id="24" name="Straight Arrow Connector 23">
-            <a:extLst>
-              <a:ext uri="{FF2B5EF4-FFF2-40B4-BE49-F238E27FC236}">
-                <a16:creationId xmlns:a16="http://schemas.microsoft.com/office/drawing/2014/main" id="{7B338EA2-B7BF-4A3F-B285-47929E2BC50D}"/>
-              </a:ext>
-            </a:extLst>
-          </p:cNvPr>
-          <p:cNvCxnSpPr>
-            <a:cxnSpLocks/>
-          </p:cNvCxnSpPr>
-          <p:nvPr/>
-        </p:nvCxnSpPr>
-        <p:spPr>
-          <a:xfrm flipH="1">
-            <a:off x="8748879" y="4537409"/>
-            <a:ext cx="3488911" cy="0"/>
-          </a:xfrm>
-          <a:prstGeom prst="straightConnector1">
-            <a:avLst/>
-          </a:prstGeom>
-          <a:ln w="19050">
-            <a:solidFill>
+              </a:endParaRPr>
+            </a:p>
+          </p:txBody>
+        </p:sp>
+        <p:cxnSp>
+          <p:nvCxnSpPr>
+            <p:cNvPr id="24" name="Straight Arrow Connector 23">
+              <a:extLst>
+                <a:ext uri="{FF2B5EF4-FFF2-40B4-BE49-F238E27FC236}">
+                  <a16:creationId xmlns:a16="http://schemas.microsoft.com/office/drawing/2014/main" id="{7B338EA2-B7BF-4A3F-B285-47929E2BC50D}"/>
+                </a:ext>
+              </a:extLst>
+            </p:cNvPr>
+            <p:cNvCxnSpPr>
+              <a:cxnSpLocks/>
+            </p:cNvCxnSpPr>
+            <p:nvPr/>
+          </p:nvCxnSpPr>
+          <p:spPr>
+            <a:xfrm flipH="1">
+              <a:off x="8748879" y="4537409"/>
+              <a:ext cx="3488911" cy="0"/>
+            </a:xfrm>
+            <a:prstGeom prst="straightConnector1">
+              <a:avLst/>
+            </a:prstGeom>
+            <a:ln w="19050">
+              <a:solidFill>
+                <a:schemeClr val="tx1"/>
+              </a:solidFill>
+              <a:prstDash val="sysDot"/>
+              <a:headEnd type="triangle" w="med" len="med"/>
+              <a:tailEnd type="none" w="med" len="med"/>
+            </a:ln>
+          </p:spPr>
+          <p:style>
+            <a:lnRef idx="1">
+              <a:schemeClr val="accent1"/>
+            </a:lnRef>
+            <a:fillRef idx="0">
+              <a:schemeClr val="accent1"/>
+            </a:fillRef>
+            <a:effectRef idx="0">
+              <a:schemeClr val="accent1"/>
+            </a:effectRef>
+            <a:fontRef idx="minor">
               <a:schemeClr val="tx1"/>
-            </a:solidFill>
-            <a:prstDash val="sysDot"/>
-            <a:headEnd type="triangle" w="med" len="med"/>
-            <a:tailEnd type="none" w="med" len="med"/>
-          </a:ln>
-        </p:spPr>
-        <p:style>
-          <a:lnRef idx="1">
-            <a:schemeClr val="accent1"/>
-          </a:lnRef>
-          <a:fillRef idx="0">
-            <a:schemeClr val="accent1"/>
-          </a:fillRef>
-          <a:effectRef idx="0">
-            <a:schemeClr val="accent1"/>
-          </a:effectRef>
-          <a:fontRef idx="minor">
-            <a:schemeClr val="tx1"/>
-          </a:fontRef>
-        </p:style>
-      </p:cxnSp>
-      <p:sp>
-        <p:nvSpPr>
-          <p:cNvPr id="27" name="TextBox 26">
-            <a:extLst>
-              <a:ext uri="{FF2B5EF4-FFF2-40B4-BE49-F238E27FC236}">
-                <a16:creationId xmlns:a16="http://schemas.microsoft.com/office/drawing/2014/main" id="{B8955BB5-563E-40B1-8C91-CE872926519A}"/>
-              </a:ext>
-            </a:extLst>
-          </p:cNvPr>
-          <p:cNvSpPr txBox="1"/>
-          <p:nvPr/>
-        </p:nvSpPr>
-        <p:spPr>
-          <a:xfrm>
-            <a:off x="8748875" y="4243243"/>
-            <a:ext cx="2744554" cy="584775"/>
-          </a:xfrm>
-          <a:prstGeom prst="rect">
-            <a:avLst/>
-          </a:prstGeom>
-          <a:noFill/>
-        </p:spPr>
-        <p:txBody>
-          <a:bodyPr wrap="square" rtlCol="0">
-            <a:spAutoFit/>
-          </a:bodyPr>
-          <a:lstStyle/>
-          <a:p>
-            <a:r>
-              <a:rPr lang="en-US" sz="1400" dirty="0"/>
-              <a:t>Follow-up</a:t>
-            </a:r>
-          </a:p>
-          <a:p>
-            <a:endParaRPr lang="en-US" sz="400" dirty="0"/>
-          </a:p>
-          <a:p>
-            <a:r>
-              <a:rPr lang="en-US" sz="1400" i="1" dirty="0"/>
-              <a:t>+1 to end of data availability </a:t>
-            </a:r>
-            <a:endParaRPr lang="en-US" sz="1100" i="1" dirty="0"/>
-          </a:p>
-        </p:txBody>
-      </p:sp>
-      <p:sp>
-        <p:nvSpPr>
-          <p:cNvPr id="56" name="TextBox 55">
-            <a:extLst>
-              <a:ext uri="{FF2B5EF4-FFF2-40B4-BE49-F238E27FC236}">
-                <a16:creationId xmlns:a16="http://schemas.microsoft.com/office/drawing/2014/main" id="{B2A418EB-FE9E-4F1E-B374-68FE13793B49}"/>
-              </a:ext>
-            </a:extLst>
-          </p:cNvPr>
-          <p:cNvSpPr txBox="1"/>
-          <p:nvPr/>
-        </p:nvSpPr>
-        <p:spPr>
-          <a:xfrm>
-            <a:off x="4237596" y="2946289"/>
-            <a:ext cx="4421091" cy="584775"/>
-          </a:xfrm>
-          <a:prstGeom prst="rect">
-            <a:avLst/>
-          </a:prstGeom>
-          <a:noFill/>
-        </p:spPr>
-        <p:txBody>
-          <a:bodyPr wrap="square" rtlCol="0">
-            <a:spAutoFit/>
-          </a:bodyPr>
-          <a:lstStyle/>
-          <a:p>
-            <a:pPr algn="r"/>
-            <a:r>
-              <a:rPr lang="en-US" sz="1400" dirty="0"/>
-              <a:t>* No observed Rx for any other antihyperglycemic agent</a:t>
-            </a:r>
-          </a:p>
-          <a:p>
-            <a:pPr algn="r"/>
-            <a:endParaRPr lang="en-US" sz="400" dirty="0"/>
-          </a:p>
-          <a:p>
-            <a:pPr algn="r"/>
-            <a:r>
-              <a:rPr lang="en-US" sz="1400" i="1" dirty="0"/>
-              <a:t>Any time prior to 0 days</a:t>
-            </a:r>
-            <a:endParaRPr lang="en-US" sz="1100" i="1" dirty="0"/>
-          </a:p>
-        </p:txBody>
-      </p:sp>
-      <p:cxnSp>
-        <p:nvCxnSpPr>
-          <p:cNvPr id="66" name="Straight Arrow Connector 65">
-            <a:extLst>
-              <a:ext uri="{FF2B5EF4-FFF2-40B4-BE49-F238E27FC236}">
-                <a16:creationId xmlns:a16="http://schemas.microsoft.com/office/drawing/2014/main" id="{6205DAB3-3AF7-47DA-8C17-8D2E27F9467E}"/>
-              </a:ext>
-            </a:extLst>
-          </p:cNvPr>
-          <p:cNvCxnSpPr>
-            <a:cxnSpLocks/>
-          </p:cNvCxnSpPr>
-          <p:nvPr/>
-        </p:nvCxnSpPr>
-        <p:spPr>
-          <a:xfrm flipH="1">
-            <a:off x="1491271" y="4251949"/>
-            <a:ext cx="7093272" cy="0"/>
-          </a:xfrm>
-          <a:prstGeom prst="straightConnector1">
-            <a:avLst/>
-          </a:prstGeom>
-          <a:ln w="19050">
-            <a:solidFill>
+            </a:fontRef>
+          </p:style>
+        </p:cxnSp>
+        <p:sp>
+          <p:nvSpPr>
+            <p:cNvPr id="27" name="TextBox 26">
+              <a:extLst>
+                <a:ext uri="{FF2B5EF4-FFF2-40B4-BE49-F238E27FC236}">
+                  <a16:creationId xmlns:a16="http://schemas.microsoft.com/office/drawing/2014/main" id="{B8955BB5-563E-40B1-8C91-CE872926519A}"/>
+                </a:ext>
+              </a:extLst>
+            </p:cNvPr>
+            <p:cNvSpPr txBox="1"/>
+            <p:nvPr/>
+          </p:nvSpPr>
+          <p:spPr>
+            <a:xfrm>
+              <a:off x="8748875" y="4243243"/>
+              <a:ext cx="2744554" cy="584775"/>
+            </a:xfrm>
+            <a:prstGeom prst="rect">
+              <a:avLst/>
+            </a:prstGeom>
+            <a:noFill/>
+          </p:spPr>
+          <p:txBody>
+            <a:bodyPr wrap="square" rtlCol="0">
+              <a:spAutoFit/>
+            </a:bodyPr>
+            <a:lstStyle/>
+            <a:p>
+              <a:r>
+                <a:rPr lang="en-US" sz="1400" dirty="0"/>
+                <a:t>Follow-up</a:t>
+              </a:r>
+            </a:p>
+            <a:p>
+              <a:endParaRPr lang="en-US" sz="400" dirty="0"/>
+            </a:p>
+            <a:p>
+              <a:r>
+                <a:rPr lang="en-US" sz="1400" i="1" dirty="0"/>
+                <a:t>+1 to end of data availability </a:t>
+              </a:r>
+              <a:endParaRPr lang="en-US" sz="1100" i="1" dirty="0"/>
+            </a:p>
+          </p:txBody>
+        </p:sp>
+        <p:sp>
+          <p:nvSpPr>
+            <p:cNvPr id="56" name="TextBox 55">
+              <a:extLst>
+                <a:ext uri="{FF2B5EF4-FFF2-40B4-BE49-F238E27FC236}">
+                  <a16:creationId xmlns:a16="http://schemas.microsoft.com/office/drawing/2014/main" id="{B2A418EB-FE9E-4F1E-B374-68FE13793B49}"/>
+                </a:ext>
+              </a:extLst>
+            </p:cNvPr>
+            <p:cNvSpPr txBox="1"/>
+            <p:nvPr/>
+          </p:nvSpPr>
+          <p:spPr>
+            <a:xfrm>
+              <a:off x="4237596" y="2946289"/>
+              <a:ext cx="4421091" cy="584775"/>
+            </a:xfrm>
+            <a:prstGeom prst="rect">
+              <a:avLst/>
+            </a:prstGeom>
+            <a:noFill/>
+          </p:spPr>
+          <p:txBody>
+            <a:bodyPr wrap="square" rtlCol="0">
+              <a:spAutoFit/>
+            </a:bodyPr>
+            <a:lstStyle/>
+            <a:p>
+              <a:pPr algn="r"/>
+              <a:r>
+                <a:rPr lang="en-US" sz="1400" dirty="0"/>
+                <a:t>* No observed Rx for any other antihyperglycemic agent</a:t>
+              </a:r>
+            </a:p>
+            <a:p>
+              <a:pPr algn="r"/>
+              <a:endParaRPr lang="en-US" sz="400" dirty="0"/>
+            </a:p>
+            <a:p>
+              <a:pPr algn="r"/>
+              <a:r>
+                <a:rPr lang="en-US" sz="1400" i="1" dirty="0"/>
+                <a:t>Any time prior to 0 days</a:t>
+              </a:r>
+              <a:endParaRPr lang="en-US" sz="1100" i="1" dirty="0"/>
+            </a:p>
+          </p:txBody>
+        </p:sp>
+        <p:cxnSp>
+          <p:nvCxnSpPr>
+            <p:cNvPr id="66" name="Straight Arrow Connector 65">
+              <a:extLst>
+                <a:ext uri="{FF2B5EF4-FFF2-40B4-BE49-F238E27FC236}">
+                  <a16:creationId xmlns:a16="http://schemas.microsoft.com/office/drawing/2014/main" id="{6205DAB3-3AF7-47DA-8C17-8D2E27F9467E}"/>
+                </a:ext>
+              </a:extLst>
+            </p:cNvPr>
+            <p:cNvCxnSpPr>
+              <a:cxnSpLocks/>
+            </p:cNvCxnSpPr>
+            <p:nvPr/>
+          </p:nvCxnSpPr>
+          <p:spPr>
+            <a:xfrm flipH="1">
+              <a:off x="1491271" y="4251949"/>
+              <a:ext cx="7093272" cy="0"/>
+            </a:xfrm>
+            <a:prstGeom prst="straightConnector1">
+              <a:avLst/>
+            </a:prstGeom>
+            <a:ln w="19050">
+              <a:solidFill>
+                <a:schemeClr val="tx1"/>
+              </a:solidFill>
+              <a:prstDash val="sysDot"/>
+              <a:headEnd type="none" w="med" len="med"/>
+              <a:tailEnd type="triangle" w="med" len="med"/>
+            </a:ln>
+          </p:spPr>
+          <p:style>
+            <a:lnRef idx="1">
+              <a:schemeClr val="accent1"/>
+            </a:lnRef>
+            <a:fillRef idx="0">
+              <a:schemeClr val="accent1"/>
+            </a:fillRef>
+            <a:effectRef idx="0">
+              <a:schemeClr val="accent1"/>
+            </a:effectRef>
+            <a:fontRef idx="minor">
               <a:schemeClr val="tx1"/>
-            </a:solidFill>
-            <a:prstDash val="sysDot"/>
-            <a:headEnd type="none" w="med" len="med"/>
-            <a:tailEnd type="triangle" w="med" len="med"/>
-          </a:ln>
-        </p:spPr>
-        <p:style>
-          <a:lnRef idx="1">
-            <a:schemeClr val="accent1"/>
-          </a:lnRef>
-          <a:fillRef idx="0">
-            <a:schemeClr val="accent1"/>
-          </a:fillRef>
-          <a:effectRef idx="0">
-            <a:schemeClr val="accent1"/>
-          </a:effectRef>
-          <a:fontRef idx="minor">
-            <a:schemeClr val="tx1"/>
-          </a:fontRef>
-        </p:style>
-      </p:cxnSp>
-      <p:sp>
-        <p:nvSpPr>
-          <p:cNvPr id="67" name="TextBox 66">
-            <a:extLst>
-              <a:ext uri="{FF2B5EF4-FFF2-40B4-BE49-F238E27FC236}">
-                <a16:creationId xmlns:a16="http://schemas.microsoft.com/office/drawing/2014/main" id="{39DFDF28-C4C2-4C79-A528-036353FE86DD}"/>
-              </a:ext>
-            </a:extLst>
-          </p:cNvPr>
-          <p:cNvSpPr txBox="1"/>
-          <p:nvPr/>
-        </p:nvSpPr>
-        <p:spPr>
-          <a:xfrm>
-            <a:off x="1233823" y="3953050"/>
-            <a:ext cx="7421730" cy="538609"/>
-          </a:xfrm>
-          <a:prstGeom prst="rect">
-            <a:avLst/>
-          </a:prstGeom>
-          <a:noFill/>
-        </p:spPr>
-        <p:txBody>
-          <a:bodyPr wrap="square" rtlCol="0">
-            <a:spAutoFit/>
-          </a:bodyPr>
-          <a:lstStyle/>
-          <a:p>
-            <a:pPr algn="r"/>
-            <a:r>
-              <a:rPr lang="en-US" sz="1400" dirty="0"/>
-              <a:t>Covariate assessment: conditions, drugs, procedures, measurements, devices, and observations </a:t>
-            </a:r>
-          </a:p>
-          <a:p>
-            <a:pPr algn="r"/>
-            <a:endParaRPr lang="en-US" sz="400" dirty="0"/>
-          </a:p>
-          <a:p>
-            <a:pPr algn="r"/>
-            <a:endParaRPr lang="en-US" sz="1100" i="1" dirty="0"/>
-          </a:p>
-        </p:txBody>
-      </p:sp>
-      <p:sp>
-        <p:nvSpPr>
-          <p:cNvPr id="76" name="TextBox 75">
-            <a:extLst>
-              <a:ext uri="{FF2B5EF4-FFF2-40B4-BE49-F238E27FC236}">
-                <a16:creationId xmlns:a16="http://schemas.microsoft.com/office/drawing/2014/main" id="{62F19A8C-5806-4280-91E7-36EBA4749B3D}"/>
-              </a:ext>
-            </a:extLst>
-          </p:cNvPr>
-          <p:cNvSpPr txBox="1"/>
-          <p:nvPr/>
-        </p:nvSpPr>
-        <p:spPr>
-          <a:xfrm>
-            <a:off x="-1258484" y="4206232"/>
-            <a:ext cx="5308860" cy="307777"/>
-          </a:xfrm>
-          <a:prstGeom prst="rect">
-            <a:avLst/>
-          </a:prstGeom>
-          <a:noFill/>
-        </p:spPr>
-        <p:txBody>
-          <a:bodyPr wrap="square" rtlCol="0">
-            <a:spAutoFit/>
-          </a:bodyPr>
-          <a:lstStyle/>
-          <a:p>
-            <a:pPr algn="r"/>
-            <a:r>
-              <a:rPr lang="en-US" sz="1400" i="1" dirty="0"/>
-              <a:t>Any time prior to 0 days</a:t>
-            </a:r>
-            <a:endParaRPr lang="en-US" sz="1100" i="1" dirty="0"/>
-          </a:p>
-        </p:txBody>
-      </p:sp>
-      <p:cxnSp>
-        <p:nvCxnSpPr>
-          <p:cNvPr id="79" name="Straight Arrow Connector 78">
-            <a:extLst>
-              <a:ext uri="{FF2B5EF4-FFF2-40B4-BE49-F238E27FC236}">
-                <a16:creationId xmlns:a16="http://schemas.microsoft.com/office/drawing/2014/main" id="{763C6381-214A-4138-A7D2-81F9B9015873}"/>
-              </a:ext>
-            </a:extLst>
-          </p:cNvPr>
-          <p:cNvCxnSpPr>
-            <a:cxnSpLocks/>
-          </p:cNvCxnSpPr>
-          <p:nvPr/>
-        </p:nvCxnSpPr>
-        <p:spPr>
-          <a:xfrm flipH="1">
-            <a:off x="4136627" y="4360121"/>
-            <a:ext cx="4418577" cy="0"/>
-          </a:xfrm>
-          <a:prstGeom prst="straightConnector1">
-            <a:avLst/>
-          </a:prstGeom>
-          <a:ln w="19050">
-            <a:solidFill>
+            </a:fontRef>
+          </p:style>
+        </p:cxnSp>
+        <p:sp>
+          <p:nvSpPr>
+            <p:cNvPr id="67" name="TextBox 66">
+              <a:extLst>
+                <a:ext uri="{FF2B5EF4-FFF2-40B4-BE49-F238E27FC236}">
+                  <a16:creationId xmlns:a16="http://schemas.microsoft.com/office/drawing/2014/main" id="{39DFDF28-C4C2-4C79-A528-036353FE86DD}"/>
+                </a:ext>
+              </a:extLst>
+            </p:cNvPr>
+            <p:cNvSpPr txBox="1"/>
+            <p:nvPr/>
+          </p:nvSpPr>
+          <p:spPr>
+            <a:xfrm>
+              <a:off x="1233823" y="3953050"/>
+              <a:ext cx="7421730" cy="538609"/>
+            </a:xfrm>
+            <a:prstGeom prst="rect">
+              <a:avLst/>
+            </a:prstGeom>
+            <a:noFill/>
+          </p:spPr>
+          <p:txBody>
+            <a:bodyPr wrap="square" rtlCol="0">
+              <a:spAutoFit/>
+            </a:bodyPr>
+            <a:lstStyle/>
+            <a:p>
+              <a:pPr algn="r"/>
+              <a:r>
+                <a:rPr lang="en-US" sz="1400" dirty="0"/>
+                <a:t>Covariate assessment: conditions, drugs, procedures, measurements, devices, and observations </a:t>
+              </a:r>
+            </a:p>
+            <a:p>
+              <a:pPr algn="r"/>
+              <a:endParaRPr lang="en-US" sz="400" dirty="0"/>
+            </a:p>
+            <a:p>
+              <a:pPr algn="r"/>
+              <a:endParaRPr lang="en-US" sz="1100" i="1" dirty="0"/>
+            </a:p>
+          </p:txBody>
+        </p:sp>
+        <p:sp>
+          <p:nvSpPr>
+            <p:cNvPr id="76" name="TextBox 75">
+              <a:extLst>
+                <a:ext uri="{FF2B5EF4-FFF2-40B4-BE49-F238E27FC236}">
+                  <a16:creationId xmlns:a16="http://schemas.microsoft.com/office/drawing/2014/main" id="{62F19A8C-5806-4280-91E7-36EBA4749B3D}"/>
+                </a:ext>
+              </a:extLst>
+            </p:cNvPr>
+            <p:cNvSpPr txBox="1"/>
+            <p:nvPr/>
+          </p:nvSpPr>
+          <p:spPr>
+            <a:xfrm>
+              <a:off x="-1258484" y="4206232"/>
+              <a:ext cx="5308860" cy="307777"/>
+            </a:xfrm>
+            <a:prstGeom prst="rect">
+              <a:avLst/>
+            </a:prstGeom>
+            <a:noFill/>
+          </p:spPr>
+          <p:txBody>
+            <a:bodyPr wrap="square" rtlCol="0">
+              <a:spAutoFit/>
+            </a:bodyPr>
+            <a:lstStyle/>
+            <a:p>
+              <a:pPr algn="r"/>
+              <a:r>
+                <a:rPr lang="en-US" sz="1400" i="1" dirty="0"/>
+                <a:t>Any time prior to 0 days</a:t>
+              </a:r>
+              <a:endParaRPr lang="en-US" sz="1100" i="1" dirty="0"/>
+            </a:p>
+          </p:txBody>
+        </p:sp>
+        <p:cxnSp>
+          <p:nvCxnSpPr>
+            <p:cNvPr id="79" name="Straight Arrow Connector 78">
+              <a:extLst>
+                <a:ext uri="{FF2B5EF4-FFF2-40B4-BE49-F238E27FC236}">
+                  <a16:creationId xmlns:a16="http://schemas.microsoft.com/office/drawing/2014/main" id="{763C6381-214A-4138-A7D2-81F9B9015873}"/>
+                </a:ext>
+              </a:extLst>
+            </p:cNvPr>
+            <p:cNvCxnSpPr>
+              <a:cxnSpLocks/>
+            </p:cNvCxnSpPr>
+            <p:nvPr/>
+          </p:nvCxnSpPr>
+          <p:spPr>
+            <a:xfrm flipH="1">
+              <a:off x="4136627" y="4360121"/>
+              <a:ext cx="4418577" cy="0"/>
+            </a:xfrm>
+            <a:prstGeom prst="straightConnector1">
+              <a:avLst/>
+            </a:prstGeom>
+            <a:ln w="19050">
+              <a:solidFill>
+                <a:schemeClr val="tx1"/>
+              </a:solidFill>
+              <a:prstDash val="sysDot"/>
+              <a:headEnd type="none" w="med" len="med"/>
+              <a:tailEnd type="oval" w="med" len="med"/>
+            </a:ln>
+          </p:spPr>
+          <p:style>
+            <a:lnRef idx="1">
+              <a:schemeClr val="accent1"/>
+            </a:lnRef>
+            <a:fillRef idx="0">
+              <a:schemeClr val="accent1"/>
+            </a:fillRef>
+            <a:effectRef idx="0">
+              <a:schemeClr val="accent1"/>
+            </a:effectRef>
+            <a:fontRef idx="minor">
               <a:schemeClr val="tx1"/>
-            </a:solidFill>
-            <a:prstDash val="sysDot"/>
-            <a:headEnd type="none" w="med" len="med"/>
-            <a:tailEnd type="oval" w="med" len="med"/>
-          </a:ln>
-        </p:spPr>
-        <p:style>
-          <a:lnRef idx="1">
-            <a:schemeClr val="accent1"/>
-          </a:lnRef>
-          <a:fillRef idx="0">
-            <a:schemeClr val="accent1"/>
-          </a:fillRef>
-          <a:effectRef idx="0">
-            <a:schemeClr val="accent1"/>
-          </a:effectRef>
-          <a:fontRef idx="minor">
-            <a:schemeClr val="tx1"/>
-          </a:fontRef>
-        </p:style>
-      </p:cxnSp>
-      <p:sp>
-        <p:nvSpPr>
-          <p:cNvPr id="83" name="TextBox 82">
-            <a:extLst>
-              <a:ext uri="{FF2B5EF4-FFF2-40B4-BE49-F238E27FC236}">
-                <a16:creationId xmlns:a16="http://schemas.microsoft.com/office/drawing/2014/main" id="{668A0295-556B-46C6-8544-6E84B4212FE5}"/>
-              </a:ext>
-            </a:extLst>
-          </p:cNvPr>
-          <p:cNvSpPr txBox="1"/>
-          <p:nvPr/>
-        </p:nvSpPr>
-        <p:spPr>
-          <a:xfrm>
-            <a:off x="6961471" y="4438753"/>
-            <a:ext cx="1636478" cy="307777"/>
-          </a:xfrm>
-          <a:prstGeom prst="rect">
-            <a:avLst/>
-          </a:prstGeom>
-          <a:noFill/>
-        </p:spPr>
-        <p:txBody>
-          <a:bodyPr wrap="square" rtlCol="0">
-            <a:spAutoFit/>
-          </a:bodyPr>
-          <a:lstStyle/>
-          <a:p>
-            <a:pPr algn="r"/>
-            <a:r>
-              <a:rPr lang="en-US" sz="1400" i="1" dirty="0"/>
-              <a:t>-180 to 0 days</a:t>
-            </a:r>
-            <a:endParaRPr lang="en-US" sz="1100" i="1" dirty="0"/>
-          </a:p>
-        </p:txBody>
-      </p:sp>
-      <p:sp>
-        <p:nvSpPr>
-          <p:cNvPr id="90" name="TextBox 89">
-            <a:extLst>
-              <a:ext uri="{FF2B5EF4-FFF2-40B4-BE49-F238E27FC236}">
-                <a16:creationId xmlns:a16="http://schemas.microsoft.com/office/drawing/2014/main" id="{DBA864BE-0B7C-4BE9-86D7-E93152554F7B}"/>
-              </a:ext>
-            </a:extLst>
-          </p:cNvPr>
-          <p:cNvSpPr txBox="1"/>
-          <p:nvPr/>
-        </p:nvSpPr>
-        <p:spPr>
-          <a:xfrm>
-            <a:off x="3293618" y="1167981"/>
-            <a:ext cx="5353241" cy="584775"/>
-          </a:xfrm>
-          <a:prstGeom prst="rect">
-            <a:avLst/>
-          </a:prstGeom>
-          <a:noFill/>
-        </p:spPr>
-        <p:txBody>
-          <a:bodyPr wrap="square" rtlCol="0">
-            <a:spAutoFit/>
-          </a:bodyPr>
-          <a:lstStyle/>
-          <a:p>
-            <a:pPr algn="r"/>
-            <a:r>
-              <a:rPr lang="en-US" sz="1400" dirty="0"/>
-              <a:t>No observed history of the outcome</a:t>
-            </a:r>
-          </a:p>
-          <a:p>
-            <a:pPr algn="r"/>
-            <a:endParaRPr lang="en-US" sz="400" dirty="0"/>
-          </a:p>
-          <a:p>
-            <a:pPr algn="r"/>
-            <a:r>
-              <a:rPr lang="en-US" sz="1400" i="1" dirty="0"/>
-              <a:t>Any time prior to 0 days</a:t>
-            </a:r>
-          </a:p>
-        </p:txBody>
-      </p:sp>
-      <p:cxnSp>
-        <p:nvCxnSpPr>
-          <p:cNvPr id="91" name="Straight Arrow Connector 90">
-            <a:extLst>
-              <a:ext uri="{FF2B5EF4-FFF2-40B4-BE49-F238E27FC236}">
-                <a16:creationId xmlns:a16="http://schemas.microsoft.com/office/drawing/2014/main" id="{B63B2044-152C-43C6-BCDC-6028341C71FE}"/>
-              </a:ext>
-            </a:extLst>
-          </p:cNvPr>
-          <p:cNvCxnSpPr>
-            <a:cxnSpLocks/>
-          </p:cNvCxnSpPr>
-          <p:nvPr/>
-        </p:nvCxnSpPr>
-        <p:spPr>
-          <a:xfrm flipH="1" flipV="1">
-            <a:off x="1484055" y="901432"/>
-            <a:ext cx="7119904" cy="17755"/>
-          </a:xfrm>
-          <a:prstGeom prst="straightConnector1">
-            <a:avLst/>
-          </a:prstGeom>
-          <a:ln w="19050">
-            <a:solidFill>
+            </a:fontRef>
+          </p:style>
+        </p:cxnSp>
+        <p:sp>
+          <p:nvSpPr>
+            <p:cNvPr id="83" name="TextBox 82">
+              <a:extLst>
+                <a:ext uri="{FF2B5EF4-FFF2-40B4-BE49-F238E27FC236}">
+                  <a16:creationId xmlns:a16="http://schemas.microsoft.com/office/drawing/2014/main" id="{668A0295-556B-46C6-8544-6E84B4212FE5}"/>
+                </a:ext>
+              </a:extLst>
+            </p:cNvPr>
+            <p:cNvSpPr txBox="1"/>
+            <p:nvPr/>
+          </p:nvSpPr>
+          <p:spPr>
+            <a:xfrm>
+              <a:off x="6961471" y="4438753"/>
+              <a:ext cx="1636478" cy="307777"/>
+            </a:xfrm>
+            <a:prstGeom prst="rect">
+              <a:avLst/>
+            </a:prstGeom>
+            <a:noFill/>
+          </p:spPr>
+          <p:txBody>
+            <a:bodyPr wrap="square" rtlCol="0">
+              <a:spAutoFit/>
+            </a:bodyPr>
+            <a:lstStyle/>
+            <a:p>
+              <a:pPr algn="r"/>
+              <a:r>
+                <a:rPr lang="en-US" sz="1400" i="1" dirty="0"/>
+                <a:t>-180 to 0 days</a:t>
+              </a:r>
+              <a:endParaRPr lang="en-US" sz="1100" i="1" dirty="0"/>
+            </a:p>
+          </p:txBody>
+        </p:sp>
+        <p:sp>
+          <p:nvSpPr>
+            <p:cNvPr id="90" name="TextBox 89">
+              <a:extLst>
+                <a:ext uri="{FF2B5EF4-FFF2-40B4-BE49-F238E27FC236}">
+                  <a16:creationId xmlns:a16="http://schemas.microsoft.com/office/drawing/2014/main" id="{DBA864BE-0B7C-4BE9-86D7-E93152554F7B}"/>
+                </a:ext>
+              </a:extLst>
+            </p:cNvPr>
+            <p:cNvSpPr txBox="1"/>
+            <p:nvPr/>
+          </p:nvSpPr>
+          <p:spPr>
+            <a:xfrm>
+              <a:off x="3293618" y="1167981"/>
+              <a:ext cx="5353241" cy="584775"/>
+            </a:xfrm>
+            <a:prstGeom prst="rect">
+              <a:avLst/>
+            </a:prstGeom>
+            <a:noFill/>
+          </p:spPr>
+          <p:txBody>
+            <a:bodyPr wrap="square" rtlCol="0">
+              <a:spAutoFit/>
+            </a:bodyPr>
+            <a:lstStyle/>
+            <a:p>
+              <a:pPr algn="r"/>
+              <a:r>
+                <a:rPr lang="en-US" sz="1400" dirty="0"/>
+                <a:t>No observed history of the outcome</a:t>
+              </a:r>
+            </a:p>
+            <a:p>
+              <a:pPr algn="r"/>
+              <a:endParaRPr lang="en-US" sz="400" dirty="0"/>
+            </a:p>
+            <a:p>
+              <a:pPr algn="r"/>
+              <a:r>
+                <a:rPr lang="en-US" sz="1400" i="1" dirty="0"/>
+                <a:t>Any time prior to 0 days</a:t>
+              </a:r>
+            </a:p>
+          </p:txBody>
+        </p:sp>
+        <p:cxnSp>
+          <p:nvCxnSpPr>
+            <p:cNvPr id="91" name="Straight Arrow Connector 90">
+              <a:extLst>
+                <a:ext uri="{FF2B5EF4-FFF2-40B4-BE49-F238E27FC236}">
+                  <a16:creationId xmlns:a16="http://schemas.microsoft.com/office/drawing/2014/main" id="{B63B2044-152C-43C6-BCDC-6028341C71FE}"/>
+                </a:ext>
+              </a:extLst>
+            </p:cNvPr>
+            <p:cNvCxnSpPr>
+              <a:cxnSpLocks/>
+            </p:cNvCxnSpPr>
+            <p:nvPr/>
+          </p:nvCxnSpPr>
+          <p:spPr>
+            <a:xfrm flipH="1" flipV="1">
+              <a:off x="1484055" y="901432"/>
+              <a:ext cx="7119904" cy="17755"/>
+            </a:xfrm>
+            <a:prstGeom prst="straightConnector1">
+              <a:avLst/>
+            </a:prstGeom>
+            <a:ln w="19050">
+              <a:solidFill>
+                <a:schemeClr val="tx1"/>
+              </a:solidFill>
+              <a:prstDash val="sysDot"/>
+              <a:headEnd type="none" w="med" len="med"/>
+              <a:tailEnd type="triangle" w="med" len="med"/>
+            </a:ln>
+          </p:spPr>
+          <p:style>
+            <a:lnRef idx="1">
+              <a:schemeClr val="accent1"/>
+            </a:lnRef>
+            <a:fillRef idx="0">
+              <a:schemeClr val="accent1"/>
+            </a:fillRef>
+            <a:effectRef idx="0">
+              <a:schemeClr val="accent1"/>
+            </a:effectRef>
+            <a:fontRef idx="minor">
               <a:schemeClr val="tx1"/>
-            </a:solidFill>
-            <a:prstDash val="sysDot"/>
-            <a:headEnd type="none" w="med" len="med"/>
-            <a:tailEnd type="triangle" w="med" len="med"/>
-          </a:ln>
-        </p:spPr>
-        <p:style>
-          <a:lnRef idx="1">
-            <a:schemeClr val="accent1"/>
-          </a:lnRef>
-          <a:fillRef idx="0">
-            <a:schemeClr val="accent1"/>
-          </a:fillRef>
-          <a:effectRef idx="0">
-            <a:schemeClr val="accent1"/>
-          </a:effectRef>
-          <a:fontRef idx="minor">
-            <a:schemeClr val="tx1"/>
-          </a:fontRef>
-        </p:style>
-      </p:cxnSp>
-      <p:cxnSp>
-        <p:nvCxnSpPr>
-          <p:cNvPr id="92" name="Straight Arrow Connector 91">
-            <a:extLst>
-              <a:ext uri="{FF2B5EF4-FFF2-40B4-BE49-F238E27FC236}">
-                <a16:creationId xmlns:a16="http://schemas.microsoft.com/office/drawing/2014/main" id="{507EAD74-36CF-4F6D-B8DD-4EE35289ED4F}"/>
-              </a:ext>
-            </a:extLst>
-          </p:cNvPr>
-          <p:cNvCxnSpPr>
-            <a:cxnSpLocks/>
-            <a:endCxn id="93" idx="1"/>
-          </p:cNvCxnSpPr>
-          <p:nvPr/>
-        </p:nvCxnSpPr>
-        <p:spPr>
-          <a:xfrm flipH="1" flipV="1">
-            <a:off x="4136627" y="335616"/>
-            <a:ext cx="4465852" cy="6512"/>
-          </a:xfrm>
-          <a:prstGeom prst="straightConnector1">
-            <a:avLst/>
-          </a:prstGeom>
-          <a:ln w="19050">
-            <a:solidFill>
+            </a:fontRef>
+          </p:style>
+        </p:cxnSp>
+        <p:cxnSp>
+          <p:nvCxnSpPr>
+            <p:cNvPr id="92" name="Straight Arrow Connector 91">
+              <a:extLst>
+                <a:ext uri="{FF2B5EF4-FFF2-40B4-BE49-F238E27FC236}">
+                  <a16:creationId xmlns:a16="http://schemas.microsoft.com/office/drawing/2014/main" id="{507EAD74-36CF-4F6D-B8DD-4EE35289ED4F}"/>
+                </a:ext>
+              </a:extLst>
+            </p:cNvPr>
+            <p:cNvCxnSpPr>
+              <a:cxnSpLocks/>
+              <a:endCxn id="93" idx="1"/>
+            </p:cNvCxnSpPr>
+            <p:nvPr/>
+          </p:nvCxnSpPr>
+          <p:spPr>
+            <a:xfrm flipH="1" flipV="1">
+              <a:off x="4136627" y="335616"/>
+              <a:ext cx="4465852" cy="6512"/>
+            </a:xfrm>
+            <a:prstGeom prst="straightConnector1">
+              <a:avLst/>
+            </a:prstGeom>
+            <a:ln w="19050">
+              <a:solidFill>
+                <a:schemeClr val="tx1"/>
+              </a:solidFill>
+              <a:prstDash val="sysDot"/>
+              <a:headEnd type="none" w="med" len="med"/>
+              <a:tailEnd type="triangle" w="med" len="med"/>
+            </a:ln>
+          </p:spPr>
+          <p:style>
+            <a:lnRef idx="1">
+              <a:schemeClr val="accent1"/>
+            </a:lnRef>
+            <a:fillRef idx="0">
+              <a:schemeClr val="accent1"/>
+            </a:fillRef>
+            <a:effectRef idx="0">
+              <a:schemeClr val="accent1"/>
+            </a:effectRef>
+            <a:fontRef idx="minor">
               <a:schemeClr val="tx1"/>
-            </a:solidFill>
-            <a:prstDash val="sysDot"/>
-            <a:headEnd type="none" w="med" len="med"/>
-            <a:tailEnd type="triangle" w="med" len="med"/>
-          </a:ln>
-        </p:spPr>
-        <p:style>
-          <a:lnRef idx="1">
-            <a:schemeClr val="accent1"/>
-          </a:lnRef>
-          <a:fillRef idx="0">
-            <a:schemeClr val="accent1"/>
-          </a:fillRef>
-          <a:effectRef idx="0">
-            <a:schemeClr val="accent1"/>
-          </a:effectRef>
-          <a:fontRef idx="minor">
-            <a:schemeClr val="tx1"/>
-          </a:fontRef>
-        </p:style>
-      </p:cxnSp>
-      <p:sp>
-        <p:nvSpPr>
-          <p:cNvPr id="93" name="TextBox 92">
-            <a:extLst>
-              <a:ext uri="{FF2B5EF4-FFF2-40B4-BE49-F238E27FC236}">
-                <a16:creationId xmlns:a16="http://schemas.microsoft.com/office/drawing/2014/main" id="{805D22C6-508A-4AB9-AC33-FEDD2AA08BB3}"/>
-              </a:ext>
-            </a:extLst>
-          </p:cNvPr>
-          <p:cNvSpPr txBox="1"/>
-          <p:nvPr/>
-        </p:nvSpPr>
-        <p:spPr>
-          <a:xfrm>
-            <a:off x="4136627" y="43228"/>
-            <a:ext cx="4510233" cy="584775"/>
-          </a:xfrm>
-          <a:prstGeom prst="rect">
-            <a:avLst/>
-          </a:prstGeom>
-          <a:noFill/>
-        </p:spPr>
-        <p:txBody>
-          <a:bodyPr wrap="square" rtlCol="0">
-            <a:spAutoFit/>
-          </a:bodyPr>
-          <a:lstStyle/>
-          <a:p>
-            <a:pPr algn="r"/>
-            <a:r>
-              <a:rPr lang="en-US" sz="1400" dirty="0"/>
-              <a:t>Prior data source enrollment</a:t>
-            </a:r>
-          </a:p>
-          <a:p>
-            <a:pPr algn="r"/>
-            <a:endParaRPr lang="en-US" sz="400" dirty="0"/>
-          </a:p>
-          <a:p>
-            <a:pPr algn="r"/>
-            <a:r>
-              <a:rPr lang="en-US" sz="1400" i="1" dirty="0"/>
-              <a:t>≥365 days </a:t>
-            </a:r>
-            <a:endParaRPr lang="en-US" sz="1100" i="1" dirty="0"/>
-          </a:p>
-        </p:txBody>
-      </p:sp>
-      <p:sp>
-        <p:nvSpPr>
-          <p:cNvPr id="102" name="TextBox 101">
-            <a:extLst>
-              <a:ext uri="{FF2B5EF4-FFF2-40B4-BE49-F238E27FC236}">
-                <a16:creationId xmlns:a16="http://schemas.microsoft.com/office/drawing/2014/main" id="{25DDA569-E825-4593-A09B-00E91BD48ECD}"/>
-              </a:ext>
-            </a:extLst>
-          </p:cNvPr>
-          <p:cNvSpPr txBox="1"/>
-          <p:nvPr/>
-        </p:nvSpPr>
-        <p:spPr>
-          <a:xfrm>
-            <a:off x="2569677" y="3215713"/>
-            <a:ext cx="4851150" cy="307777"/>
-          </a:xfrm>
-          <a:prstGeom prst="rect">
-            <a:avLst/>
-          </a:prstGeom>
-          <a:noFill/>
-        </p:spPr>
-        <p:txBody>
-          <a:bodyPr wrap="square" rtlCol="0">
-            <a:spAutoFit/>
-          </a:bodyPr>
-          <a:lstStyle/>
-          <a:p>
-            <a:r>
-              <a:rPr lang="en-US" sz="1400" i="1" dirty="0"/>
-              <a:t>* Except metformin and insulin (with stakeholder input)</a:t>
-            </a:r>
-            <a:endParaRPr lang="en-US" sz="1100" i="1" dirty="0"/>
-          </a:p>
-        </p:txBody>
-      </p:sp>
-      <p:sp>
-        <p:nvSpPr>
-          <p:cNvPr id="106" name="TextBox 105">
-            <a:extLst>
-              <a:ext uri="{FF2B5EF4-FFF2-40B4-BE49-F238E27FC236}">
-                <a16:creationId xmlns:a16="http://schemas.microsoft.com/office/drawing/2014/main" id="{63AEF3C3-323A-4232-BD0F-1922B6F7809C}"/>
-              </a:ext>
-            </a:extLst>
-          </p:cNvPr>
-          <p:cNvSpPr txBox="1"/>
-          <p:nvPr/>
-        </p:nvSpPr>
-        <p:spPr>
-          <a:xfrm>
-            <a:off x="26525" y="448644"/>
-            <a:ext cx="1387700" cy="461665"/>
-          </a:xfrm>
-          <a:prstGeom prst="rect">
-            <a:avLst/>
-          </a:prstGeom>
-          <a:noFill/>
-        </p:spPr>
-        <p:txBody>
-          <a:bodyPr wrap="square" rtlCol="0">
-            <a:spAutoFit/>
-          </a:bodyPr>
-          <a:lstStyle/>
-          <a:p>
-            <a:r>
-              <a:rPr lang="en-US" sz="2400" b="1" dirty="0"/>
-              <a:t>Eligibility </a:t>
-            </a:r>
-          </a:p>
-        </p:txBody>
-      </p:sp>
-      <p:sp>
-        <p:nvSpPr>
-          <p:cNvPr id="107" name="TextBox 106">
-            <a:extLst>
-              <a:ext uri="{FF2B5EF4-FFF2-40B4-BE49-F238E27FC236}">
-                <a16:creationId xmlns:a16="http://schemas.microsoft.com/office/drawing/2014/main" id="{28044120-8B9A-4F99-87FF-7C99C128F094}"/>
-              </a:ext>
-            </a:extLst>
-          </p:cNvPr>
-          <p:cNvSpPr txBox="1"/>
-          <p:nvPr/>
-        </p:nvSpPr>
-        <p:spPr>
-          <a:xfrm>
-            <a:off x="-11674" y="2828911"/>
-            <a:ext cx="1416495" cy="461665"/>
-          </a:xfrm>
-          <a:prstGeom prst="rect">
-            <a:avLst/>
-          </a:prstGeom>
-          <a:noFill/>
-        </p:spPr>
-        <p:txBody>
-          <a:bodyPr wrap="square" rtlCol="0">
-            <a:spAutoFit/>
-          </a:bodyPr>
-          <a:lstStyle/>
-          <a:p>
-            <a:r>
-              <a:rPr lang="en-US" sz="2400" b="1" dirty="0"/>
-              <a:t>Exposure</a:t>
-            </a:r>
-          </a:p>
-        </p:txBody>
-      </p:sp>
-      <p:sp>
-        <p:nvSpPr>
-          <p:cNvPr id="108" name="TextBox 107">
-            <a:extLst>
-              <a:ext uri="{FF2B5EF4-FFF2-40B4-BE49-F238E27FC236}">
-                <a16:creationId xmlns:a16="http://schemas.microsoft.com/office/drawing/2014/main" id="{FF3226F7-EDCC-4253-8AAB-DA59481BFC28}"/>
-              </a:ext>
-            </a:extLst>
-          </p:cNvPr>
-          <p:cNvSpPr txBox="1"/>
-          <p:nvPr/>
-        </p:nvSpPr>
-        <p:spPr>
-          <a:xfrm>
-            <a:off x="-48009" y="4273916"/>
-            <a:ext cx="2370073" cy="461665"/>
-          </a:xfrm>
-          <a:prstGeom prst="rect">
-            <a:avLst/>
-          </a:prstGeom>
-          <a:noFill/>
-        </p:spPr>
-        <p:txBody>
-          <a:bodyPr wrap="square" rtlCol="0">
-            <a:spAutoFit/>
-          </a:bodyPr>
-          <a:lstStyle/>
-          <a:p>
-            <a:r>
-              <a:rPr lang="en-US" sz="2400" b="1" dirty="0"/>
-              <a:t>Adjustment</a:t>
-            </a:r>
-          </a:p>
-        </p:txBody>
-      </p:sp>
-      <p:sp>
-        <p:nvSpPr>
-          <p:cNvPr id="112" name="Rectangle 111">
-            <a:extLst>
-              <a:ext uri="{FF2B5EF4-FFF2-40B4-BE49-F238E27FC236}">
-                <a16:creationId xmlns:a16="http://schemas.microsoft.com/office/drawing/2014/main" id="{273E4957-4E92-41BC-B159-F36E304F821B}"/>
-              </a:ext>
-            </a:extLst>
-          </p:cNvPr>
-          <p:cNvSpPr/>
-          <p:nvPr/>
-        </p:nvSpPr>
-        <p:spPr>
-          <a:xfrm>
-            <a:off x="-60848" y="3249226"/>
-            <a:ext cx="2763213" cy="307777"/>
-          </a:xfrm>
-          <a:prstGeom prst="rect">
-            <a:avLst/>
-          </a:prstGeom>
-        </p:spPr>
-        <p:txBody>
-          <a:bodyPr wrap="square">
-            <a:spAutoFit/>
-          </a:bodyPr>
-          <a:lstStyle/>
-          <a:p>
-            <a:r>
-              <a:rPr lang="en-US" sz="1400" dirty="0">
-                <a:latin typeface="Calibri" panose="020F0502020204030204" pitchFamily="34" charset="0"/>
-                <a:ea typeface="Calibri" panose="020F0502020204030204" pitchFamily="34" charset="0"/>
-              </a:rPr>
-              <a:t> (DPP4Is, GLP1RAs, SGLT2Is, SUs)</a:t>
-            </a:r>
-          </a:p>
-        </p:txBody>
-      </p:sp>
-      <p:sp>
-        <p:nvSpPr>
-          <p:cNvPr id="113" name="Rectangle 112">
-            <a:extLst>
-              <a:ext uri="{FF2B5EF4-FFF2-40B4-BE49-F238E27FC236}">
-                <a16:creationId xmlns:a16="http://schemas.microsoft.com/office/drawing/2014/main" id="{83F820AD-3E1E-4FA9-B035-9FFBEF75BCF3}"/>
-              </a:ext>
-            </a:extLst>
-          </p:cNvPr>
-          <p:cNvSpPr/>
-          <p:nvPr/>
-        </p:nvSpPr>
-        <p:spPr>
-          <a:xfrm>
-            <a:off x="-60849" y="4680044"/>
-            <a:ext cx="8384383" cy="307777"/>
-          </a:xfrm>
-          <a:prstGeom prst="rect">
-            <a:avLst/>
-          </a:prstGeom>
-        </p:spPr>
-        <p:txBody>
-          <a:bodyPr wrap="square">
-            <a:spAutoFit/>
-          </a:bodyPr>
-          <a:lstStyle/>
-          <a:p>
-            <a:r>
-              <a:rPr lang="en-US" sz="1400" dirty="0">
-                <a:latin typeface="Calibri" panose="020F0502020204030204" pitchFamily="34" charset="0"/>
-                <a:ea typeface="Calibri" panose="020F0502020204030204" pitchFamily="34" charset="0"/>
-              </a:rPr>
-              <a:t>(Propensity score matching/stratification with large-scale cohort balance and empirical equipoise diagnostics)</a:t>
-            </a:r>
-            <a:endParaRPr lang="en-US" sz="1400" dirty="0"/>
-          </a:p>
-        </p:txBody>
-      </p:sp>
-      <p:sp>
-        <p:nvSpPr>
-          <p:cNvPr id="114" name="TextBox 113">
-            <a:extLst>
-              <a:ext uri="{FF2B5EF4-FFF2-40B4-BE49-F238E27FC236}">
-                <a16:creationId xmlns:a16="http://schemas.microsoft.com/office/drawing/2014/main" id="{B1B31029-0928-450F-957D-15B2C2020C7B}"/>
-              </a:ext>
-            </a:extLst>
-          </p:cNvPr>
-          <p:cNvSpPr txBox="1"/>
-          <p:nvPr/>
-        </p:nvSpPr>
-        <p:spPr>
-          <a:xfrm>
-            <a:off x="10168139" y="-30451"/>
-            <a:ext cx="2612992" cy="461665"/>
-          </a:xfrm>
-          <a:prstGeom prst="rect">
-            <a:avLst/>
-          </a:prstGeom>
-          <a:noFill/>
-        </p:spPr>
-        <p:txBody>
-          <a:bodyPr wrap="square" rtlCol="0">
-            <a:spAutoFit/>
-          </a:bodyPr>
-          <a:lstStyle/>
-          <a:p>
-            <a:pPr algn="r"/>
-            <a:r>
-              <a:rPr lang="en-US" sz="2400" b="1" dirty="0"/>
-              <a:t>Outcomes</a:t>
-            </a:r>
-          </a:p>
-        </p:txBody>
-      </p:sp>
-      <p:sp>
-        <p:nvSpPr>
-          <p:cNvPr id="116" name="Rectangle 115">
-            <a:extLst>
-              <a:ext uri="{FF2B5EF4-FFF2-40B4-BE49-F238E27FC236}">
-                <a16:creationId xmlns:a16="http://schemas.microsoft.com/office/drawing/2014/main" id="{93112CD0-9142-44B7-A435-9C2D2967CCC5}"/>
-              </a:ext>
-            </a:extLst>
-          </p:cNvPr>
-          <p:cNvSpPr/>
-          <p:nvPr/>
-        </p:nvSpPr>
-        <p:spPr>
-          <a:xfrm>
-            <a:off x="9343927" y="268741"/>
-            <a:ext cx="3491881" cy="307777"/>
-          </a:xfrm>
-          <a:prstGeom prst="rect">
-            <a:avLst/>
-          </a:prstGeom>
-        </p:spPr>
-        <p:txBody>
-          <a:bodyPr wrap="square">
-            <a:spAutoFit/>
-          </a:bodyPr>
-          <a:lstStyle/>
-          <a:p>
-            <a:pPr algn="r"/>
-            <a:r>
-              <a:rPr lang="en-US" sz="1400" dirty="0">
-                <a:latin typeface="Calibri" panose="020F0502020204030204" pitchFamily="34" charset="0"/>
-                <a:ea typeface="Calibri" panose="020F0502020204030204" pitchFamily="34" charset="0"/>
-              </a:rPr>
-              <a:t>(Cardiovascular events and safety)</a:t>
-            </a:r>
-            <a:endParaRPr lang="en-US" sz="1400" dirty="0"/>
-          </a:p>
-        </p:txBody>
-      </p:sp>
-      <p:cxnSp>
-        <p:nvCxnSpPr>
-          <p:cNvPr id="38" name="Straight Arrow Connector 37">
-            <a:extLst>
-              <a:ext uri="{FF2B5EF4-FFF2-40B4-BE49-F238E27FC236}">
-                <a16:creationId xmlns:a16="http://schemas.microsoft.com/office/drawing/2014/main" id="{97554BDD-7CD0-41C0-B973-9511519A5C60}"/>
-              </a:ext>
-            </a:extLst>
-          </p:cNvPr>
-          <p:cNvCxnSpPr>
-            <a:cxnSpLocks/>
-          </p:cNvCxnSpPr>
-          <p:nvPr/>
-        </p:nvCxnSpPr>
-        <p:spPr>
-          <a:xfrm flipH="1">
-            <a:off x="6531064" y="4460199"/>
-            <a:ext cx="2024140" cy="2367"/>
-          </a:xfrm>
-          <a:prstGeom prst="straightConnector1">
-            <a:avLst/>
-          </a:prstGeom>
-          <a:ln w="19050">
-            <a:solidFill>
+            </a:fontRef>
+          </p:style>
+        </p:cxnSp>
+        <p:sp>
+          <p:nvSpPr>
+            <p:cNvPr id="93" name="TextBox 92">
+              <a:extLst>
+                <a:ext uri="{FF2B5EF4-FFF2-40B4-BE49-F238E27FC236}">
+                  <a16:creationId xmlns:a16="http://schemas.microsoft.com/office/drawing/2014/main" id="{805D22C6-508A-4AB9-AC33-FEDD2AA08BB3}"/>
+                </a:ext>
+              </a:extLst>
+            </p:cNvPr>
+            <p:cNvSpPr txBox="1"/>
+            <p:nvPr/>
+          </p:nvSpPr>
+          <p:spPr>
+            <a:xfrm>
+              <a:off x="4136627" y="43228"/>
+              <a:ext cx="4510233" cy="584775"/>
+            </a:xfrm>
+            <a:prstGeom prst="rect">
+              <a:avLst/>
+            </a:prstGeom>
+            <a:noFill/>
+          </p:spPr>
+          <p:txBody>
+            <a:bodyPr wrap="square" rtlCol="0">
+              <a:spAutoFit/>
+            </a:bodyPr>
+            <a:lstStyle/>
+            <a:p>
+              <a:pPr algn="r"/>
+              <a:r>
+                <a:rPr lang="en-US" sz="1400" dirty="0"/>
+                <a:t>Prior data source enrollment</a:t>
+              </a:r>
+            </a:p>
+            <a:p>
+              <a:pPr algn="r"/>
+              <a:endParaRPr lang="en-US" sz="400" dirty="0"/>
+            </a:p>
+            <a:p>
+              <a:pPr algn="r"/>
+              <a:r>
+                <a:rPr lang="en-US" sz="1400" i="1" dirty="0"/>
+                <a:t>≥365 days </a:t>
+              </a:r>
+              <a:endParaRPr lang="en-US" sz="1100" i="1" dirty="0"/>
+            </a:p>
+          </p:txBody>
+        </p:sp>
+        <p:sp>
+          <p:nvSpPr>
+            <p:cNvPr id="102" name="TextBox 101">
+              <a:extLst>
+                <a:ext uri="{FF2B5EF4-FFF2-40B4-BE49-F238E27FC236}">
+                  <a16:creationId xmlns:a16="http://schemas.microsoft.com/office/drawing/2014/main" id="{25DDA569-E825-4593-A09B-00E91BD48ECD}"/>
+                </a:ext>
+              </a:extLst>
+            </p:cNvPr>
+            <p:cNvSpPr txBox="1"/>
+            <p:nvPr/>
+          </p:nvSpPr>
+          <p:spPr>
+            <a:xfrm>
+              <a:off x="3948549" y="3237777"/>
+              <a:ext cx="4851150" cy="307777"/>
+            </a:xfrm>
+            <a:prstGeom prst="rect">
+              <a:avLst/>
+            </a:prstGeom>
+            <a:noFill/>
+          </p:spPr>
+          <p:txBody>
+            <a:bodyPr wrap="square" rtlCol="0">
+              <a:spAutoFit/>
+            </a:bodyPr>
+            <a:lstStyle/>
+            <a:p>
+              <a:r>
+                <a:rPr lang="en-US" sz="1400" i="1" dirty="0"/>
+                <a:t>* Except metformin</a:t>
+              </a:r>
+              <a:endParaRPr lang="en-US" sz="1100" i="1" dirty="0"/>
+            </a:p>
+          </p:txBody>
+        </p:sp>
+        <p:sp>
+          <p:nvSpPr>
+            <p:cNvPr id="106" name="TextBox 105">
+              <a:extLst>
+                <a:ext uri="{FF2B5EF4-FFF2-40B4-BE49-F238E27FC236}">
+                  <a16:creationId xmlns:a16="http://schemas.microsoft.com/office/drawing/2014/main" id="{63AEF3C3-323A-4232-BD0F-1922B6F7809C}"/>
+                </a:ext>
+              </a:extLst>
+            </p:cNvPr>
+            <p:cNvSpPr txBox="1"/>
+            <p:nvPr/>
+          </p:nvSpPr>
+          <p:spPr>
+            <a:xfrm>
+              <a:off x="-11674" y="448644"/>
+              <a:ext cx="1387700" cy="461665"/>
+            </a:xfrm>
+            <a:prstGeom prst="rect">
+              <a:avLst/>
+            </a:prstGeom>
+            <a:noFill/>
+          </p:spPr>
+          <p:txBody>
+            <a:bodyPr wrap="square" rtlCol="0">
+              <a:spAutoFit/>
+            </a:bodyPr>
+            <a:lstStyle/>
+            <a:p>
+              <a:r>
+                <a:rPr lang="en-US" sz="2400" b="1" dirty="0"/>
+                <a:t>Eligibility </a:t>
+              </a:r>
+            </a:p>
+          </p:txBody>
+        </p:sp>
+        <p:sp>
+          <p:nvSpPr>
+            <p:cNvPr id="107" name="TextBox 106">
+              <a:extLst>
+                <a:ext uri="{FF2B5EF4-FFF2-40B4-BE49-F238E27FC236}">
+                  <a16:creationId xmlns:a16="http://schemas.microsoft.com/office/drawing/2014/main" id="{28044120-8B9A-4F99-87FF-7C99C128F094}"/>
+                </a:ext>
+              </a:extLst>
+            </p:cNvPr>
+            <p:cNvSpPr txBox="1"/>
+            <p:nvPr/>
+          </p:nvSpPr>
+          <p:spPr>
+            <a:xfrm>
+              <a:off x="-11674" y="2828911"/>
+              <a:ext cx="1416495" cy="461665"/>
+            </a:xfrm>
+            <a:prstGeom prst="rect">
+              <a:avLst/>
+            </a:prstGeom>
+            <a:noFill/>
+          </p:spPr>
+          <p:txBody>
+            <a:bodyPr wrap="square" rtlCol="0">
+              <a:spAutoFit/>
+            </a:bodyPr>
+            <a:lstStyle/>
+            <a:p>
+              <a:r>
+                <a:rPr lang="en-US" sz="2400" b="1" dirty="0"/>
+                <a:t>Exposure</a:t>
+              </a:r>
+            </a:p>
+          </p:txBody>
+        </p:sp>
+        <p:sp>
+          <p:nvSpPr>
+            <p:cNvPr id="108" name="TextBox 107">
+              <a:extLst>
+                <a:ext uri="{FF2B5EF4-FFF2-40B4-BE49-F238E27FC236}">
+                  <a16:creationId xmlns:a16="http://schemas.microsoft.com/office/drawing/2014/main" id="{FF3226F7-EDCC-4253-8AAB-DA59481BFC28}"/>
+                </a:ext>
+              </a:extLst>
+            </p:cNvPr>
+            <p:cNvSpPr txBox="1"/>
+            <p:nvPr/>
+          </p:nvSpPr>
+          <p:spPr>
+            <a:xfrm>
+              <a:off x="-11674" y="4282676"/>
+              <a:ext cx="2370073" cy="461665"/>
+            </a:xfrm>
+            <a:prstGeom prst="rect">
+              <a:avLst/>
+            </a:prstGeom>
+            <a:noFill/>
+          </p:spPr>
+          <p:txBody>
+            <a:bodyPr wrap="square" rtlCol="0">
+              <a:spAutoFit/>
+            </a:bodyPr>
+            <a:lstStyle/>
+            <a:p>
+              <a:r>
+                <a:rPr lang="en-US" sz="2400" b="1" dirty="0"/>
+                <a:t>Adjustment</a:t>
+              </a:r>
+            </a:p>
+          </p:txBody>
+        </p:sp>
+        <p:sp>
+          <p:nvSpPr>
+            <p:cNvPr id="112" name="Rectangle 111">
+              <a:extLst>
+                <a:ext uri="{FF2B5EF4-FFF2-40B4-BE49-F238E27FC236}">
+                  <a16:creationId xmlns:a16="http://schemas.microsoft.com/office/drawing/2014/main" id="{273E4957-4E92-41BC-B159-F36E304F821B}"/>
+                </a:ext>
+              </a:extLst>
+            </p:cNvPr>
+            <p:cNvSpPr/>
+            <p:nvPr/>
+          </p:nvSpPr>
+          <p:spPr>
+            <a:xfrm>
+              <a:off x="-60848" y="3249226"/>
+              <a:ext cx="2763213" cy="307777"/>
+            </a:xfrm>
+            <a:prstGeom prst="rect">
+              <a:avLst/>
+            </a:prstGeom>
+          </p:spPr>
+          <p:txBody>
+            <a:bodyPr wrap="square">
+              <a:spAutoFit/>
+            </a:bodyPr>
+            <a:lstStyle/>
+            <a:p>
+              <a:r>
+                <a:rPr lang="en-US" sz="1400" dirty="0">
+                  <a:latin typeface="Calibri" panose="020F0502020204030204" pitchFamily="34" charset="0"/>
+                  <a:ea typeface="Calibri" panose="020F0502020204030204" pitchFamily="34" charset="0"/>
+                </a:rPr>
+                <a:t> (DPP4Is, GLP1RAs, SGLT2Is, SUs)</a:t>
+              </a:r>
+            </a:p>
+          </p:txBody>
+        </p:sp>
+        <p:sp>
+          <p:nvSpPr>
+            <p:cNvPr id="113" name="Rectangle 112">
+              <a:extLst>
+                <a:ext uri="{FF2B5EF4-FFF2-40B4-BE49-F238E27FC236}">
+                  <a16:creationId xmlns:a16="http://schemas.microsoft.com/office/drawing/2014/main" id="{83F820AD-3E1E-4FA9-B035-9FFBEF75BCF3}"/>
+                </a:ext>
+              </a:extLst>
+            </p:cNvPr>
+            <p:cNvSpPr/>
+            <p:nvPr/>
+          </p:nvSpPr>
+          <p:spPr>
+            <a:xfrm>
+              <a:off x="-60848" y="4688332"/>
+              <a:ext cx="8384383" cy="307777"/>
+            </a:xfrm>
+            <a:prstGeom prst="rect">
+              <a:avLst/>
+            </a:prstGeom>
+          </p:spPr>
+          <p:txBody>
+            <a:bodyPr wrap="square">
+              <a:spAutoFit/>
+            </a:bodyPr>
+            <a:lstStyle/>
+            <a:p>
+              <a:r>
+                <a:rPr lang="en-US" sz="1400" dirty="0">
+                  <a:latin typeface="Calibri" panose="020F0502020204030204" pitchFamily="34" charset="0"/>
+                  <a:ea typeface="Calibri" panose="020F0502020204030204" pitchFamily="34" charset="0"/>
+                </a:rPr>
+                <a:t> (Propensity score matching/stratification with large-scale cohort balance and empirical equipoise diagnostics)</a:t>
+              </a:r>
+              <a:endParaRPr lang="en-US" sz="1400" dirty="0"/>
+            </a:p>
+          </p:txBody>
+        </p:sp>
+        <p:sp>
+          <p:nvSpPr>
+            <p:cNvPr id="114" name="TextBox 113">
+              <a:extLst>
+                <a:ext uri="{FF2B5EF4-FFF2-40B4-BE49-F238E27FC236}">
+                  <a16:creationId xmlns:a16="http://schemas.microsoft.com/office/drawing/2014/main" id="{B1B31029-0928-450F-957D-15B2C2020C7B}"/>
+                </a:ext>
+              </a:extLst>
+            </p:cNvPr>
+            <p:cNvSpPr txBox="1"/>
+            <p:nvPr/>
+          </p:nvSpPr>
+          <p:spPr>
+            <a:xfrm>
+              <a:off x="10168139" y="-30451"/>
+              <a:ext cx="2612992" cy="461665"/>
+            </a:xfrm>
+            <a:prstGeom prst="rect">
+              <a:avLst/>
+            </a:prstGeom>
+            <a:noFill/>
+          </p:spPr>
+          <p:txBody>
+            <a:bodyPr wrap="square" rtlCol="0">
+              <a:spAutoFit/>
+            </a:bodyPr>
+            <a:lstStyle/>
+            <a:p>
+              <a:pPr algn="r"/>
+              <a:r>
+                <a:rPr lang="en-US" sz="2400" b="1" dirty="0"/>
+                <a:t>Outcomes</a:t>
+              </a:r>
+            </a:p>
+          </p:txBody>
+        </p:sp>
+        <p:sp>
+          <p:nvSpPr>
+            <p:cNvPr id="116" name="Rectangle 115">
+              <a:extLst>
+                <a:ext uri="{FF2B5EF4-FFF2-40B4-BE49-F238E27FC236}">
+                  <a16:creationId xmlns:a16="http://schemas.microsoft.com/office/drawing/2014/main" id="{93112CD0-9142-44B7-A435-9C2D2967CCC5}"/>
+                </a:ext>
+              </a:extLst>
+            </p:cNvPr>
+            <p:cNvSpPr/>
+            <p:nvPr/>
+          </p:nvSpPr>
+          <p:spPr>
+            <a:xfrm>
+              <a:off x="9343927" y="268741"/>
+              <a:ext cx="3491881" cy="307777"/>
+            </a:xfrm>
+            <a:prstGeom prst="rect">
+              <a:avLst/>
+            </a:prstGeom>
+          </p:spPr>
+          <p:txBody>
+            <a:bodyPr wrap="square">
+              <a:spAutoFit/>
+            </a:bodyPr>
+            <a:lstStyle/>
+            <a:p>
+              <a:pPr algn="r"/>
+              <a:r>
+                <a:rPr lang="en-US" sz="1400" dirty="0">
+                  <a:latin typeface="Calibri" panose="020F0502020204030204" pitchFamily="34" charset="0"/>
+                  <a:ea typeface="Calibri" panose="020F0502020204030204" pitchFamily="34" charset="0"/>
+                </a:rPr>
+                <a:t>(Cardiovascular events and safety)</a:t>
+              </a:r>
+              <a:endParaRPr lang="en-US" sz="1400" dirty="0"/>
+            </a:p>
+          </p:txBody>
+        </p:sp>
+        <p:cxnSp>
+          <p:nvCxnSpPr>
+            <p:cNvPr id="38" name="Straight Arrow Connector 37">
+              <a:extLst>
+                <a:ext uri="{FF2B5EF4-FFF2-40B4-BE49-F238E27FC236}">
+                  <a16:creationId xmlns:a16="http://schemas.microsoft.com/office/drawing/2014/main" id="{97554BDD-7CD0-41C0-B973-9511519A5C60}"/>
+                </a:ext>
+              </a:extLst>
+            </p:cNvPr>
+            <p:cNvCxnSpPr>
+              <a:cxnSpLocks/>
+            </p:cNvCxnSpPr>
+            <p:nvPr/>
+          </p:nvCxnSpPr>
+          <p:spPr>
+            <a:xfrm flipH="1">
+              <a:off x="6531064" y="4460199"/>
+              <a:ext cx="2024140" cy="2367"/>
+            </a:xfrm>
+            <a:prstGeom prst="straightConnector1">
+              <a:avLst/>
+            </a:prstGeom>
+            <a:ln w="19050">
+              <a:solidFill>
+                <a:schemeClr val="tx1"/>
+              </a:solidFill>
+              <a:prstDash val="sysDot"/>
+              <a:headEnd type="none" w="med" len="med"/>
+              <a:tailEnd type="oval" w="med" len="med"/>
+            </a:ln>
+          </p:spPr>
+          <p:style>
+            <a:lnRef idx="1">
+              <a:schemeClr val="accent1"/>
+            </a:lnRef>
+            <a:fillRef idx="0">
+              <a:schemeClr val="accent1"/>
+            </a:fillRef>
+            <a:effectRef idx="0">
+              <a:schemeClr val="accent1"/>
+            </a:effectRef>
+            <a:fontRef idx="minor">
               <a:schemeClr val="tx1"/>
-            </a:solidFill>
-            <a:prstDash val="sysDot"/>
-            <a:headEnd type="none" w="med" len="med"/>
-            <a:tailEnd type="oval" w="med" len="med"/>
-          </a:ln>
-        </p:spPr>
-        <p:style>
-          <a:lnRef idx="1">
-            <a:schemeClr val="accent1"/>
-          </a:lnRef>
-          <a:fillRef idx="0">
-            <a:schemeClr val="accent1"/>
-          </a:fillRef>
-          <a:effectRef idx="0">
-            <a:schemeClr val="accent1"/>
-          </a:effectRef>
-          <a:fontRef idx="minor">
-            <a:schemeClr val="tx1"/>
-          </a:fontRef>
-        </p:style>
-      </p:cxnSp>
-      <p:sp>
-        <p:nvSpPr>
-          <p:cNvPr id="2" name="Rectangle 1">
-            <a:extLst>
-              <a:ext uri="{FF2B5EF4-FFF2-40B4-BE49-F238E27FC236}">
-                <a16:creationId xmlns:a16="http://schemas.microsoft.com/office/drawing/2014/main" id="{33772331-F592-4432-943C-D10645DD5BDC}"/>
-              </a:ext>
-            </a:extLst>
-          </p:cNvPr>
-          <p:cNvSpPr/>
-          <p:nvPr/>
-        </p:nvSpPr>
-        <p:spPr>
-          <a:xfrm>
-            <a:off x="8668145" y="986491"/>
-            <a:ext cx="3513724" cy="1069524"/>
-          </a:xfrm>
-          <a:prstGeom prst="rect">
-            <a:avLst/>
-          </a:prstGeom>
-        </p:spPr>
-        <p:txBody>
-          <a:bodyPr wrap="square">
-            <a:spAutoFit/>
-          </a:bodyPr>
-          <a:lstStyle/>
-          <a:p>
-            <a:pPr>
-              <a:spcAft>
-                <a:spcPts val="300"/>
-              </a:spcAft>
-            </a:pPr>
-            <a:r>
-              <a:rPr lang="en-US" sz="1400" b="1" dirty="0">
-                <a:latin typeface="Calibri" panose="020F0502020204030204" pitchFamily="34" charset="0"/>
-                <a:ea typeface="Calibri" panose="020F0502020204030204" pitchFamily="34" charset="0"/>
-              </a:rPr>
-              <a:t>● </a:t>
-            </a:r>
-            <a:r>
-              <a:rPr lang="en-US" sz="1400" dirty="0">
+            </a:fontRef>
+          </p:style>
+        </p:cxnSp>
+        <p:sp>
+          <p:nvSpPr>
+            <p:cNvPr id="2" name="Rectangle 1">
+              <a:extLst>
+                <a:ext uri="{FF2B5EF4-FFF2-40B4-BE49-F238E27FC236}">
+                  <a16:creationId xmlns:a16="http://schemas.microsoft.com/office/drawing/2014/main" id="{33772331-F592-4432-943C-D10645DD5BDC}"/>
+                </a:ext>
+              </a:extLst>
+            </p:cNvPr>
+            <p:cNvSpPr/>
+            <p:nvPr/>
+          </p:nvSpPr>
+          <p:spPr>
+            <a:xfrm>
+              <a:off x="8668145" y="986491"/>
+              <a:ext cx="3513724" cy="1069524"/>
+            </a:xfrm>
+            <a:prstGeom prst="rect">
+              <a:avLst/>
+            </a:prstGeom>
+          </p:spPr>
+          <p:txBody>
+            <a:bodyPr wrap="square">
+              <a:spAutoFit/>
+            </a:bodyPr>
+            <a:lstStyle/>
+            <a:p>
+              <a:pPr>
+                <a:spcAft>
+                  <a:spcPts val="300"/>
+                </a:spcAft>
+              </a:pPr>
+              <a:r>
+                <a:rPr lang="en-US" sz="1400" b="1" dirty="0">
+                  <a:latin typeface="Calibri" panose="020F0502020204030204" pitchFamily="34" charset="0"/>
+                  <a:ea typeface="Calibri" panose="020F0502020204030204" pitchFamily="34" charset="0"/>
+                </a:rPr>
+                <a:t>● </a:t>
+              </a:r>
+              <a:r>
+                <a:rPr lang="en-US" sz="1400" dirty="0">
+                  <a:solidFill>
+                    <a:srgbClr val="000000"/>
+                  </a:solidFill>
+                  <a:latin typeface="Calibri" panose="020F0502020204030204" pitchFamily="34" charset="0"/>
+                </a:rPr>
+                <a:t>3- / 4-point MACE</a:t>
+              </a:r>
+            </a:p>
+            <a:p>
+              <a:pPr>
+                <a:spcAft>
+                  <a:spcPts val="300"/>
+                </a:spcAft>
+              </a:pPr>
+              <a:r>
+                <a:rPr lang="en-US" sz="1400" b="1" dirty="0">
+                  <a:latin typeface="Calibri" panose="020F0502020204030204" pitchFamily="34" charset="0"/>
+                  <a:ea typeface="Calibri" panose="020F0502020204030204" pitchFamily="34" charset="0"/>
+                </a:rPr>
+                <a:t>● </a:t>
+              </a:r>
+              <a:r>
+                <a:rPr lang="en-US" sz="1400" dirty="0">
+                  <a:latin typeface="Calibri" panose="020F0502020204030204" pitchFamily="34" charset="0"/>
+                  <a:ea typeface="Calibri" panose="020F0502020204030204" pitchFamily="34" charset="0"/>
+                </a:rPr>
+                <a:t>Individual CV events, revascularization, etc.</a:t>
+              </a:r>
+            </a:p>
+            <a:p>
+              <a:pPr>
+                <a:spcAft>
+                  <a:spcPts val="300"/>
+                </a:spcAft>
+              </a:pPr>
+              <a:r>
+                <a:rPr lang="en-US" sz="1400" b="1" dirty="0">
+                  <a:latin typeface="Calibri" panose="020F0502020204030204" pitchFamily="34" charset="0"/>
+                  <a:ea typeface="Calibri" panose="020F0502020204030204" pitchFamily="34" charset="0"/>
+                </a:rPr>
+                <a:t>● </a:t>
+              </a:r>
+              <a:r>
+                <a:rPr lang="en-US" sz="1400" dirty="0">
+                  <a:latin typeface="Calibri" panose="020F0502020204030204" pitchFamily="34" charset="0"/>
+                  <a:ea typeface="Calibri" panose="020F0502020204030204" pitchFamily="34" charset="0"/>
+                </a:rPr>
+                <a:t>Hypoglycemia, UTI, cancer</a:t>
+              </a:r>
+            </a:p>
+            <a:p>
+              <a:pPr>
+                <a:spcAft>
+                  <a:spcPts val="300"/>
+                </a:spcAft>
+              </a:pPr>
+              <a:r>
+                <a:rPr lang="en-US" sz="1400" b="1" dirty="0">
+                  <a:latin typeface="Calibri" panose="020F0502020204030204" pitchFamily="34" charset="0"/>
+                  <a:ea typeface="Calibri" panose="020F0502020204030204" pitchFamily="34" charset="0"/>
+                </a:rPr>
+                <a:t>● </a:t>
+              </a:r>
+              <a:r>
+                <a:rPr lang="en-US" sz="1400" dirty="0">
+                  <a:latin typeface="Calibri" panose="020F0502020204030204" pitchFamily="34" charset="0"/>
+                  <a:ea typeface="Calibri" panose="020F0502020204030204" pitchFamily="34" charset="0"/>
+                </a:rPr>
+                <a:t>Many patient-centered safety outcomes</a:t>
+              </a:r>
+              <a:endParaRPr lang="en-US" sz="1400" dirty="0">
                 <a:solidFill>
                   <a:srgbClr val="000000"/>
                 </a:solidFill>
                 <a:latin typeface="Calibri" panose="020F0502020204030204" pitchFamily="34" charset="0"/>
-              </a:rPr>
-              <a:t>3- / 4-point MACE</a:t>
-            </a:r>
-          </a:p>
-          <a:p>
-            <a:pPr>
-              <a:spcAft>
-                <a:spcPts val="300"/>
-              </a:spcAft>
-            </a:pPr>
-            <a:r>
-              <a:rPr lang="en-US" sz="1400" b="1" dirty="0">
+              </a:endParaRPr>
+            </a:p>
+          </p:txBody>
+        </p:sp>
+        <p:sp>
+          <p:nvSpPr>
+            <p:cNvPr id="36" name="TextBox 35">
+              <a:extLst>
+                <a:ext uri="{FF2B5EF4-FFF2-40B4-BE49-F238E27FC236}">
+                  <a16:creationId xmlns:a16="http://schemas.microsoft.com/office/drawing/2014/main" id="{EC904DE6-506B-9B4D-AA65-F684291340B9}"/>
+                </a:ext>
+              </a:extLst>
+            </p:cNvPr>
+            <p:cNvSpPr txBox="1"/>
+            <p:nvPr/>
+          </p:nvSpPr>
+          <p:spPr>
+            <a:xfrm>
+              <a:off x="1494406" y="1733390"/>
+              <a:ext cx="7164281" cy="584775"/>
+            </a:xfrm>
+            <a:prstGeom prst="rect">
+              <a:avLst/>
+            </a:prstGeom>
+            <a:noFill/>
+          </p:spPr>
+          <p:txBody>
+            <a:bodyPr wrap="square" rtlCol="0">
+              <a:spAutoFit/>
+            </a:bodyPr>
+            <a:lstStyle/>
+            <a:p>
+              <a:pPr algn="r"/>
+              <a:r>
+                <a:rPr lang="en-US" sz="1400" dirty="0"/>
+                <a:t>* ≥ 90 days metformin and &lt; 30 days insulin exposure</a:t>
+              </a:r>
+            </a:p>
+            <a:p>
+              <a:pPr algn="r"/>
+              <a:endParaRPr lang="en-US" sz="400" dirty="0"/>
+            </a:p>
+            <a:p>
+              <a:pPr algn="r"/>
+              <a:r>
+                <a:rPr lang="en-US" sz="1400" i="1" dirty="0"/>
+                <a:t>Any time prior to 0 days</a:t>
+              </a:r>
+            </a:p>
+          </p:txBody>
+        </p:sp>
+        <p:cxnSp>
+          <p:nvCxnSpPr>
+            <p:cNvPr id="39" name="Straight Arrow Connector 38">
+              <a:extLst>
+                <a:ext uri="{FF2B5EF4-FFF2-40B4-BE49-F238E27FC236}">
+                  <a16:creationId xmlns:a16="http://schemas.microsoft.com/office/drawing/2014/main" id="{8597CF8E-B2B2-0D4C-BD23-CA9211FF7817}"/>
+                </a:ext>
+              </a:extLst>
+            </p:cNvPr>
+            <p:cNvCxnSpPr>
+              <a:cxnSpLocks/>
+            </p:cNvCxnSpPr>
+            <p:nvPr/>
+          </p:nvCxnSpPr>
+          <p:spPr>
+            <a:xfrm flipH="1" flipV="1">
+              <a:off x="1449576" y="2018512"/>
+              <a:ext cx="7119904" cy="17755"/>
+            </a:xfrm>
+            <a:prstGeom prst="straightConnector1">
+              <a:avLst/>
+            </a:prstGeom>
+            <a:ln w="19050">
+              <a:solidFill>
+                <a:schemeClr val="tx1"/>
+              </a:solidFill>
+              <a:prstDash val="sysDot"/>
+              <a:headEnd type="none" w="med" len="med"/>
+              <a:tailEnd type="triangle" w="med" len="med"/>
+            </a:ln>
+          </p:spPr>
+          <p:style>
+            <a:lnRef idx="1">
+              <a:schemeClr val="accent1"/>
+            </a:lnRef>
+            <a:fillRef idx="0">
+              <a:schemeClr val="accent1"/>
+            </a:fillRef>
+            <a:effectRef idx="0">
+              <a:schemeClr val="accent1"/>
+            </a:effectRef>
+            <a:fontRef idx="minor">
+              <a:schemeClr val="tx1"/>
+            </a:fontRef>
+          </p:style>
+        </p:cxnSp>
+        <p:sp>
+          <p:nvSpPr>
+            <p:cNvPr id="41" name="TextBox 40">
+              <a:extLst>
+                <a:ext uri="{FF2B5EF4-FFF2-40B4-BE49-F238E27FC236}">
+                  <a16:creationId xmlns:a16="http://schemas.microsoft.com/office/drawing/2014/main" id="{B80AFE30-A46C-294D-96B7-ECDF2770851C}"/>
+                </a:ext>
+              </a:extLst>
+            </p:cNvPr>
+            <p:cNvSpPr txBox="1"/>
+            <p:nvPr/>
+          </p:nvSpPr>
+          <p:spPr>
+            <a:xfrm>
+              <a:off x="3123633" y="2016055"/>
+              <a:ext cx="3982719" cy="307777"/>
+            </a:xfrm>
+            <a:prstGeom prst="rect">
+              <a:avLst/>
+            </a:prstGeom>
+            <a:noFill/>
+          </p:spPr>
+          <p:txBody>
+            <a:bodyPr wrap="square" rtlCol="0">
+              <a:spAutoFit/>
+            </a:bodyPr>
+            <a:lstStyle/>
+            <a:p>
+              <a:r>
+                <a:rPr lang="en-US" sz="1400" i="1" dirty="0"/>
+                <a:t>* Additional cohorts with no prior metformin</a:t>
+              </a:r>
+              <a:endParaRPr lang="en-US" sz="1100" i="1" dirty="0"/>
+            </a:p>
+          </p:txBody>
+        </p:sp>
+        <p:cxnSp>
+          <p:nvCxnSpPr>
+            <p:cNvPr id="42" name="Straight Arrow Connector 41">
+              <a:extLst>
+                <a:ext uri="{FF2B5EF4-FFF2-40B4-BE49-F238E27FC236}">
+                  <a16:creationId xmlns:a16="http://schemas.microsoft.com/office/drawing/2014/main" id="{855B9D8C-4260-7444-BF5E-893C8DC4A0D1}"/>
+                </a:ext>
+              </a:extLst>
+            </p:cNvPr>
+            <p:cNvCxnSpPr>
+              <a:cxnSpLocks/>
+            </p:cNvCxnSpPr>
+            <p:nvPr/>
+          </p:nvCxnSpPr>
+          <p:spPr>
+            <a:xfrm flipH="1" flipV="1">
+              <a:off x="1421723" y="3233227"/>
+              <a:ext cx="7119904" cy="17755"/>
+            </a:xfrm>
+            <a:prstGeom prst="straightConnector1">
+              <a:avLst/>
+            </a:prstGeom>
+            <a:ln w="19050">
+              <a:solidFill>
+                <a:schemeClr val="tx1"/>
+              </a:solidFill>
+              <a:prstDash val="sysDot"/>
+              <a:headEnd type="none" w="med" len="med"/>
+              <a:tailEnd type="triangle" w="med" len="med"/>
+            </a:ln>
+          </p:spPr>
+          <p:style>
+            <a:lnRef idx="1">
+              <a:schemeClr val="accent1"/>
+            </a:lnRef>
+            <a:fillRef idx="0">
+              <a:schemeClr val="accent1"/>
+            </a:fillRef>
+            <a:effectRef idx="0">
+              <a:schemeClr val="accent1"/>
+            </a:effectRef>
+            <a:fontRef idx="minor">
+              <a:schemeClr val="tx1"/>
+            </a:fontRef>
+          </p:style>
+        </p:cxnSp>
+        <p:sp>
+          <p:nvSpPr>
+            <p:cNvPr id="43" name="TextBox 42">
+              <a:extLst>
+                <a:ext uri="{FF2B5EF4-FFF2-40B4-BE49-F238E27FC236}">
+                  <a16:creationId xmlns:a16="http://schemas.microsoft.com/office/drawing/2014/main" id="{A0D8016A-D255-5747-8467-2232126D3ADD}"/>
+                </a:ext>
+              </a:extLst>
+            </p:cNvPr>
+            <p:cNvSpPr txBox="1"/>
+            <p:nvPr/>
+          </p:nvSpPr>
+          <p:spPr>
+            <a:xfrm>
+              <a:off x="1480130" y="2285061"/>
+              <a:ext cx="7164281" cy="584775"/>
+            </a:xfrm>
+            <a:prstGeom prst="rect">
+              <a:avLst/>
+            </a:prstGeom>
+            <a:noFill/>
+          </p:spPr>
+          <p:txBody>
+            <a:bodyPr wrap="square" rtlCol="0">
+              <a:spAutoFit/>
+            </a:bodyPr>
+            <a:lstStyle/>
+            <a:p>
+              <a:pPr algn="r"/>
+              <a:r>
+                <a:rPr lang="en-US" sz="1400" dirty="0"/>
+                <a:t>Subgroup inclusion criteria: age, gender, race, cardiovascular risk, renal impairment </a:t>
+              </a:r>
+            </a:p>
+            <a:p>
+              <a:pPr algn="r"/>
+              <a:endParaRPr lang="en-US" sz="400" dirty="0"/>
+            </a:p>
+            <a:p>
+              <a:pPr algn="r"/>
+              <a:r>
+                <a:rPr lang="en-US" sz="1400" i="1" dirty="0"/>
+                <a:t>Any time prior to 0 days</a:t>
+              </a:r>
+            </a:p>
+          </p:txBody>
+        </p:sp>
+        <p:cxnSp>
+          <p:nvCxnSpPr>
+            <p:cNvPr id="44" name="Straight Arrow Connector 43">
+              <a:extLst>
+                <a:ext uri="{FF2B5EF4-FFF2-40B4-BE49-F238E27FC236}">
+                  <a16:creationId xmlns:a16="http://schemas.microsoft.com/office/drawing/2014/main" id="{E5E92C19-B6F6-9140-B0DD-45908EC7D146}"/>
+                </a:ext>
+              </a:extLst>
+            </p:cNvPr>
+            <p:cNvCxnSpPr>
+              <a:cxnSpLocks/>
+            </p:cNvCxnSpPr>
+            <p:nvPr/>
+          </p:nvCxnSpPr>
+          <p:spPr>
+            <a:xfrm flipH="1" flipV="1">
+              <a:off x="1435300" y="2570183"/>
+              <a:ext cx="7119904" cy="17755"/>
+            </a:xfrm>
+            <a:prstGeom prst="straightConnector1">
+              <a:avLst/>
+            </a:prstGeom>
+            <a:ln w="19050">
+              <a:solidFill>
+                <a:schemeClr val="tx1"/>
+              </a:solidFill>
+              <a:prstDash val="sysDot"/>
+              <a:headEnd type="none" w="med" len="med"/>
+              <a:tailEnd type="triangle" w="med" len="med"/>
+            </a:ln>
+          </p:spPr>
+          <p:style>
+            <a:lnRef idx="1">
+              <a:schemeClr val="accent1"/>
+            </a:lnRef>
+            <a:fillRef idx="0">
+              <a:schemeClr val="accent1"/>
+            </a:fillRef>
+            <a:effectRef idx="0">
+              <a:schemeClr val="accent1"/>
+            </a:effectRef>
+            <a:fontRef idx="minor">
+              <a:schemeClr val="tx1"/>
+            </a:fontRef>
+          </p:style>
+        </p:cxnSp>
+        <p:sp>
+          <p:nvSpPr>
+            <p:cNvPr id="52" name="TextBox 51">
+              <a:extLst>
+                <a:ext uri="{FF2B5EF4-FFF2-40B4-BE49-F238E27FC236}">
+                  <a16:creationId xmlns:a16="http://schemas.microsoft.com/office/drawing/2014/main" id="{B9E9F1B9-2242-E344-90E4-6B79098A6DB8}"/>
+                </a:ext>
+              </a:extLst>
+            </p:cNvPr>
+            <p:cNvSpPr txBox="1"/>
+            <p:nvPr/>
+          </p:nvSpPr>
+          <p:spPr>
+            <a:xfrm>
+              <a:off x="354492" y="2370128"/>
+              <a:ext cx="964717" cy="400110"/>
+            </a:xfrm>
+            <a:prstGeom prst="rect">
+              <a:avLst/>
+            </a:prstGeom>
+            <a:noFill/>
+          </p:spPr>
+          <p:txBody>
+            <a:bodyPr wrap="square" rtlCol="0">
+              <a:spAutoFit/>
+            </a:bodyPr>
+            <a:lstStyle/>
+            <a:p>
+              <a:pPr algn="ctr"/>
+              <a:r>
+                <a:rPr lang="en-US" sz="1000" b="1" dirty="0"/>
+                <a:t>Heterogeneity</a:t>
+              </a:r>
+            </a:p>
+            <a:p>
+              <a:pPr algn="ctr"/>
+              <a:r>
+                <a:rPr lang="en-US" sz="1000" b="1" dirty="0"/>
+                <a:t> trial only</a:t>
+              </a:r>
+            </a:p>
+          </p:txBody>
+        </p:sp>
+        <p:sp>
+          <p:nvSpPr>
+            <p:cNvPr id="53" name="TextBox 52">
+              <a:extLst>
+                <a:ext uri="{FF2B5EF4-FFF2-40B4-BE49-F238E27FC236}">
+                  <a16:creationId xmlns:a16="http://schemas.microsoft.com/office/drawing/2014/main" id="{EDF47023-AB75-7849-8955-EB6953F03E85}"/>
+                </a:ext>
+              </a:extLst>
+            </p:cNvPr>
+            <p:cNvSpPr txBox="1"/>
+            <p:nvPr/>
+          </p:nvSpPr>
+          <p:spPr>
+            <a:xfrm>
+              <a:off x="0" y="3545554"/>
+              <a:ext cx="7255759" cy="246221"/>
+            </a:xfrm>
+            <a:prstGeom prst="rect">
+              <a:avLst/>
+            </a:prstGeom>
+            <a:noFill/>
+          </p:spPr>
+          <p:txBody>
+            <a:bodyPr wrap="square" rtlCol="0">
+              <a:spAutoFit/>
+            </a:bodyPr>
+            <a:lstStyle/>
+            <a:p>
+              <a:r>
+                <a:rPr lang="en-US" sz="1000" dirty="0"/>
+                <a:t>4 class / 6 comparisons (</a:t>
+              </a:r>
+              <a:r>
+                <a:rPr lang="en-US" sz="1000" b="1" dirty="0"/>
+                <a:t>Class-vs-Class  and Heterogeneity Trial</a:t>
+              </a:r>
+              <a:r>
+                <a:rPr lang="en-US" sz="1000" dirty="0"/>
+                <a:t>); 22 drugs / 231 comparisons (</a:t>
+              </a:r>
+              <a:r>
+                <a:rPr lang="en-US" sz="1000" b="1" dirty="0"/>
+                <a:t>Drug-vs-Drug and Heterogeneity Trial)</a:t>
+              </a:r>
+            </a:p>
+          </p:txBody>
+        </p:sp>
+        <p:sp>
+          <p:nvSpPr>
+            <p:cNvPr id="54" name="TextBox 53">
+              <a:extLst>
+                <a:ext uri="{FF2B5EF4-FFF2-40B4-BE49-F238E27FC236}">
+                  <a16:creationId xmlns:a16="http://schemas.microsoft.com/office/drawing/2014/main" id="{231F3724-8C2C-BD4D-895B-B225B6411D74}"/>
+                </a:ext>
+              </a:extLst>
+            </p:cNvPr>
+            <p:cNvSpPr txBox="1"/>
+            <p:nvPr/>
+          </p:nvSpPr>
+          <p:spPr>
+            <a:xfrm>
+              <a:off x="4811663" y="4312956"/>
+              <a:ext cx="1636478" cy="307777"/>
+            </a:xfrm>
+            <a:prstGeom prst="rect">
+              <a:avLst/>
+            </a:prstGeom>
+            <a:noFill/>
+          </p:spPr>
+          <p:txBody>
+            <a:bodyPr wrap="square" rtlCol="0">
+              <a:spAutoFit/>
+            </a:bodyPr>
+            <a:lstStyle/>
+            <a:p>
+              <a:pPr algn="r"/>
+              <a:r>
+                <a:rPr lang="en-US" sz="1400" i="1" dirty="0"/>
+                <a:t>-365 to 0 days</a:t>
+              </a:r>
+              <a:endParaRPr lang="en-US" sz="1100" i="1" dirty="0"/>
+            </a:p>
+          </p:txBody>
+        </p:sp>
+        <p:sp>
+          <p:nvSpPr>
+            <p:cNvPr id="58" name="Rectangle 57">
+              <a:extLst>
+                <a:ext uri="{FF2B5EF4-FFF2-40B4-BE49-F238E27FC236}">
+                  <a16:creationId xmlns:a16="http://schemas.microsoft.com/office/drawing/2014/main" id="{5FDA432C-2A06-814F-A8E5-B8E1898B5B9E}"/>
+                </a:ext>
+              </a:extLst>
+            </p:cNvPr>
+            <p:cNvSpPr/>
+            <p:nvPr/>
+          </p:nvSpPr>
+          <p:spPr>
+            <a:xfrm>
+              <a:off x="8683347" y="3483690"/>
+              <a:ext cx="4144441" cy="738664"/>
+            </a:xfrm>
+            <a:prstGeom prst="rect">
+              <a:avLst/>
+            </a:prstGeom>
+          </p:spPr>
+          <p:txBody>
+            <a:bodyPr wrap="square">
+              <a:spAutoFit/>
+            </a:bodyPr>
+            <a:lstStyle/>
+            <a:p>
+              <a:r>
+                <a:rPr lang="en-US" sz="1400" i="1" dirty="0">
+                  <a:latin typeface="Calibri" panose="020F0502020204030204" pitchFamily="34" charset="0"/>
+                  <a:ea typeface="Calibri" panose="020F0502020204030204" pitchFamily="34" charset="0"/>
+                </a:rPr>
+                <a:t>Calibration for residual systematic error</a:t>
+              </a:r>
+              <a:r>
+                <a:rPr lang="en-US" sz="1400" dirty="0">
+                  <a:latin typeface="Calibri" panose="020F0502020204030204" pitchFamily="34" charset="0"/>
+                  <a:ea typeface="Calibri" panose="020F0502020204030204" pitchFamily="34" charset="0"/>
+                </a:rPr>
+                <a:t>: </a:t>
+              </a:r>
+            </a:p>
+            <a:p>
+              <a:r>
+                <a:rPr lang="en-US" sz="1400" b="1" dirty="0">
+                  <a:latin typeface="Calibri" panose="020F0502020204030204" pitchFamily="34" charset="0"/>
+                  <a:ea typeface="Calibri" panose="020F0502020204030204" pitchFamily="34" charset="0"/>
+                </a:rPr>
+                <a:t>● </a:t>
+              </a:r>
+              <a:r>
+                <a:rPr lang="en-US" sz="1400" dirty="0">
+                  <a:latin typeface="Calibri" panose="020F0502020204030204" pitchFamily="34" charset="0"/>
+                  <a:ea typeface="Calibri" panose="020F0502020204030204" pitchFamily="34" charset="0"/>
+                </a:rPr>
+                <a:t>Up to 50 negative control (falsification) outcomes</a:t>
+              </a:r>
+            </a:p>
+            <a:p>
+              <a:endParaRPr lang="en-US" sz="1400" dirty="0">
                 <a:latin typeface="Calibri" panose="020F0502020204030204" pitchFamily="34" charset="0"/>
-                <a:ea typeface="Calibri" panose="020F0502020204030204" pitchFamily="34" charset="0"/>
-              </a:rPr>
-              <a:t>● </a:t>
-            </a:r>
-            <a:r>
-              <a:rPr lang="en-US" sz="1400" dirty="0">
-                <a:latin typeface="Calibri" panose="020F0502020204030204" pitchFamily="34" charset="0"/>
-                <a:ea typeface="Calibri" panose="020F0502020204030204" pitchFamily="34" charset="0"/>
-              </a:rPr>
-              <a:t>Individual CV events, revascularization, etc.</a:t>
-            </a:r>
-          </a:p>
-          <a:p>
-            <a:pPr>
-              <a:spcAft>
-                <a:spcPts val="300"/>
-              </a:spcAft>
-            </a:pPr>
-            <a:r>
-              <a:rPr lang="en-US" sz="1400" b="1" dirty="0">
-                <a:latin typeface="Calibri" panose="020F0502020204030204" pitchFamily="34" charset="0"/>
-                <a:ea typeface="Calibri" panose="020F0502020204030204" pitchFamily="34" charset="0"/>
-              </a:rPr>
-              <a:t>● </a:t>
-            </a:r>
-            <a:r>
-              <a:rPr lang="en-US" sz="1400" dirty="0">
-                <a:latin typeface="Calibri" panose="020F0502020204030204" pitchFamily="34" charset="0"/>
-                <a:ea typeface="Calibri" panose="020F0502020204030204" pitchFamily="34" charset="0"/>
-              </a:rPr>
-              <a:t>Hypoglycemia, UTI, cancer</a:t>
-            </a:r>
-          </a:p>
-          <a:p>
-            <a:pPr>
-              <a:spcAft>
-                <a:spcPts val="300"/>
-              </a:spcAft>
-            </a:pPr>
-            <a:r>
-              <a:rPr lang="en-US" sz="1400" b="1" dirty="0">
-                <a:latin typeface="Calibri" panose="020F0502020204030204" pitchFamily="34" charset="0"/>
-                <a:ea typeface="Calibri" panose="020F0502020204030204" pitchFamily="34" charset="0"/>
-              </a:rPr>
-              <a:t>● </a:t>
-            </a:r>
-            <a:r>
-              <a:rPr lang="en-US" sz="1400" dirty="0">
-                <a:latin typeface="Calibri" panose="020F0502020204030204" pitchFamily="34" charset="0"/>
-                <a:ea typeface="Calibri" panose="020F0502020204030204" pitchFamily="34" charset="0"/>
-              </a:rPr>
-              <a:t>Many patient-centered safety outcomes</a:t>
-            </a:r>
-            <a:endParaRPr lang="en-US" sz="1400" dirty="0">
-              <a:solidFill>
-                <a:srgbClr val="000000"/>
-              </a:solidFill>
-              <a:latin typeface="Calibri" panose="020F0502020204030204" pitchFamily="34" charset="0"/>
-            </a:endParaRPr>
-          </a:p>
-        </p:txBody>
-      </p:sp>
-      <p:sp>
-        <p:nvSpPr>
-          <p:cNvPr id="36" name="TextBox 35">
-            <a:extLst>
-              <a:ext uri="{FF2B5EF4-FFF2-40B4-BE49-F238E27FC236}">
-                <a16:creationId xmlns:a16="http://schemas.microsoft.com/office/drawing/2014/main" id="{EC904DE6-506B-9B4D-AA65-F684291340B9}"/>
-              </a:ext>
-            </a:extLst>
-          </p:cNvPr>
-          <p:cNvSpPr txBox="1"/>
-          <p:nvPr/>
-        </p:nvSpPr>
-        <p:spPr>
-          <a:xfrm>
-            <a:off x="1494406" y="1733390"/>
-            <a:ext cx="7164281" cy="584775"/>
-          </a:xfrm>
-          <a:prstGeom prst="rect">
-            <a:avLst/>
-          </a:prstGeom>
-          <a:noFill/>
-        </p:spPr>
-        <p:txBody>
-          <a:bodyPr wrap="square" rtlCol="0">
-            <a:spAutoFit/>
-          </a:bodyPr>
-          <a:lstStyle/>
-          <a:p>
-            <a:pPr algn="r"/>
-            <a:r>
-              <a:rPr lang="en-US" sz="1400" dirty="0"/>
-              <a:t>* ≥1 - 3 months of metformin Rx</a:t>
-            </a:r>
-          </a:p>
-          <a:p>
-            <a:pPr algn="r"/>
-            <a:endParaRPr lang="en-US" sz="400" dirty="0"/>
-          </a:p>
-          <a:p>
-            <a:pPr algn="r"/>
-            <a:r>
-              <a:rPr lang="en-US" sz="1400" i="1" dirty="0"/>
-              <a:t>Any time prior to 0 days</a:t>
-            </a:r>
-          </a:p>
-        </p:txBody>
-      </p:sp>
-      <p:cxnSp>
-        <p:nvCxnSpPr>
-          <p:cNvPr id="39" name="Straight Arrow Connector 38">
-            <a:extLst>
-              <a:ext uri="{FF2B5EF4-FFF2-40B4-BE49-F238E27FC236}">
-                <a16:creationId xmlns:a16="http://schemas.microsoft.com/office/drawing/2014/main" id="{8597CF8E-B2B2-0D4C-BD23-CA9211FF7817}"/>
-              </a:ext>
-            </a:extLst>
-          </p:cNvPr>
-          <p:cNvCxnSpPr>
-            <a:cxnSpLocks/>
-          </p:cNvCxnSpPr>
-          <p:nvPr/>
-        </p:nvCxnSpPr>
-        <p:spPr>
-          <a:xfrm flipH="1" flipV="1">
-            <a:off x="1449576" y="2018512"/>
-            <a:ext cx="7119904" cy="17755"/>
-          </a:xfrm>
-          <a:prstGeom prst="straightConnector1">
-            <a:avLst/>
-          </a:prstGeom>
-          <a:ln w="19050">
-            <a:solidFill>
-              <a:schemeClr val="tx1"/>
-            </a:solidFill>
-            <a:prstDash val="sysDot"/>
-            <a:headEnd type="none" w="med" len="med"/>
-            <a:tailEnd type="triangle" w="med" len="med"/>
-          </a:ln>
-        </p:spPr>
-        <p:style>
-          <a:lnRef idx="1">
-            <a:schemeClr val="accent1"/>
-          </a:lnRef>
-          <a:fillRef idx="0">
-            <a:schemeClr val="accent1"/>
-          </a:fillRef>
-          <a:effectRef idx="0">
-            <a:schemeClr val="accent1"/>
-          </a:effectRef>
-          <a:fontRef idx="minor">
-            <a:schemeClr val="tx1"/>
-          </a:fontRef>
-        </p:style>
-      </p:cxnSp>
-      <p:sp>
-        <p:nvSpPr>
-          <p:cNvPr id="41" name="TextBox 40">
-            <a:extLst>
-              <a:ext uri="{FF2B5EF4-FFF2-40B4-BE49-F238E27FC236}">
-                <a16:creationId xmlns:a16="http://schemas.microsoft.com/office/drawing/2014/main" id="{B80AFE30-A46C-294D-96B7-ECDF2770851C}"/>
-              </a:ext>
-            </a:extLst>
-          </p:cNvPr>
-          <p:cNvSpPr txBox="1"/>
-          <p:nvPr/>
-        </p:nvSpPr>
-        <p:spPr>
-          <a:xfrm>
-            <a:off x="2702365" y="1993904"/>
-            <a:ext cx="3982719" cy="307777"/>
-          </a:xfrm>
-          <a:prstGeom prst="rect">
-            <a:avLst/>
-          </a:prstGeom>
-          <a:noFill/>
-        </p:spPr>
-        <p:txBody>
-          <a:bodyPr wrap="square" rtlCol="0">
-            <a:spAutoFit/>
-          </a:bodyPr>
-          <a:lstStyle/>
-          <a:p>
-            <a:r>
-              <a:rPr lang="en-US" sz="1400" i="1" dirty="0"/>
-              <a:t>* Stakeholder experiences to refine prior duration</a:t>
-            </a:r>
-            <a:endParaRPr lang="en-US" sz="1100" i="1" dirty="0"/>
-          </a:p>
-        </p:txBody>
-      </p:sp>
-      <p:cxnSp>
-        <p:nvCxnSpPr>
-          <p:cNvPr id="42" name="Straight Arrow Connector 41">
-            <a:extLst>
-              <a:ext uri="{FF2B5EF4-FFF2-40B4-BE49-F238E27FC236}">
-                <a16:creationId xmlns:a16="http://schemas.microsoft.com/office/drawing/2014/main" id="{855B9D8C-4260-7444-BF5E-893C8DC4A0D1}"/>
-              </a:ext>
-            </a:extLst>
-          </p:cNvPr>
-          <p:cNvCxnSpPr>
-            <a:cxnSpLocks/>
-          </p:cNvCxnSpPr>
-          <p:nvPr/>
-        </p:nvCxnSpPr>
-        <p:spPr>
-          <a:xfrm flipH="1" flipV="1">
-            <a:off x="1421723" y="3233227"/>
-            <a:ext cx="7119904" cy="17755"/>
-          </a:xfrm>
-          <a:prstGeom prst="straightConnector1">
-            <a:avLst/>
-          </a:prstGeom>
-          <a:ln w="19050">
-            <a:solidFill>
-              <a:schemeClr val="tx1"/>
-            </a:solidFill>
-            <a:prstDash val="sysDot"/>
-            <a:headEnd type="none" w="med" len="med"/>
-            <a:tailEnd type="triangle" w="med" len="med"/>
-          </a:ln>
-        </p:spPr>
-        <p:style>
-          <a:lnRef idx="1">
-            <a:schemeClr val="accent1"/>
-          </a:lnRef>
-          <a:fillRef idx="0">
-            <a:schemeClr val="accent1"/>
-          </a:fillRef>
-          <a:effectRef idx="0">
-            <a:schemeClr val="accent1"/>
-          </a:effectRef>
-          <a:fontRef idx="minor">
-            <a:schemeClr val="tx1"/>
-          </a:fontRef>
-        </p:style>
-      </p:cxnSp>
-      <p:sp>
-        <p:nvSpPr>
-          <p:cNvPr id="43" name="TextBox 42">
-            <a:extLst>
-              <a:ext uri="{FF2B5EF4-FFF2-40B4-BE49-F238E27FC236}">
-                <a16:creationId xmlns:a16="http://schemas.microsoft.com/office/drawing/2014/main" id="{A0D8016A-D255-5747-8467-2232126D3ADD}"/>
-              </a:ext>
-            </a:extLst>
-          </p:cNvPr>
-          <p:cNvSpPr txBox="1"/>
-          <p:nvPr/>
-        </p:nvSpPr>
-        <p:spPr>
-          <a:xfrm>
-            <a:off x="1480130" y="2285061"/>
-            <a:ext cx="7164281" cy="584775"/>
-          </a:xfrm>
-          <a:prstGeom prst="rect">
-            <a:avLst/>
-          </a:prstGeom>
-          <a:noFill/>
-        </p:spPr>
-        <p:txBody>
-          <a:bodyPr wrap="square" rtlCol="0">
-            <a:spAutoFit/>
-          </a:bodyPr>
-          <a:lstStyle/>
-          <a:p>
-            <a:pPr algn="r"/>
-            <a:r>
-              <a:rPr lang="en-US" sz="1400" dirty="0"/>
-              <a:t>Subgroup inclusion criteria: age, gender, race, cardiovascular risk, renal impairment </a:t>
-            </a:r>
-          </a:p>
-          <a:p>
-            <a:pPr algn="r"/>
-            <a:endParaRPr lang="en-US" sz="400" dirty="0"/>
-          </a:p>
-          <a:p>
-            <a:pPr algn="r"/>
-            <a:r>
-              <a:rPr lang="en-US" sz="1400" i="1" dirty="0"/>
-              <a:t>Any time prior to 0 days</a:t>
-            </a:r>
-          </a:p>
-        </p:txBody>
-      </p:sp>
-      <p:cxnSp>
-        <p:nvCxnSpPr>
-          <p:cNvPr id="44" name="Straight Arrow Connector 43">
-            <a:extLst>
-              <a:ext uri="{FF2B5EF4-FFF2-40B4-BE49-F238E27FC236}">
-                <a16:creationId xmlns:a16="http://schemas.microsoft.com/office/drawing/2014/main" id="{E5E92C19-B6F6-9140-B0DD-45908EC7D146}"/>
-              </a:ext>
-            </a:extLst>
-          </p:cNvPr>
-          <p:cNvCxnSpPr>
-            <a:cxnSpLocks/>
-          </p:cNvCxnSpPr>
-          <p:nvPr/>
-        </p:nvCxnSpPr>
-        <p:spPr>
-          <a:xfrm flipH="1" flipV="1">
-            <a:off x="1435300" y="2570183"/>
-            <a:ext cx="7119904" cy="17755"/>
-          </a:xfrm>
-          <a:prstGeom prst="straightConnector1">
-            <a:avLst/>
-          </a:prstGeom>
-          <a:ln w="19050">
-            <a:solidFill>
-              <a:schemeClr val="tx1"/>
-            </a:solidFill>
-            <a:prstDash val="sysDot"/>
-            <a:headEnd type="none" w="med" len="med"/>
-            <a:tailEnd type="triangle" w="med" len="med"/>
-          </a:ln>
-        </p:spPr>
-        <p:style>
-          <a:lnRef idx="1">
-            <a:schemeClr val="accent1"/>
-          </a:lnRef>
-          <a:fillRef idx="0">
-            <a:schemeClr val="accent1"/>
-          </a:fillRef>
-          <a:effectRef idx="0">
-            <a:schemeClr val="accent1"/>
-          </a:effectRef>
-          <a:fontRef idx="minor">
-            <a:schemeClr val="tx1"/>
-          </a:fontRef>
-        </p:style>
-      </p:cxnSp>
-      <p:sp>
-        <p:nvSpPr>
-          <p:cNvPr id="52" name="TextBox 51">
-            <a:extLst>
-              <a:ext uri="{FF2B5EF4-FFF2-40B4-BE49-F238E27FC236}">
-                <a16:creationId xmlns:a16="http://schemas.microsoft.com/office/drawing/2014/main" id="{B9E9F1B9-2242-E344-90E4-6B79098A6DB8}"/>
-              </a:ext>
-            </a:extLst>
-          </p:cNvPr>
-          <p:cNvSpPr txBox="1"/>
-          <p:nvPr/>
-        </p:nvSpPr>
-        <p:spPr>
-          <a:xfrm>
-            <a:off x="354492" y="2370128"/>
-            <a:ext cx="964717" cy="400110"/>
-          </a:xfrm>
-          <a:prstGeom prst="rect">
-            <a:avLst/>
-          </a:prstGeom>
-          <a:noFill/>
-        </p:spPr>
-        <p:txBody>
-          <a:bodyPr wrap="square" rtlCol="0">
-            <a:spAutoFit/>
-          </a:bodyPr>
-          <a:lstStyle/>
-          <a:p>
-            <a:pPr algn="ctr"/>
-            <a:r>
-              <a:rPr lang="en-US" sz="1000" b="1" dirty="0"/>
-              <a:t>Heterogeneity</a:t>
-            </a:r>
-          </a:p>
-          <a:p>
-            <a:pPr algn="ctr"/>
-            <a:r>
-              <a:rPr lang="en-US" sz="1000" b="1" dirty="0"/>
-              <a:t> trial only</a:t>
-            </a:r>
-          </a:p>
-        </p:txBody>
-      </p:sp>
-      <p:sp>
-        <p:nvSpPr>
-          <p:cNvPr id="53" name="TextBox 52">
-            <a:extLst>
-              <a:ext uri="{FF2B5EF4-FFF2-40B4-BE49-F238E27FC236}">
-                <a16:creationId xmlns:a16="http://schemas.microsoft.com/office/drawing/2014/main" id="{EDF47023-AB75-7849-8955-EB6953F03E85}"/>
-              </a:ext>
-            </a:extLst>
-          </p:cNvPr>
-          <p:cNvSpPr txBox="1"/>
-          <p:nvPr/>
-        </p:nvSpPr>
-        <p:spPr>
-          <a:xfrm>
-            <a:off x="0" y="3545554"/>
-            <a:ext cx="7255759" cy="246221"/>
-          </a:xfrm>
-          <a:prstGeom prst="rect">
-            <a:avLst/>
-          </a:prstGeom>
-          <a:noFill/>
-        </p:spPr>
-        <p:txBody>
-          <a:bodyPr wrap="square" rtlCol="0">
-            <a:spAutoFit/>
-          </a:bodyPr>
-          <a:lstStyle/>
-          <a:p>
-            <a:r>
-              <a:rPr lang="en-US" sz="1000" dirty="0"/>
-              <a:t>4 class / 6 comparisons (</a:t>
-            </a:r>
-            <a:r>
-              <a:rPr lang="en-US" sz="1000" b="1" dirty="0"/>
-              <a:t>Class-vs-Class  and Heterogeneity Trial</a:t>
-            </a:r>
-            <a:r>
-              <a:rPr lang="en-US" sz="1000" dirty="0"/>
-              <a:t>); 22 drugs / 231 comparisons (</a:t>
-            </a:r>
-            <a:r>
-              <a:rPr lang="en-US" sz="1000" b="1" dirty="0"/>
-              <a:t>Drug-vs-Drug and Heterogeneity Trial)</a:t>
-            </a:r>
-          </a:p>
-        </p:txBody>
-      </p:sp>
-      <p:sp>
-        <p:nvSpPr>
-          <p:cNvPr id="54" name="TextBox 53">
-            <a:extLst>
-              <a:ext uri="{FF2B5EF4-FFF2-40B4-BE49-F238E27FC236}">
-                <a16:creationId xmlns:a16="http://schemas.microsoft.com/office/drawing/2014/main" id="{231F3724-8C2C-BD4D-895B-B225B6411D74}"/>
-              </a:ext>
-            </a:extLst>
-          </p:cNvPr>
-          <p:cNvSpPr txBox="1"/>
-          <p:nvPr/>
-        </p:nvSpPr>
-        <p:spPr>
-          <a:xfrm>
-            <a:off x="4811663" y="4312956"/>
-            <a:ext cx="1636478" cy="307777"/>
-          </a:xfrm>
-          <a:prstGeom prst="rect">
-            <a:avLst/>
-          </a:prstGeom>
-          <a:noFill/>
-        </p:spPr>
-        <p:txBody>
-          <a:bodyPr wrap="square" rtlCol="0">
-            <a:spAutoFit/>
-          </a:bodyPr>
-          <a:lstStyle/>
-          <a:p>
-            <a:pPr algn="r"/>
-            <a:r>
-              <a:rPr lang="en-US" sz="1400" i="1" dirty="0"/>
-              <a:t>-365 to 0 days</a:t>
-            </a:r>
-            <a:endParaRPr lang="en-US" sz="1100" i="1" dirty="0"/>
-          </a:p>
-        </p:txBody>
-      </p:sp>
-      <p:sp>
-        <p:nvSpPr>
-          <p:cNvPr id="58" name="Rectangle 57">
-            <a:extLst>
-              <a:ext uri="{FF2B5EF4-FFF2-40B4-BE49-F238E27FC236}">
-                <a16:creationId xmlns:a16="http://schemas.microsoft.com/office/drawing/2014/main" id="{5FDA432C-2A06-814F-A8E5-B8E1898B5B9E}"/>
-              </a:ext>
-            </a:extLst>
-          </p:cNvPr>
-          <p:cNvSpPr/>
-          <p:nvPr/>
-        </p:nvSpPr>
-        <p:spPr>
-          <a:xfrm>
-            <a:off x="8683347" y="3483690"/>
-            <a:ext cx="4144441" cy="738664"/>
-          </a:xfrm>
-          <a:prstGeom prst="rect">
-            <a:avLst/>
-          </a:prstGeom>
-        </p:spPr>
-        <p:txBody>
-          <a:bodyPr wrap="square">
-            <a:spAutoFit/>
-          </a:bodyPr>
-          <a:lstStyle/>
-          <a:p>
-            <a:r>
-              <a:rPr lang="en-US" sz="1400" i="1" dirty="0">
-                <a:latin typeface="Calibri" panose="020F0502020204030204" pitchFamily="34" charset="0"/>
-                <a:ea typeface="Calibri" panose="020F0502020204030204" pitchFamily="34" charset="0"/>
-              </a:rPr>
-              <a:t>Calibration for residual systematic error</a:t>
-            </a:r>
-            <a:r>
-              <a:rPr lang="en-US" sz="1400" dirty="0">
-                <a:latin typeface="Calibri" panose="020F0502020204030204" pitchFamily="34" charset="0"/>
-                <a:ea typeface="Calibri" panose="020F0502020204030204" pitchFamily="34" charset="0"/>
-              </a:rPr>
-              <a:t>: </a:t>
-            </a:r>
-          </a:p>
-          <a:p>
-            <a:r>
-              <a:rPr lang="en-US" sz="1400" b="1" dirty="0">
-                <a:latin typeface="Calibri" panose="020F0502020204030204" pitchFamily="34" charset="0"/>
-                <a:ea typeface="Calibri" panose="020F0502020204030204" pitchFamily="34" charset="0"/>
-              </a:rPr>
-              <a:t>● </a:t>
-            </a:r>
-            <a:r>
-              <a:rPr lang="en-US" sz="1400" dirty="0">
-                <a:latin typeface="Calibri" panose="020F0502020204030204" pitchFamily="34" charset="0"/>
-                <a:ea typeface="Calibri" panose="020F0502020204030204" pitchFamily="34" charset="0"/>
-              </a:rPr>
-              <a:t>Up to 100 negative control (falsification) outcomes</a:t>
-            </a:r>
-          </a:p>
-          <a:p>
-            <a:endParaRPr lang="en-US" sz="1400" dirty="0">
-              <a:latin typeface="Calibri" panose="020F0502020204030204" pitchFamily="34" charset="0"/>
-            </a:endParaRPr>
-          </a:p>
-        </p:txBody>
-      </p:sp>
+              </a:endParaRPr>
+            </a:p>
+          </p:txBody>
+        </p:sp>
+      </p:grpSp>
     </p:spTree>
     <p:extLst>
       <p:ext uri="{BB962C8B-B14F-4D97-AF65-F5344CB8AC3E}">
@@ -5326,6 +5346,267 @@
 </file>
 
 <file path=ppt/theme/theme1.xml><?xml version="1.0" encoding="utf-8"?>
+<a:theme xmlns:a="http://schemas.openxmlformats.org/drawingml/2006/main" name="Office Theme">
+  <a:themeElements>
+    <a:clrScheme name="Office Theme">
+      <a:dk1>
+        <a:sysClr val="windowText" lastClr="000000"/>
+      </a:dk1>
+      <a:lt1>
+        <a:sysClr val="window" lastClr="FFFFFF"/>
+      </a:lt1>
+      <a:dk2>
+        <a:srgbClr val="44546A"/>
+      </a:dk2>
+      <a:lt2>
+        <a:srgbClr val="E7E6E6"/>
+      </a:lt2>
+      <a:accent1>
+        <a:srgbClr val="4472C4"/>
+      </a:accent1>
+      <a:accent2>
+        <a:srgbClr val="ED7D31"/>
+      </a:accent2>
+      <a:accent3>
+        <a:srgbClr val="A5A5A5"/>
+      </a:accent3>
+      <a:accent4>
+        <a:srgbClr val="FFC000"/>
+      </a:accent4>
+      <a:accent5>
+        <a:srgbClr val="5B9BD5"/>
+      </a:accent5>
+      <a:accent6>
+        <a:srgbClr val="70AD47"/>
+      </a:accent6>
+      <a:hlink>
+        <a:srgbClr val="0563C1"/>
+      </a:hlink>
+      <a:folHlink>
+        <a:srgbClr val="954F72"/>
+      </a:folHlink>
+    </a:clrScheme>
+    <a:fontScheme name="Office Theme">
+      <a:majorFont>
+        <a:latin typeface="Calibri Light" panose="020F0302020204030204"/>
+        <a:ea typeface=""/>
+        <a:cs typeface=""/>
+        <a:font script="Jpan" typeface="游ゴシック Light"/>
+        <a:font script="Hang" typeface="맑은 고딕"/>
+        <a:font script="Hans" typeface="等线 Light"/>
+        <a:font script="Hant" typeface="新細明體"/>
+        <a:font script="Arab" typeface="Times New Roman"/>
+        <a:font script="Hebr" typeface="Times New Roman"/>
+        <a:font script="Thai" typeface="Angsana New"/>
+        <a:font script="Ethi" typeface="Nyala"/>
+        <a:font script="Beng" typeface="Vrinda"/>
+        <a:font script="Gujr" typeface="Shruti"/>
+        <a:font script="Khmr" typeface="MoolBoran"/>
+        <a:font script="Knda" typeface="Tunga"/>
+        <a:font script="Guru" typeface="Raavi"/>
+        <a:font script="Cans" typeface="Euphemia"/>
+        <a:font script="Cher" typeface="Plantagenet Cherokee"/>
+        <a:font script="Yiii" typeface="Microsoft Yi Baiti"/>
+        <a:font script="Tibt" typeface="Microsoft Himalaya"/>
+        <a:font script="Thaa" typeface="MV Boli"/>
+        <a:font script="Deva" typeface="Mangal"/>
+        <a:font script="Telu" typeface="Gautami"/>
+        <a:font script="Taml" typeface="Latha"/>
+        <a:font script="Syrc" typeface="Estrangelo Edessa"/>
+        <a:font script="Orya" typeface="Kalinga"/>
+        <a:font script="Mlym" typeface="Kartika"/>
+        <a:font script="Laoo" typeface="DokChampa"/>
+        <a:font script="Sinh" typeface="Iskoola Pota"/>
+        <a:font script="Mong" typeface="Mongolian Baiti"/>
+        <a:font script="Viet" typeface="Times New Roman"/>
+        <a:font script="Uigh" typeface="Microsoft Uighur"/>
+        <a:font script="Geor" typeface="Sylfaen"/>
+      </a:majorFont>
+      <a:minorFont>
+        <a:latin typeface="Calibri" panose="020F0502020204030204"/>
+        <a:ea typeface=""/>
+        <a:cs typeface=""/>
+        <a:font script="Jpan" typeface="游ゴシック"/>
+        <a:font script="Hang" typeface="맑은 고딕"/>
+        <a:font script="Hans" typeface="等线"/>
+        <a:font script="Hant" typeface="新細明體"/>
+        <a:font script="Arab" typeface="Arial"/>
+        <a:font script="Hebr" typeface="Arial"/>
+        <a:font script="Thai" typeface="Cordia New"/>
+        <a:font script="Ethi" typeface="Nyala"/>
+        <a:font script="Beng" typeface="Vrinda"/>
+        <a:font script="Gujr" typeface="Shruti"/>
+        <a:font script="Khmr" typeface="DaunPenh"/>
+        <a:font script="Knda" typeface="Tunga"/>
+        <a:font script="Guru" typeface="Raavi"/>
+        <a:font script="Cans" typeface="Euphemia"/>
+        <a:font script="Cher" typeface="Plantagenet Cherokee"/>
+        <a:font script="Yiii" typeface="Microsoft Yi Baiti"/>
+        <a:font script="Tibt" typeface="Microsoft Himalaya"/>
+        <a:font script="Thaa" typeface="MV Boli"/>
+        <a:font script="Deva" typeface="Mangal"/>
+        <a:font script="Telu" typeface="Gautami"/>
+        <a:font script="Taml" typeface="Latha"/>
+        <a:font script="Syrc" typeface="Estrangelo Edessa"/>
+        <a:font script="Orya" typeface="Kalinga"/>
+        <a:font script="Mlym" typeface="Kartika"/>
+        <a:font script="Laoo" typeface="DokChampa"/>
+        <a:font script="Sinh" typeface="Iskoola Pota"/>
+        <a:font script="Mong" typeface="Mongolian Baiti"/>
+        <a:font script="Viet" typeface="Arial"/>
+        <a:font script="Uigh" typeface="Microsoft Uighur"/>
+        <a:font script="Geor" typeface="Sylfaen"/>
+      </a:minorFont>
+    </a:fontScheme>
+    <a:fmtScheme name="Office Theme">
+      <a:fillStyleLst>
+        <a:solidFill>
+          <a:schemeClr val="phClr"/>
+        </a:solidFill>
+        <a:gradFill rotWithShape="1">
+          <a:gsLst>
+            <a:gs pos="0">
+              <a:schemeClr val="phClr">
+                <a:lumMod val="110000"/>
+                <a:satMod val="105000"/>
+                <a:tint val="67000"/>
+              </a:schemeClr>
+            </a:gs>
+            <a:gs pos="50000">
+              <a:schemeClr val="phClr">
+                <a:lumMod val="105000"/>
+                <a:satMod val="103000"/>
+                <a:tint val="73000"/>
+              </a:schemeClr>
+            </a:gs>
+            <a:gs pos="100000">
+              <a:schemeClr val="phClr">
+                <a:lumMod val="105000"/>
+                <a:satMod val="109000"/>
+                <a:tint val="81000"/>
+              </a:schemeClr>
+            </a:gs>
+          </a:gsLst>
+          <a:lin ang="5400000" scaled="0"/>
+        </a:gradFill>
+        <a:gradFill rotWithShape="1">
+          <a:gsLst>
+            <a:gs pos="0">
+              <a:schemeClr val="phClr">
+                <a:satMod val="103000"/>
+                <a:lumMod val="102000"/>
+                <a:tint val="94000"/>
+              </a:schemeClr>
+            </a:gs>
+            <a:gs pos="50000">
+              <a:schemeClr val="phClr">
+                <a:satMod val="110000"/>
+                <a:lumMod val="100000"/>
+                <a:shade val="100000"/>
+              </a:schemeClr>
+            </a:gs>
+            <a:gs pos="100000">
+              <a:schemeClr val="phClr">
+                <a:lumMod val="99000"/>
+                <a:satMod val="120000"/>
+                <a:shade val="78000"/>
+              </a:schemeClr>
+            </a:gs>
+          </a:gsLst>
+          <a:lin ang="5400000" scaled="0"/>
+        </a:gradFill>
+      </a:fillStyleLst>
+      <a:lnStyleLst>
+        <a:ln w="6350" cap="flat" cmpd="sng" algn="ctr">
+          <a:solidFill>
+            <a:schemeClr val="phClr"/>
+          </a:solidFill>
+          <a:prstDash val="solid"/>
+          <a:miter lim="800000"/>
+        </a:ln>
+        <a:ln w="12700" cap="flat" cmpd="sng" algn="ctr">
+          <a:solidFill>
+            <a:schemeClr val="phClr"/>
+          </a:solidFill>
+          <a:prstDash val="solid"/>
+          <a:miter lim="800000"/>
+        </a:ln>
+        <a:ln w="19050" cap="flat" cmpd="sng" algn="ctr">
+          <a:solidFill>
+            <a:schemeClr val="phClr"/>
+          </a:solidFill>
+          <a:prstDash val="solid"/>
+          <a:miter lim="800000"/>
+        </a:ln>
+      </a:lnStyleLst>
+      <a:effectStyleLst>
+        <a:effectStyle>
+          <a:effectLst/>
+        </a:effectStyle>
+        <a:effectStyle>
+          <a:effectLst/>
+        </a:effectStyle>
+        <a:effectStyle>
+          <a:effectLst>
+            <a:outerShdw blurRad="57150" dist="19050" dir="5400000" algn="ctr" rotWithShape="0">
+              <a:srgbClr val="000000">
+                <a:alpha val="63000"/>
+              </a:srgbClr>
+            </a:outerShdw>
+          </a:effectLst>
+        </a:effectStyle>
+      </a:effectStyleLst>
+      <a:bgFillStyleLst>
+        <a:solidFill>
+          <a:schemeClr val="phClr"/>
+        </a:solidFill>
+        <a:solidFill>
+          <a:schemeClr val="phClr">
+            <a:tint val="95000"/>
+            <a:satMod val="170000"/>
+          </a:schemeClr>
+        </a:solidFill>
+        <a:gradFill rotWithShape="1">
+          <a:gsLst>
+            <a:gs pos="0">
+              <a:schemeClr val="phClr">
+                <a:tint val="93000"/>
+                <a:satMod val="150000"/>
+                <a:shade val="98000"/>
+                <a:lumMod val="102000"/>
+              </a:schemeClr>
+            </a:gs>
+            <a:gs pos="50000">
+              <a:schemeClr val="phClr">
+                <a:tint val="98000"/>
+                <a:satMod val="130000"/>
+                <a:shade val="90000"/>
+                <a:lumMod val="103000"/>
+              </a:schemeClr>
+            </a:gs>
+            <a:gs pos="100000">
+              <a:schemeClr val="phClr">
+                <a:shade val="63000"/>
+                <a:satMod val="120000"/>
+              </a:schemeClr>
+            </a:gs>
+          </a:gsLst>
+          <a:lin ang="5400000" scaled="0"/>
+        </a:gradFill>
+      </a:bgFillStyleLst>
+    </a:fmtScheme>
+  </a:themeElements>
+  <a:objectDefaults/>
+  <a:extraClrSchemeLst/>
+  <a:extLst>
+    <a:ext uri="{05A4C25C-085E-4340-85A3-A5531E510DB2}">
+      <thm15:themeFamily xmlns:thm15="http://schemas.microsoft.com/office/thememl/2012/main" name="Office Theme" id="{62F939B6-93AF-4DB8-9C6B-D6C7DFDC589F}" vid="{4A3C46E8-61CC-4603-A589-7422A47A8E4A}"/>
+    </a:ext>
+  </a:extLst>
+</a:theme>
+</file>
+
+<file path=ppt/theme/theme2.xml><?xml version="1.0" encoding="utf-8"?>
 <a:theme xmlns:a="http://schemas.openxmlformats.org/drawingml/2006/main" name="Office Theme">
   <a:themeElements>
     <a:clrScheme name="Office">
